--- a/Report/机器学习自学基础/Machine Learning.pptx
+++ b/Report/机器学习自学基础/Machine Learning.pptx
@@ -6,19 +6,19 @@
     <p:sldMasterId id="2147483660" r:id="rId3"/>
   </p:sldMasterIdLst>
   <p:notesMasterIdLst>
-    <p:notesMasterId r:id="rId7"/>
+    <p:notesMasterId r:id="rId5"/>
   </p:notesMasterIdLst>
   <p:sldIdLst>
     <p:sldId id="256" r:id="rId4"/>
-    <p:sldId id="322" r:id="rId5"/>
-    <p:sldId id="273" r:id="rId6"/>
-    <p:sldId id="258" r:id="rId8"/>
-    <p:sldId id="260" r:id="rId9"/>
-    <p:sldId id="261" r:id="rId10"/>
-    <p:sldId id="274" r:id="rId11"/>
-    <p:sldId id="262" r:id="rId12"/>
-    <p:sldId id="263" r:id="rId13"/>
-    <p:sldId id="264" r:id="rId14"/>
+    <p:sldId id="322" r:id="rId6"/>
+    <p:sldId id="273" r:id="rId7"/>
+    <p:sldId id="260" r:id="rId8"/>
+    <p:sldId id="261" r:id="rId9"/>
+    <p:sldId id="274" r:id="rId10"/>
+    <p:sldId id="262" r:id="rId11"/>
+    <p:sldId id="263" r:id="rId12"/>
+    <p:sldId id="264" r:id="rId13"/>
+    <p:sldId id="258" r:id="rId14"/>
     <p:sldId id="265" r:id="rId15"/>
     <p:sldId id="266" r:id="rId16"/>
     <p:sldId id="267" r:id="rId17"/>
@@ -497,63 +497,46 @@
         <p:cNvGrpSpPr/>
         <p:nvPr/>
       </p:nvGrpSpPr>
-      <p:grpSpPr>
-        <a:xfrm>
-          <a:off x="0" y="0"/>
-          <a:ext cx="0" cy="0"/>
-          <a:chOff x="0" y="0"/>
-          <a:chExt cx="0" cy="0"/>
-        </a:xfrm>
-      </p:grpSpPr>
-      <p:sp>
-        <p:nvSpPr>
-          <p:cNvPr id="2" name="幻灯片图像占位符 1"/>
-          <p:cNvSpPr>
-            <a:spLocks noGrp="1" noRot="1" noChangeAspect="1"/>
-          </p:cNvSpPr>
-          <p:nvPr>
-            <p:ph type="sldImg"/>
-          </p:nvPr>
-        </p:nvSpPr>
-        <p:spPr/>
-      </p:sp>
-      <p:sp>
-        <p:nvSpPr>
-          <p:cNvPr id="3" name="备注占位符 2"/>
-          <p:cNvSpPr>
-            <a:spLocks noGrp="1"/>
-          </p:cNvSpPr>
-          <p:nvPr>
-            <p:ph type="body" idx="1"/>
-          </p:nvPr>
-        </p:nvSpPr>
-        <p:spPr/>
-        <p:txBody>
-          <a:bodyPr/>
-          <a:lstStyle/>
-          <a:p>
-            <a:r>
-              <a:rPr lang="zh-CN" altLang="en-US" dirty="0"/>
-              <a:t>学习算法的定义、样本、一些常见的机器学习任务、性能度量、经验、线性回归。</a:t>
-            </a:r>
-            <a:endParaRPr lang="en-US" altLang="zh-CN" dirty="0"/>
-          </a:p>
-        </p:txBody>
-      </p:sp>
-      <p:sp>
-        <p:nvSpPr>
-          <p:cNvPr id="4" name="灯片编号占位符 3"/>
-          <p:cNvSpPr>
-            <a:spLocks noGrp="1"/>
-          </p:cNvSpPr>
-          <p:nvPr>
-            <p:ph type="sldNum" sz="quarter" idx="10"/>
-          </p:nvPr>
-        </p:nvSpPr>
-        <p:spPr/>
-        <p:txBody>
-          <a:bodyPr/>
-          <a:lstStyle/>
+      <p:grpSpPr/>
+      <p:sp>
+        <p:nvSpPr>
+          <p:cNvPr id="2" name="Slide Image Placeholder 1"/>
+          <p:cNvSpPr/>
+          <p:nvPr>
+            <p:ph type="sldImg" idx="2"/>
+          </p:nvPr>
+        </p:nvSpPr>
+        <p:spPr/>
+      </p:sp>
+      <p:sp>
+        <p:nvSpPr>
+          <p:cNvPr id="3" name="Text Placeholder 2"/>
+          <p:cNvSpPr/>
+          <p:nvPr>
+            <p:ph type="body" idx="3"/>
+          </p:nvPr>
+        </p:nvSpPr>
+        <p:spPr/>
+        <p:txBody>
+          <a:bodyPr/>
+          <a:p>
+            <a:endParaRPr lang="en-US" altLang="en-US"/>
+          </a:p>
+        </p:txBody>
+      </p:sp>
+      <p:sp>
+        <p:nvSpPr>
+          <p:cNvPr id="4" name="Slide Number Placeholder 3"/>
+          <p:cNvSpPr>
+            <a:spLocks noGrp="1"/>
+          </p:cNvSpPr>
+          <p:nvPr>
+            <p:ph type="sldNum" sz="quarter" idx="5"/>
+          </p:nvPr>
+        </p:nvSpPr>
+        <p:spPr/>
+        <p:txBody>
+          <a:bodyPr/>
           <a:p>
             <a:fld id="{28F939E2-2BBE-9640-A681-74C4DED86A81}" type="slidenum">
               <a:rPr kumimoji="1" lang="zh-CN" altLang="en-US" smtClean="0"/>
@@ -624,7 +607,7 @@
                 <a:ea typeface="+mn-ea"/>
                 <a:cs typeface="+mn-cs"/>
               </a:rPr>
-              <a:t>密度估计：</a:t>
+              <a:t>去噪：</a:t>
             </a:r>
             <a:endParaRPr lang="en-US" altLang="zh-CN" sz="1200" kern="1200" dirty="0">
               <a:solidFill>
@@ -647,7 +630,7 @@
                 <a:ea typeface="+mn-ea"/>
                 <a:cs typeface="+mn-cs"/>
               </a:rPr>
-              <a:t>学习函数</a:t>
+              <a:t>输入：干净样本</a:t>
             </a:r>
             <a:r>
               <a:rPr lang="en-US" altLang="zh-CN" sz="1200" kern="1200" dirty="0">
@@ -659,7 +642,7 @@
                 <a:ea typeface="+mn-ea"/>
                 <a:cs typeface="+mn-cs"/>
               </a:rPr>
-              <a:t>p</a:t>
+              <a:t>x</a:t>
             </a:r>
             <a:r>
               <a:rPr lang="zh-CN" altLang="zh-CN" sz="1200" kern="1200" dirty="0">
@@ -671,7 +654,7 @@
                 <a:ea typeface="+mn-ea"/>
                 <a:cs typeface="+mn-cs"/>
               </a:rPr>
-              <a:t>：</a:t>
+              <a:t>∈</a:t>
             </a:r>
             <a:r>
               <a:rPr lang="en-US" altLang="zh-CN" sz="1200" kern="1200" dirty="0">
@@ -683,7 +666,7 @@
                 <a:ea typeface="+mn-ea"/>
                 <a:cs typeface="+mn-cs"/>
               </a:rPr>
-              <a:t>R(n)-&gt;R, </a:t>
+              <a:t>R(n)</a:t>
             </a:r>
             <a:r>
               <a:rPr lang="zh-CN" altLang="zh-CN" sz="1200" kern="1200" dirty="0">
@@ -695,7 +678,7 @@
                 <a:ea typeface="+mn-ea"/>
                 <a:cs typeface="+mn-cs"/>
               </a:rPr>
-              <a:t>其中</a:t>
+              <a:t>经过未知损坏后的损坏样本</a:t>
             </a:r>
             <a:r>
               <a:rPr lang="en-US" altLang="zh-CN" sz="1200" kern="1200" dirty="0">
@@ -707,19 +690,7 @@
                 <a:ea typeface="+mn-ea"/>
                 <a:cs typeface="+mn-cs"/>
               </a:rPr>
-              <a:t>P(x)</a:t>
-            </a:r>
-            <a:r>
-              <a:rPr lang="zh-CN" altLang="zh-CN" sz="1200" kern="1200" dirty="0">
-                <a:solidFill>
-                  <a:schemeClr val="tx1"/>
-                </a:solidFill>
-                <a:effectLst/>
-                <a:latin typeface="+mn-lt"/>
-                <a:ea typeface="+mn-ea"/>
-                <a:cs typeface="+mn-cs"/>
-              </a:rPr>
-              <a:t>可解释成样本采样空间的概率密度函数。</a:t>
+              <a:t>y</a:t>
             </a:r>
             <a:endParaRPr lang="zh-CN" altLang="zh-CN" sz="1200" kern="1200" dirty="0">
               <a:solidFill>
@@ -742,7 +713,7 @@
                 <a:ea typeface="+mn-ea"/>
                 <a:cs typeface="+mn-cs"/>
               </a:rPr>
-              <a:t>如果通过密度估计得到概率分布，我们可以用它解决缺失值填补任务。如果</a:t>
+              <a:t>输出：预测初干净的样本</a:t>
             </a:r>
             <a:r>
               <a:rPr lang="en-US" altLang="zh-CN" sz="1200" kern="1200" dirty="0">
@@ -754,7 +725,7 @@
                 <a:ea typeface="+mn-ea"/>
                 <a:cs typeface="+mn-cs"/>
               </a:rPr>
-              <a:t>xi </a:t>
+              <a:t>x</a:t>
             </a:r>
             <a:r>
               <a:rPr lang="zh-CN" altLang="zh-CN" sz="1200" kern="1200" dirty="0">
@@ -766,19 +737,7 @@
                 <a:ea typeface="+mn-ea"/>
                 <a:cs typeface="+mn-cs"/>
               </a:rPr>
-              <a:t>的值是缺失的，但是其他的变量值</a:t>
-            </a:r>
-            <a:r>
-              <a:rPr lang="en-US" altLang="zh-CN" sz="1200" b="1" kern="1200" dirty="0">
-                <a:solidFill>
-                  <a:schemeClr val="tx1"/>
-                </a:solidFill>
-                <a:effectLst/>
-                <a:latin typeface="+mn-lt"/>
-                <a:ea typeface="+mn-ea"/>
-                <a:cs typeface="+mn-cs"/>
-              </a:rPr>
-              <a:t>x</a:t>
+              <a:t>，或者更一般的预测条件概率分布</a:t>
             </a:r>
             <a:r>
               <a:rPr lang="en-US" altLang="zh-CN" sz="1200" kern="1200" dirty="0">
@@ -790,19 +749,19 @@
                 <a:ea typeface="+mn-ea"/>
                 <a:cs typeface="+mn-cs"/>
               </a:rPr>
-              <a:t> </a:t>
-            </a:r>
-            <a:r>
-              <a:rPr lang="zh-CN" altLang="zh-CN" sz="1200" kern="1200" dirty="0">
-                <a:solidFill>
-                  <a:schemeClr val="tx1"/>
-                </a:solidFill>
-                <a:effectLst/>
-                <a:latin typeface="+mn-lt"/>
-                <a:ea typeface="+mn-ea"/>
-                <a:cs typeface="+mn-cs"/>
-              </a:rPr>
-              <a:t>已知，那么我们可以得到条件概率分布</a:t>
+              <a:t>p(</a:t>
+            </a:r>
+            <a:r>
+              <a:rPr lang="en-US" altLang="zh-CN" sz="1200" kern="1200" dirty="0" err="1">
+                <a:solidFill>
+                  <a:schemeClr val="tx1"/>
+                </a:solidFill>
+                <a:effectLst/>
+                <a:latin typeface="+mn-lt"/>
+                <a:ea typeface="+mn-ea"/>
+                <a:cs typeface="+mn-cs"/>
+              </a:rPr>
+              <a:t>x|y</a:t>
             </a:r>
             <a:r>
               <a:rPr lang="en-US" altLang="zh-CN" sz="1200" kern="1200" dirty="0">
@@ -814,43 +773,7 @@
                 <a:ea typeface="+mn-ea"/>
                 <a:cs typeface="+mn-cs"/>
               </a:rPr>
-              <a:t>p(xi | </a:t>
-            </a:r>
-            <a:r>
-              <a:rPr lang="en-US" altLang="zh-CN" sz="1200" b="1" kern="1200" dirty="0">
-                <a:solidFill>
-                  <a:schemeClr val="tx1"/>
-                </a:solidFill>
-                <a:effectLst/>
-                <a:latin typeface="+mn-lt"/>
-                <a:ea typeface="+mn-ea"/>
-                <a:cs typeface="+mn-cs"/>
-              </a:rPr>
-              <a:t>x</a:t>
-            </a:r>
-            <a:r>
-              <a:rPr lang="en-US" altLang="zh-CN" sz="1200" kern="1200" dirty="0">
-                <a:solidFill>
-                  <a:schemeClr val="tx1"/>
-                </a:solidFill>
-                <a:effectLst/>
-                <a:latin typeface="+mn-lt"/>
-                <a:ea typeface="+mn-ea"/>
-                <a:cs typeface="+mn-cs"/>
-              </a:rPr>
               <a:t>)</a:t>
-            </a:r>
-            <a:r>
-              <a:rPr lang="zh-CN" altLang="zh-CN" sz="1200" kern="1200" dirty="0">
-                <a:solidFill>
-                  <a:schemeClr val="tx1"/>
-                </a:solidFill>
-                <a:effectLst/>
-                <a:latin typeface="+mn-lt"/>
-                <a:ea typeface="+mn-ea"/>
-                <a:cs typeface="+mn-cs"/>
-              </a:rPr>
-              <a:t>。</a:t>
             </a:r>
             <a:endParaRPr lang="zh-CN" altLang="zh-CN" sz="1200" kern="1200" dirty="0">
               <a:solidFill>
@@ -941,57 +864,17 @@
           <a:bodyPr/>
           <a:lstStyle/>
           <a:p>
-            <a:pPr marL="0" marR="0" lvl="0" indent="0" algn="l" defTabSz="457200" rtl="0" eaLnBrk="1" fontAlgn="auto" latinLnBrk="0" hangingPunct="1">
-              <a:lnSpc>
-                <a:spcPct val="100000"/>
-              </a:lnSpc>
-              <a:spcBef>
-                <a:spcPts val="0"/>
-              </a:spcBef>
-              <a:spcAft>
-                <a:spcPts val="0"/>
-              </a:spcAft>
-              <a:buClrTx/>
-              <a:buSzTx/>
-              <a:buFontTx/>
-              <a:buNone/>
-              <a:defRPr/>
-            </a:pPr>
-            <a:r>
-              <a:rPr lang="zh-CN" altLang="zh-CN" sz="1200" kern="1200" dirty="0">
-                <a:solidFill>
-                  <a:schemeClr val="tx1"/>
-                </a:solidFill>
-                <a:effectLst/>
-                <a:latin typeface="+mn-lt"/>
-                <a:ea typeface="+mn-ea"/>
-                <a:cs typeface="+mn-cs"/>
-              </a:rPr>
-              <a:t>我们可以用</a:t>
-            </a:r>
-            <a:r>
-              <a:rPr lang="zh-CN" altLang="zh-CN" sz="1200" b="1" kern="1200" dirty="0">
-                <a:solidFill>
-                  <a:schemeClr val="tx1"/>
-                </a:solidFill>
-                <a:effectLst/>
-                <a:latin typeface="+mn-lt"/>
-                <a:ea typeface="+mn-ea"/>
-                <a:cs typeface="+mn-cs"/>
-              </a:rPr>
-              <a:t>准确率或错误率</a:t>
-            </a:r>
-            <a:r>
-              <a:rPr lang="zh-CN" altLang="zh-CN" sz="1200" kern="1200" dirty="0">
-                <a:solidFill>
-                  <a:schemeClr val="tx1"/>
-                </a:solidFill>
-                <a:effectLst/>
-                <a:latin typeface="+mn-lt"/>
-                <a:ea typeface="+mn-ea"/>
-                <a:cs typeface="+mn-cs"/>
-              </a:rPr>
-              <a:t>来表示。</a:t>
+            <a:r>
+              <a:rPr lang="zh-CN" altLang="en-US" sz="1200" kern="1200" dirty="0">
+                <a:solidFill>
+                  <a:schemeClr val="tx1"/>
+                </a:solidFill>
+                <a:effectLst/>
+                <a:latin typeface="+mn-lt"/>
+                <a:ea typeface="+mn-ea"/>
+                <a:cs typeface="+mn-cs"/>
+              </a:rPr>
+              <a:t>密度估计：</a:t>
             </a:r>
             <a:endParaRPr lang="en-US" altLang="zh-CN" sz="1200" kern="1200" dirty="0">
               <a:solidFill>
@@ -1004,22 +887,6 @@
             </a:endParaRPr>
           </a:p>
           <a:p>
-            <a:pPr marL="0" marR="0" lvl="0" indent="0" algn="l" defTabSz="457200" rtl="0" eaLnBrk="1" fontAlgn="auto" latinLnBrk="0" hangingPunct="1">
-              <a:lnSpc>
-                <a:spcPct val="100000"/>
-              </a:lnSpc>
-              <a:spcBef>
-                <a:spcPts val="0"/>
-              </a:spcBef>
-              <a:spcAft>
-                <a:spcPts val="0"/>
-              </a:spcAft>
-              <a:buClrTx/>
-              <a:buSzTx/>
-              <a:buFontTx/>
-              <a:buNone/>
-              <a:defRPr/>
-            </a:pPr>
             <a:r>
               <a:rPr lang="zh-CN" altLang="zh-CN" sz="1200" kern="1200" dirty="0">
                 <a:solidFill>
@@ -1030,9 +897,81 @@
                 <a:ea typeface="+mn-ea"/>
                 <a:cs typeface="+mn-cs"/>
               </a:rPr>
-              <a:t>通常我们会更加关注机器学习算法在未知数据上的性能，</a:t>
-            </a:r>
-            <a:endParaRPr lang="en-US" altLang="zh-CN" sz="1200" kern="1200" dirty="0">
+              <a:t>学习函数</a:t>
+            </a:r>
+            <a:r>
+              <a:rPr lang="en-US" altLang="zh-CN" sz="1200" kern="1200" dirty="0">
+                <a:solidFill>
+                  <a:schemeClr val="tx1"/>
+                </a:solidFill>
+                <a:effectLst/>
+                <a:latin typeface="+mn-lt"/>
+                <a:ea typeface="+mn-ea"/>
+                <a:cs typeface="+mn-cs"/>
+              </a:rPr>
+              <a:t>p</a:t>
+            </a:r>
+            <a:r>
+              <a:rPr lang="zh-CN" altLang="zh-CN" sz="1200" kern="1200" dirty="0">
+                <a:solidFill>
+                  <a:schemeClr val="tx1"/>
+                </a:solidFill>
+                <a:effectLst/>
+                <a:latin typeface="+mn-lt"/>
+                <a:ea typeface="+mn-ea"/>
+                <a:cs typeface="+mn-cs"/>
+              </a:rPr>
+              <a:t>：</a:t>
+            </a:r>
+            <a:r>
+              <a:rPr lang="en-US" altLang="zh-CN" sz="1200" kern="1200" dirty="0">
+                <a:solidFill>
+                  <a:schemeClr val="tx1"/>
+                </a:solidFill>
+                <a:effectLst/>
+                <a:latin typeface="+mn-lt"/>
+                <a:ea typeface="+mn-ea"/>
+                <a:cs typeface="+mn-cs"/>
+              </a:rPr>
+              <a:t>R(n)-&gt;R, </a:t>
+            </a:r>
+            <a:r>
+              <a:rPr lang="zh-CN" altLang="zh-CN" sz="1200" kern="1200" dirty="0">
+                <a:solidFill>
+                  <a:schemeClr val="tx1"/>
+                </a:solidFill>
+                <a:effectLst/>
+                <a:latin typeface="+mn-lt"/>
+                <a:ea typeface="+mn-ea"/>
+                <a:cs typeface="+mn-cs"/>
+              </a:rPr>
+              <a:t>其中</a:t>
+            </a:r>
+            <a:r>
+              <a:rPr lang="en-US" altLang="zh-CN" sz="1200" kern="1200" dirty="0">
+                <a:solidFill>
+                  <a:schemeClr val="tx1"/>
+                </a:solidFill>
+                <a:effectLst/>
+                <a:latin typeface="+mn-lt"/>
+                <a:ea typeface="+mn-ea"/>
+                <a:cs typeface="+mn-cs"/>
+              </a:rPr>
+              <a:t>P(x)</a:t>
+            </a:r>
+            <a:r>
+              <a:rPr lang="zh-CN" altLang="zh-CN" sz="1200" kern="1200" dirty="0">
+                <a:solidFill>
+                  <a:schemeClr val="tx1"/>
+                </a:solidFill>
+                <a:effectLst/>
+                <a:latin typeface="+mn-lt"/>
+                <a:ea typeface="+mn-ea"/>
+                <a:cs typeface="+mn-cs"/>
+              </a:rPr>
+              <a:t>可解释成样本采样空间的概率密度函数。</a:t>
+            </a:r>
+            <a:endParaRPr lang="zh-CN" altLang="zh-CN" sz="1200" kern="1200" dirty="0">
               <a:solidFill>
                 <a:schemeClr val="tx1"/>
               </a:solidFill>
@@ -1043,22 +982,6 @@
             </a:endParaRPr>
           </a:p>
           <a:p>
-            <a:pPr marL="0" marR="0" lvl="0" indent="0" algn="l" defTabSz="457200" rtl="0" eaLnBrk="1" fontAlgn="auto" latinLnBrk="0" hangingPunct="1">
-              <a:lnSpc>
-                <a:spcPct val="100000"/>
-              </a:lnSpc>
-              <a:spcBef>
-                <a:spcPts val="0"/>
-              </a:spcBef>
-              <a:spcAft>
-                <a:spcPts val="0"/>
-              </a:spcAft>
-              <a:buClrTx/>
-              <a:buSzTx/>
-              <a:buFontTx/>
-              <a:buNone/>
-              <a:defRPr/>
-            </a:pPr>
             <a:r>
               <a:rPr lang="zh-CN" altLang="zh-CN" sz="1200" kern="1200" dirty="0">
                 <a:solidFill>
@@ -1069,7 +992,115 @@
                 <a:ea typeface="+mn-ea"/>
                 <a:cs typeface="+mn-cs"/>
               </a:rPr>
-              <a:t>在此我们使用测试集数据来评估系统性能，将它与训练集数据分开。</a:t>
+              <a:t>如果通过密度估计得到概率分布，我们可以用它解决缺失值填补任务。如果</a:t>
+            </a:r>
+            <a:r>
+              <a:rPr lang="en-US" altLang="zh-CN" sz="1200" kern="1200" dirty="0">
+                <a:solidFill>
+                  <a:schemeClr val="tx1"/>
+                </a:solidFill>
+                <a:effectLst/>
+                <a:latin typeface="+mn-lt"/>
+                <a:ea typeface="+mn-ea"/>
+                <a:cs typeface="+mn-cs"/>
+              </a:rPr>
+              <a:t>xi </a:t>
+            </a:r>
+            <a:r>
+              <a:rPr lang="zh-CN" altLang="zh-CN" sz="1200" kern="1200" dirty="0">
+                <a:solidFill>
+                  <a:schemeClr val="tx1"/>
+                </a:solidFill>
+                <a:effectLst/>
+                <a:latin typeface="+mn-lt"/>
+                <a:ea typeface="+mn-ea"/>
+                <a:cs typeface="+mn-cs"/>
+              </a:rPr>
+              <a:t>的值是缺失的，但是其他的变量值</a:t>
+            </a:r>
+            <a:r>
+              <a:rPr lang="en-US" altLang="zh-CN" sz="1200" b="1" kern="1200" dirty="0">
+                <a:solidFill>
+                  <a:schemeClr val="tx1"/>
+                </a:solidFill>
+                <a:effectLst/>
+                <a:latin typeface="+mn-lt"/>
+                <a:ea typeface="+mn-ea"/>
+                <a:cs typeface="+mn-cs"/>
+              </a:rPr>
+              <a:t>x</a:t>
+            </a:r>
+            <a:r>
+              <a:rPr lang="en-US" altLang="zh-CN" sz="1200" kern="1200" dirty="0">
+                <a:solidFill>
+                  <a:schemeClr val="tx1"/>
+                </a:solidFill>
+                <a:effectLst/>
+                <a:latin typeface="+mn-lt"/>
+                <a:ea typeface="+mn-ea"/>
+                <a:cs typeface="+mn-cs"/>
+              </a:rPr>
+              <a:t> </a:t>
+            </a:r>
+            <a:r>
+              <a:rPr lang="zh-CN" altLang="zh-CN" sz="1200" kern="1200" dirty="0">
+                <a:solidFill>
+                  <a:schemeClr val="tx1"/>
+                </a:solidFill>
+                <a:effectLst/>
+                <a:latin typeface="+mn-lt"/>
+                <a:ea typeface="+mn-ea"/>
+                <a:cs typeface="+mn-cs"/>
+              </a:rPr>
+              <a:t>已知，那么我们可以得到条件概率分布</a:t>
+            </a:r>
+            <a:r>
+              <a:rPr lang="en-US" altLang="zh-CN" sz="1200" kern="1200" dirty="0">
+                <a:solidFill>
+                  <a:schemeClr val="tx1"/>
+                </a:solidFill>
+                <a:effectLst/>
+                <a:latin typeface="+mn-lt"/>
+                <a:ea typeface="+mn-ea"/>
+                <a:cs typeface="+mn-cs"/>
+              </a:rPr>
+              <a:t>p(xi | </a:t>
+            </a:r>
+            <a:r>
+              <a:rPr lang="en-US" altLang="zh-CN" sz="1200" b="1" kern="1200" dirty="0">
+                <a:solidFill>
+                  <a:schemeClr val="tx1"/>
+                </a:solidFill>
+                <a:effectLst/>
+                <a:latin typeface="+mn-lt"/>
+                <a:ea typeface="+mn-ea"/>
+                <a:cs typeface="+mn-cs"/>
+              </a:rPr>
+              <a:t>x</a:t>
+            </a:r>
+            <a:r>
+              <a:rPr lang="en-US" altLang="zh-CN" sz="1200" kern="1200" dirty="0">
+                <a:solidFill>
+                  <a:schemeClr val="tx1"/>
+                </a:solidFill>
+                <a:effectLst/>
+                <a:latin typeface="+mn-lt"/>
+                <a:ea typeface="+mn-ea"/>
+                <a:cs typeface="+mn-cs"/>
+              </a:rPr>
+              <a:t>)</a:t>
+            </a:r>
+            <a:r>
+              <a:rPr lang="zh-CN" altLang="zh-CN" sz="1200" kern="1200" dirty="0">
+                <a:solidFill>
+                  <a:schemeClr val="tx1"/>
+                </a:solidFill>
+                <a:effectLst/>
+                <a:latin typeface="+mn-lt"/>
+                <a:ea typeface="+mn-ea"/>
+                <a:cs typeface="+mn-cs"/>
+              </a:rPr>
+              <a:t>。</a:t>
             </a:r>
             <a:endParaRPr lang="zh-CN" altLang="zh-CN" sz="1200" kern="1200" dirty="0">
               <a:solidFill>
@@ -1186,7 +1217,31 @@
                 <a:ea typeface="+mn-ea"/>
                 <a:cs typeface="+mn-cs"/>
               </a:rPr>
-              <a:t>根据学习过程中不同的经验，机器学习算法大致分为两类：无监督和监督算法。</a:t>
+              <a:t>我们可以用</a:t>
+            </a:r>
+            <a:r>
+              <a:rPr lang="zh-CN" altLang="zh-CN" sz="1200" b="1" kern="1200" dirty="0">
+                <a:solidFill>
+                  <a:schemeClr val="tx1"/>
+                </a:solidFill>
+                <a:effectLst/>
+                <a:latin typeface="+mn-lt"/>
+                <a:ea typeface="+mn-ea"/>
+                <a:cs typeface="+mn-cs"/>
+              </a:rPr>
+              <a:t>准确率或错误率</a:t>
+            </a:r>
+            <a:r>
+              <a:rPr lang="zh-CN" altLang="zh-CN" sz="1200" kern="1200" dirty="0">
+                <a:solidFill>
+                  <a:schemeClr val="tx1"/>
+                </a:solidFill>
+                <a:effectLst/>
+                <a:latin typeface="+mn-lt"/>
+                <a:ea typeface="+mn-ea"/>
+                <a:cs typeface="+mn-cs"/>
+              </a:rPr>
+              <a:t>来表示。</a:t>
             </a:r>
             <a:endParaRPr lang="en-US" altLang="zh-CN" sz="1200" kern="1200" dirty="0">
               <a:solidFill>
@@ -1225,177 +1280,9 @@
                 <a:ea typeface="+mn-ea"/>
                 <a:cs typeface="+mn-cs"/>
               </a:rPr>
-              <a:t>无监督学习涉及观察随机向量的多个样本，试图显式或隐式地学习出概率分布</a:t>
-            </a:r>
-            <a:r>
-              <a:rPr lang="en-US" altLang="zh-CN" sz="1200" kern="1200" dirty="0">
-                <a:solidFill>
-                  <a:schemeClr val="tx1"/>
-                </a:solidFill>
-                <a:effectLst/>
-                <a:latin typeface="+mn-lt"/>
-                <a:ea typeface="+mn-ea"/>
-                <a:cs typeface="+mn-cs"/>
-              </a:rPr>
-              <a:t>p(x)</a:t>
-            </a:r>
-            <a:r>
-              <a:rPr lang="zh-CN" altLang="zh-CN" sz="1200" kern="1200" dirty="0">
-                <a:solidFill>
-                  <a:schemeClr val="tx1"/>
-                </a:solidFill>
-                <a:effectLst/>
-                <a:latin typeface="+mn-lt"/>
-                <a:ea typeface="+mn-ea"/>
-                <a:cs typeface="+mn-cs"/>
-              </a:rPr>
-              <a:t>；而监督学习包含观察随机变量</a:t>
-            </a:r>
-            <a:r>
-              <a:rPr lang="en-US" altLang="zh-CN" sz="1200" kern="1200" dirty="0">
-                <a:solidFill>
-                  <a:schemeClr val="tx1"/>
-                </a:solidFill>
-                <a:effectLst/>
-                <a:latin typeface="+mn-lt"/>
-                <a:ea typeface="+mn-ea"/>
-                <a:cs typeface="+mn-cs"/>
-              </a:rPr>
-              <a:t>x</a:t>
-            </a:r>
-            <a:r>
-              <a:rPr lang="zh-CN" altLang="zh-CN" sz="1200" kern="1200" dirty="0">
-                <a:solidFill>
-                  <a:schemeClr val="tx1"/>
-                </a:solidFill>
-                <a:effectLst/>
-                <a:latin typeface="+mn-lt"/>
-                <a:ea typeface="+mn-ea"/>
-                <a:cs typeface="+mn-cs"/>
-              </a:rPr>
-              <a:t>及其相关联的向量</a:t>
-            </a:r>
-            <a:r>
-              <a:rPr lang="en-US" altLang="zh-CN" sz="1200" kern="1200" dirty="0">
-                <a:solidFill>
-                  <a:schemeClr val="tx1"/>
-                </a:solidFill>
-                <a:effectLst/>
-                <a:latin typeface="+mn-lt"/>
-                <a:ea typeface="+mn-ea"/>
-                <a:cs typeface="+mn-cs"/>
-              </a:rPr>
-              <a:t>y</a:t>
-            </a:r>
-            <a:r>
-              <a:rPr lang="zh-CN" altLang="zh-CN" sz="1200" kern="1200" dirty="0">
-                <a:solidFill>
-                  <a:schemeClr val="tx1"/>
-                </a:solidFill>
-                <a:effectLst/>
-                <a:latin typeface="+mn-lt"/>
-                <a:ea typeface="+mn-ea"/>
-                <a:cs typeface="+mn-cs"/>
-              </a:rPr>
-              <a:t>，然后从</a:t>
-            </a:r>
-            <a:r>
-              <a:rPr lang="en-US" altLang="zh-CN" sz="1200" kern="1200" dirty="0">
-                <a:solidFill>
-                  <a:schemeClr val="tx1"/>
-                </a:solidFill>
-                <a:effectLst/>
-                <a:latin typeface="+mn-lt"/>
-                <a:ea typeface="+mn-ea"/>
-                <a:cs typeface="+mn-cs"/>
-              </a:rPr>
-              <a:t>x</a:t>
-            </a:r>
-            <a:r>
-              <a:rPr lang="zh-CN" altLang="zh-CN" sz="1200" kern="1200" dirty="0">
-                <a:solidFill>
-                  <a:schemeClr val="tx1"/>
-                </a:solidFill>
-                <a:effectLst/>
-                <a:latin typeface="+mn-lt"/>
-                <a:ea typeface="+mn-ea"/>
-                <a:cs typeface="+mn-cs"/>
-              </a:rPr>
-              <a:t>预测</a:t>
-            </a:r>
-            <a:r>
-              <a:rPr lang="en-US" altLang="zh-CN" sz="1200" kern="1200" dirty="0">
-                <a:solidFill>
-                  <a:schemeClr val="tx1"/>
-                </a:solidFill>
-                <a:effectLst/>
-                <a:latin typeface="+mn-lt"/>
-                <a:ea typeface="+mn-ea"/>
-                <a:cs typeface="+mn-cs"/>
-              </a:rPr>
-              <a:t>y</a:t>
-            </a:r>
-            <a:r>
-              <a:rPr lang="zh-CN" altLang="zh-CN" sz="1200" kern="1200" dirty="0">
-                <a:solidFill>
-                  <a:schemeClr val="tx1"/>
-                </a:solidFill>
-                <a:effectLst/>
-                <a:latin typeface="+mn-lt"/>
-                <a:ea typeface="+mn-ea"/>
-                <a:cs typeface="+mn-cs"/>
-              </a:rPr>
-              <a:t>，是估计</a:t>
-            </a:r>
-            <a:r>
-              <a:rPr lang="en-US" altLang="zh-CN" sz="1200" kern="1200" dirty="0">
-                <a:solidFill>
-                  <a:schemeClr val="tx1"/>
-                </a:solidFill>
-                <a:effectLst/>
-                <a:latin typeface="+mn-lt"/>
-                <a:ea typeface="+mn-ea"/>
-                <a:cs typeface="+mn-cs"/>
-              </a:rPr>
-              <a:t>p(</a:t>
-            </a:r>
-            <a:r>
-              <a:rPr lang="en-US" altLang="zh-CN" sz="1200" kern="1200" dirty="0" err="1">
-                <a:solidFill>
-                  <a:schemeClr val="tx1"/>
-                </a:solidFill>
-                <a:effectLst/>
-                <a:latin typeface="+mn-lt"/>
-                <a:ea typeface="+mn-ea"/>
-                <a:cs typeface="+mn-cs"/>
-              </a:rPr>
-              <a:t>y|x</a:t>
-            </a:r>
-            <a:r>
-              <a:rPr lang="en-US" altLang="zh-CN" sz="1200" kern="1200" dirty="0">
-                <a:solidFill>
-                  <a:schemeClr val="tx1"/>
-                </a:solidFill>
-                <a:effectLst/>
-                <a:latin typeface="+mn-lt"/>
-                <a:ea typeface="+mn-ea"/>
-                <a:cs typeface="+mn-cs"/>
-              </a:rPr>
-              <a:t>)</a:t>
-            </a:r>
-            <a:r>
-              <a:rPr lang="zh-CN" altLang="zh-CN" sz="1200" kern="1200" dirty="0">
-                <a:solidFill>
-                  <a:schemeClr val="tx1"/>
-                </a:solidFill>
-                <a:effectLst/>
-                <a:latin typeface="+mn-lt"/>
-                <a:ea typeface="+mn-ea"/>
-                <a:cs typeface="+mn-cs"/>
-              </a:rPr>
-              <a:t>。</a:t>
-            </a:r>
-            <a:endParaRPr lang="zh-CN" altLang="zh-CN" sz="1200" kern="1200" dirty="0">
+              <a:t>通常我们会更加关注机器学习算法在未知数据上的性能，</a:t>
+            </a:r>
+            <a:endParaRPr lang="en-US" altLang="zh-CN" sz="1200" kern="1200" dirty="0">
               <a:solidFill>
                 <a:schemeClr val="tx1"/>
               </a:solidFill>
@@ -1432,7 +1319,7 @@
                 <a:ea typeface="+mn-ea"/>
                 <a:cs typeface="+mn-cs"/>
               </a:rPr>
-              <a:t>传统上，我们将回归、分类、结构化输出问题成为监督学习，把密度估计称为无监督学习。</a:t>
+              <a:t>在此我们使用测试集数据来评估系统性能，将它与训练集数据分开。</a:t>
             </a:r>
             <a:endParaRPr lang="zh-CN" altLang="zh-CN" sz="1200" kern="1200" dirty="0">
               <a:solidFill>
@@ -1445,42 +1332,6 @@
             </a:endParaRPr>
           </a:p>
           <a:p>
-            <a:r>
-              <a:rPr lang="zh-CN" altLang="zh-CN" sz="1200" kern="1200" dirty="0">
-                <a:solidFill>
-                  <a:schemeClr val="tx1"/>
-                </a:solidFill>
-                <a:effectLst/>
-                <a:latin typeface="+mn-lt"/>
-                <a:ea typeface="+mn-ea"/>
-                <a:cs typeface="+mn-cs"/>
-              </a:rPr>
-              <a:t>强化学习算法</a:t>
-            </a:r>
-            <a:r>
-              <a:rPr lang="zh-CN" altLang="en-US" sz="1200" kern="1200" dirty="0">
-                <a:solidFill>
-                  <a:schemeClr val="tx1"/>
-                </a:solidFill>
-                <a:effectLst/>
-                <a:latin typeface="+mn-lt"/>
-                <a:ea typeface="+mn-ea"/>
-                <a:cs typeface="+mn-cs"/>
-              </a:rPr>
-              <a:t>：</a:t>
-            </a:r>
-            <a:r>
-              <a:rPr lang="zh-CN" altLang="zh-CN" sz="1200" kern="1200" dirty="0">
-                <a:solidFill>
-                  <a:schemeClr val="tx1"/>
-                </a:solidFill>
-                <a:effectLst/>
-                <a:latin typeface="+mn-lt"/>
-                <a:ea typeface="+mn-ea"/>
-                <a:cs typeface="+mn-cs"/>
-              </a:rPr>
-              <a:t>它会和环境进行交互，它在训练过程中会有反馈回路。</a:t>
-            </a:r>
             <a:endParaRPr lang="zh-CN" altLang="en-US" dirty="0"/>
           </a:p>
         </p:txBody>
@@ -1585,31 +1436,7 @@
                 <a:ea typeface="+mn-ea"/>
                 <a:cs typeface="+mn-cs"/>
               </a:rPr>
-              <a:t>表示数据集的方法：</a:t>
-            </a:r>
-            <a:r>
-              <a:rPr lang="zh-CN" altLang="zh-CN" sz="1200" b="1" kern="1200" dirty="0">
-                <a:solidFill>
-                  <a:schemeClr val="tx1"/>
-                </a:solidFill>
-                <a:effectLst/>
-                <a:latin typeface="+mn-lt"/>
-                <a:ea typeface="+mn-ea"/>
-                <a:cs typeface="+mn-cs"/>
-              </a:rPr>
-              <a:t>设计矩阵</a:t>
-            </a:r>
-            <a:r>
-              <a:rPr lang="zh-CN" altLang="zh-CN" sz="1200" kern="1200" dirty="0">
-                <a:solidFill>
-                  <a:schemeClr val="tx1"/>
-                </a:solidFill>
-                <a:effectLst/>
-                <a:latin typeface="+mn-lt"/>
-                <a:ea typeface="+mn-ea"/>
-                <a:cs typeface="+mn-cs"/>
-              </a:rPr>
-              <a:t>。每一行包含一个不同的样本，每一列对应不同的特征。</a:t>
+              <a:t>根据学习过程中不同的经验，机器学习算法大致分为两类：无监督和监督算法。</a:t>
             </a:r>
             <a:endParaRPr lang="en-US" altLang="zh-CN" sz="1200" kern="1200" dirty="0">
               <a:solidFill>
@@ -1639,18 +1466,6 @@
               <a:defRPr/>
             </a:pPr>
             <a:r>
-              <a:rPr lang="zh-CN" altLang="zh-CN" sz="1200" b="1" kern="1200" dirty="0">
-                <a:solidFill>
-                  <a:schemeClr val="tx1"/>
-                </a:solidFill>
-                <a:effectLst/>
-                <a:latin typeface="+mn-lt"/>
-                <a:ea typeface="+mn-ea"/>
-                <a:cs typeface="+mn-cs"/>
-              </a:rPr>
-              <a:t>缺陷：</a:t>
-            </a:r>
-            <a:r>
               <a:rPr lang="zh-CN" altLang="zh-CN" sz="1200" kern="1200" dirty="0">
                 <a:solidFill>
                   <a:schemeClr val="tx1"/>
@@ -1660,7 +1475,175 @@
                 <a:ea typeface="+mn-ea"/>
                 <a:cs typeface="+mn-cs"/>
               </a:rPr>
-              <a:t>每一个样本的向量维度必须相同。</a:t>
+              <a:t>无监督学习涉及观察随机向量的多个样本，试图显式或隐式地学习出概率分布</a:t>
+            </a:r>
+            <a:r>
+              <a:rPr lang="en-US" altLang="zh-CN" sz="1200" kern="1200" dirty="0">
+                <a:solidFill>
+                  <a:schemeClr val="tx1"/>
+                </a:solidFill>
+                <a:effectLst/>
+                <a:latin typeface="+mn-lt"/>
+                <a:ea typeface="+mn-ea"/>
+                <a:cs typeface="+mn-cs"/>
+              </a:rPr>
+              <a:t>p(x)</a:t>
+            </a:r>
+            <a:r>
+              <a:rPr lang="zh-CN" altLang="zh-CN" sz="1200" kern="1200" dirty="0">
+                <a:solidFill>
+                  <a:schemeClr val="tx1"/>
+                </a:solidFill>
+                <a:effectLst/>
+                <a:latin typeface="+mn-lt"/>
+                <a:ea typeface="+mn-ea"/>
+                <a:cs typeface="+mn-cs"/>
+              </a:rPr>
+              <a:t>；而监督学习包含观察随机变量</a:t>
+            </a:r>
+            <a:r>
+              <a:rPr lang="en-US" altLang="zh-CN" sz="1200" kern="1200" dirty="0">
+                <a:solidFill>
+                  <a:schemeClr val="tx1"/>
+                </a:solidFill>
+                <a:effectLst/>
+                <a:latin typeface="+mn-lt"/>
+                <a:ea typeface="+mn-ea"/>
+                <a:cs typeface="+mn-cs"/>
+              </a:rPr>
+              <a:t>x</a:t>
+            </a:r>
+            <a:r>
+              <a:rPr lang="zh-CN" altLang="zh-CN" sz="1200" kern="1200" dirty="0">
+                <a:solidFill>
+                  <a:schemeClr val="tx1"/>
+                </a:solidFill>
+                <a:effectLst/>
+                <a:latin typeface="+mn-lt"/>
+                <a:ea typeface="+mn-ea"/>
+                <a:cs typeface="+mn-cs"/>
+              </a:rPr>
+              <a:t>及其相关联的向量</a:t>
+            </a:r>
+            <a:r>
+              <a:rPr lang="en-US" altLang="zh-CN" sz="1200" kern="1200" dirty="0">
+                <a:solidFill>
+                  <a:schemeClr val="tx1"/>
+                </a:solidFill>
+                <a:effectLst/>
+                <a:latin typeface="+mn-lt"/>
+                <a:ea typeface="+mn-ea"/>
+                <a:cs typeface="+mn-cs"/>
+              </a:rPr>
+              <a:t>y</a:t>
+            </a:r>
+            <a:r>
+              <a:rPr lang="zh-CN" altLang="zh-CN" sz="1200" kern="1200" dirty="0">
+                <a:solidFill>
+                  <a:schemeClr val="tx1"/>
+                </a:solidFill>
+                <a:effectLst/>
+                <a:latin typeface="+mn-lt"/>
+                <a:ea typeface="+mn-ea"/>
+                <a:cs typeface="+mn-cs"/>
+              </a:rPr>
+              <a:t>，然后从</a:t>
+            </a:r>
+            <a:r>
+              <a:rPr lang="en-US" altLang="zh-CN" sz="1200" kern="1200" dirty="0">
+                <a:solidFill>
+                  <a:schemeClr val="tx1"/>
+                </a:solidFill>
+                <a:effectLst/>
+                <a:latin typeface="+mn-lt"/>
+                <a:ea typeface="+mn-ea"/>
+                <a:cs typeface="+mn-cs"/>
+              </a:rPr>
+              <a:t>x</a:t>
+            </a:r>
+            <a:r>
+              <a:rPr lang="zh-CN" altLang="zh-CN" sz="1200" kern="1200" dirty="0">
+                <a:solidFill>
+                  <a:schemeClr val="tx1"/>
+                </a:solidFill>
+                <a:effectLst/>
+                <a:latin typeface="+mn-lt"/>
+                <a:ea typeface="+mn-ea"/>
+                <a:cs typeface="+mn-cs"/>
+              </a:rPr>
+              <a:t>预测</a:t>
+            </a:r>
+            <a:r>
+              <a:rPr lang="en-US" altLang="zh-CN" sz="1200" kern="1200" dirty="0">
+                <a:solidFill>
+                  <a:schemeClr val="tx1"/>
+                </a:solidFill>
+                <a:effectLst/>
+                <a:latin typeface="+mn-lt"/>
+                <a:ea typeface="+mn-ea"/>
+                <a:cs typeface="+mn-cs"/>
+              </a:rPr>
+              <a:t>y</a:t>
+            </a:r>
+            <a:r>
+              <a:rPr lang="zh-CN" altLang="zh-CN" sz="1200" kern="1200" dirty="0">
+                <a:solidFill>
+                  <a:schemeClr val="tx1"/>
+                </a:solidFill>
+                <a:effectLst/>
+                <a:latin typeface="+mn-lt"/>
+                <a:ea typeface="+mn-ea"/>
+                <a:cs typeface="+mn-cs"/>
+              </a:rPr>
+              <a:t>，是估计</a:t>
+            </a:r>
+            <a:r>
+              <a:rPr lang="en-US" altLang="zh-CN" sz="1200" kern="1200" dirty="0">
+                <a:solidFill>
+                  <a:schemeClr val="tx1"/>
+                </a:solidFill>
+                <a:effectLst/>
+                <a:latin typeface="+mn-lt"/>
+                <a:ea typeface="+mn-ea"/>
+                <a:cs typeface="+mn-cs"/>
+              </a:rPr>
+              <a:t>p(</a:t>
+            </a:r>
+            <a:r>
+              <a:rPr lang="en-US" altLang="zh-CN" sz="1200" kern="1200" dirty="0" err="1">
+                <a:solidFill>
+                  <a:schemeClr val="tx1"/>
+                </a:solidFill>
+                <a:effectLst/>
+                <a:latin typeface="+mn-lt"/>
+                <a:ea typeface="+mn-ea"/>
+                <a:cs typeface="+mn-cs"/>
+              </a:rPr>
+              <a:t>y|x</a:t>
+            </a:r>
+            <a:r>
+              <a:rPr lang="en-US" altLang="zh-CN" sz="1200" kern="1200" dirty="0">
+                <a:solidFill>
+                  <a:schemeClr val="tx1"/>
+                </a:solidFill>
+                <a:effectLst/>
+                <a:latin typeface="+mn-lt"/>
+                <a:ea typeface="+mn-ea"/>
+                <a:cs typeface="+mn-cs"/>
+              </a:rPr>
+              <a:t>)</a:t>
+            </a:r>
+            <a:r>
+              <a:rPr lang="zh-CN" altLang="zh-CN" sz="1200" kern="1200" dirty="0">
+                <a:solidFill>
+                  <a:schemeClr val="tx1"/>
+                </a:solidFill>
+                <a:effectLst/>
+                <a:latin typeface="+mn-lt"/>
+                <a:ea typeface="+mn-ea"/>
+                <a:cs typeface="+mn-cs"/>
+              </a:rPr>
+              <a:t>。</a:t>
             </a:r>
             <a:endParaRPr lang="zh-CN" altLang="zh-CN" sz="1200" kern="1200" dirty="0">
               <a:solidFill>
@@ -1673,6 +1656,81 @@
             </a:endParaRPr>
           </a:p>
           <a:p>
+            <a:pPr marL="0" marR="0" lvl="0" indent="0" algn="l" defTabSz="457200" rtl="0" eaLnBrk="1" fontAlgn="auto" latinLnBrk="0" hangingPunct="1">
+              <a:lnSpc>
+                <a:spcPct val="100000"/>
+              </a:lnSpc>
+              <a:spcBef>
+                <a:spcPts val="0"/>
+              </a:spcBef>
+              <a:spcAft>
+                <a:spcPts val="0"/>
+              </a:spcAft>
+              <a:buClrTx/>
+              <a:buSzTx/>
+              <a:buFontTx/>
+              <a:buNone/>
+              <a:defRPr/>
+            </a:pPr>
+            <a:r>
+              <a:rPr lang="zh-CN" altLang="zh-CN" sz="1200" kern="1200" dirty="0">
+                <a:solidFill>
+                  <a:schemeClr val="tx1"/>
+                </a:solidFill>
+                <a:effectLst/>
+                <a:latin typeface="+mn-lt"/>
+                <a:ea typeface="+mn-ea"/>
+                <a:cs typeface="+mn-cs"/>
+              </a:rPr>
+              <a:t>传统上，我们将回归、分类、结构化输出问题成为监督学习，把密度估计称为无监督学习。</a:t>
+            </a:r>
+            <a:endParaRPr lang="zh-CN" altLang="zh-CN" sz="1200" kern="1200" dirty="0">
+              <a:solidFill>
+                <a:schemeClr val="tx1"/>
+              </a:solidFill>
+              <a:effectLst/>
+              <a:latin typeface="+mn-lt"/>
+              <a:ea typeface="+mn-ea"/>
+              <a:cs typeface="+mn-cs"/>
+            </a:endParaRPr>
+          </a:p>
+          <a:p>
+            <a:r>
+              <a:rPr lang="zh-CN" altLang="zh-CN" sz="1200" kern="1200" dirty="0">
+                <a:solidFill>
+                  <a:schemeClr val="tx1"/>
+                </a:solidFill>
+                <a:effectLst/>
+                <a:latin typeface="+mn-lt"/>
+                <a:ea typeface="+mn-ea"/>
+                <a:cs typeface="+mn-cs"/>
+              </a:rPr>
+              <a:t>强化学习算法</a:t>
+            </a:r>
+            <a:r>
+              <a:rPr lang="zh-CN" altLang="en-US" sz="1200" kern="1200" dirty="0">
+                <a:solidFill>
+                  <a:schemeClr val="tx1"/>
+                </a:solidFill>
+                <a:effectLst/>
+                <a:latin typeface="+mn-lt"/>
+                <a:ea typeface="+mn-ea"/>
+                <a:cs typeface="+mn-cs"/>
+              </a:rPr>
+              <a:t>：</a:t>
+            </a:r>
+            <a:r>
+              <a:rPr lang="zh-CN" altLang="zh-CN" sz="1200" kern="1200" dirty="0">
+                <a:solidFill>
+                  <a:schemeClr val="tx1"/>
+                </a:solidFill>
+                <a:effectLst/>
+                <a:latin typeface="+mn-lt"/>
+                <a:ea typeface="+mn-ea"/>
+                <a:cs typeface="+mn-cs"/>
+              </a:rPr>
+              <a:t>它会和环境进行交互，它在训练过程中会有反馈回路。</a:t>
+            </a:r>
             <a:endParaRPr lang="zh-CN" altLang="en-US" dirty="0"/>
           </a:p>
         </p:txBody>
@@ -1777,19 +1835,19 @@
                 <a:ea typeface="+mn-ea"/>
                 <a:cs typeface="+mn-cs"/>
               </a:rPr>
-              <a:t>目标：建立一个系统，将向量</a:t>
-            </a:r>
-            <a:r>
-              <a:rPr lang="en-US" altLang="zh-CN" sz="1200" kern="1200" dirty="0">
-                <a:solidFill>
-                  <a:schemeClr val="tx1"/>
-                </a:solidFill>
-                <a:effectLst/>
-                <a:latin typeface="+mn-lt"/>
-                <a:ea typeface="+mn-ea"/>
-                <a:cs typeface="+mn-cs"/>
-              </a:rPr>
-              <a:t>x</a:t>
+              <a:t>表示数据集的方法：</a:t>
+            </a:r>
+            <a:r>
+              <a:rPr lang="zh-CN" altLang="zh-CN" sz="1200" b="1" kern="1200" dirty="0">
+                <a:solidFill>
+                  <a:schemeClr val="tx1"/>
+                </a:solidFill>
+                <a:effectLst/>
+                <a:latin typeface="+mn-lt"/>
+                <a:ea typeface="+mn-ea"/>
+                <a:cs typeface="+mn-cs"/>
+              </a:rPr>
+              <a:t>设计矩阵</a:t>
             </a:r>
             <a:r>
               <a:rPr lang="zh-CN" altLang="zh-CN" sz="1200" kern="1200" dirty="0">
@@ -1801,258 +1859,9 @@
                 <a:ea typeface="+mn-ea"/>
                 <a:cs typeface="+mn-cs"/>
               </a:rPr>
-              <a:t>∈</a:t>
-            </a:r>
-            <a:r>
-              <a:rPr lang="en-US" altLang="zh-CN" sz="1200" kern="1200" dirty="0">
-                <a:solidFill>
-                  <a:schemeClr val="tx1"/>
-                </a:solidFill>
-                <a:effectLst/>
-                <a:latin typeface="+mn-lt"/>
-                <a:ea typeface="+mn-ea"/>
-                <a:cs typeface="+mn-cs"/>
-              </a:rPr>
-              <a:t>Rn</a:t>
-            </a:r>
-            <a:r>
-              <a:rPr lang="zh-CN" altLang="zh-CN" sz="1200" kern="1200" dirty="0">
-                <a:solidFill>
-                  <a:schemeClr val="tx1"/>
-                </a:solidFill>
-                <a:effectLst/>
-                <a:latin typeface="+mn-lt"/>
-                <a:ea typeface="+mn-ea"/>
-                <a:cs typeface="+mn-cs"/>
-              </a:rPr>
-              <a:t>作为输入，预测标量</a:t>
-            </a:r>
-            <a:r>
-              <a:rPr lang="en-US" altLang="zh-CN" sz="1200" kern="1200" dirty="0">
-                <a:solidFill>
-                  <a:schemeClr val="tx1"/>
-                </a:solidFill>
-                <a:effectLst/>
-                <a:latin typeface="+mn-lt"/>
-                <a:ea typeface="+mn-ea"/>
-                <a:cs typeface="+mn-cs"/>
-              </a:rPr>
-              <a:t>y</a:t>
-            </a:r>
-            <a:r>
-              <a:rPr lang="zh-CN" altLang="zh-CN" sz="1200" kern="1200" dirty="0">
-                <a:solidFill>
-                  <a:schemeClr val="tx1"/>
-                </a:solidFill>
-                <a:effectLst/>
-                <a:latin typeface="+mn-lt"/>
-                <a:ea typeface="+mn-ea"/>
-                <a:cs typeface="+mn-cs"/>
-              </a:rPr>
-              <a:t>∈</a:t>
-            </a:r>
-            <a:r>
-              <a:rPr lang="en-US" altLang="zh-CN" sz="1200" kern="1200" dirty="0">
-                <a:solidFill>
-                  <a:schemeClr val="tx1"/>
-                </a:solidFill>
-                <a:effectLst/>
-                <a:latin typeface="+mn-lt"/>
-                <a:ea typeface="+mn-ea"/>
-                <a:cs typeface="+mn-cs"/>
-              </a:rPr>
-              <a:t>R</a:t>
-            </a:r>
-            <a:r>
-              <a:rPr lang="zh-CN" altLang="zh-CN" sz="1200" kern="1200" dirty="0">
-                <a:solidFill>
-                  <a:schemeClr val="tx1"/>
-                </a:solidFill>
-                <a:effectLst/>
-                <a:latin typeface="+mn-lt"/>
-                <a:ea typeface="+mn-ea"/>
-                <a:cs typeface="+mn-cs"/>
-              </a:rPr>
-              <a:t>作为输出。输出是输入的线性函数。定义输出为</a:t>
-            </a:r>
-            <a:r>
-              <a:rPr lang="en-US" altLang="zh-CN" sz="1200" kern="1200" dirty="0">
-                <a:solidFill>
-                  <a:schemeClr val="tx1"/>
-                </a:solidFill>
-                <a:effectLst/>
-                <a:latin typeface="+mn-lt"/>
-                <a:ea typeface="+mn-ea"/>
-                <a:cs typeface="+mn-cs"/>
-              </a:rPr>
-              <a:t> y = WTX</a:t>
+              <a:t>。每一行包含一个不同的样本，每一列对应不同的特征。</a:t>
             </a:r>
             <a:endParaRPr lang="en-US" altLang="zh-CN" sz="1200" kern="1200" dirty="0">
-              <a:solidFill>
-                <a:schemeClr val="tx1"/>
-              </a:solidFill>
-              <a:effectLst/>
-              <a:latin typeface="+mn-lt"/>
-              <a:ea typeface="+mn-ea"/>
-              <a:cs typeface="+mn-cs"/>
-            </a:endParaRPr>
-          </a:p>
-          <a:p>
-            <a:r>
-              <a:rPr lang="zh-CN" altLang="zh-CN" sz="1200" kern="1200" dirty="0">
-                <a:solidFill>
-                  <a:schemeClr val="tx1"/>
-                </a:solidFill>
-                <a:effectLst/>
-                <a:latin typeface="+mn-lt"/>
-                <a:ea typeface="+mn-ea"/>
-                <a:cs typeface="+mn-cs"/>
-              </a:rPr>
-              <a:t>定义任务</a:t>
-            </a:r>
-            <a:r>
-              <a:rPr lang="en-US" altLang="zh-CN" sz="1200" kern="1200" dirty="0">
-                <a:solidFill>
-                  <a:schemeClr val="tx1"/>
-                </a:solidFill>
-                <a:effectLst/>
-                <a:latin typeface="+mn-lt"/>
-                <a:ea typeface="+mn-ea"/>
-                <a:cs typeface="+mn-cs"/>
-              </a:rPr>
-              <a:t>T</a:t>
-            </a:r>
-            <a:r>
-              <a:rPr lang="zh-CN" altLang="zh-CN" sz="1200" kern="1200" dirty="0">
-                <a:solidFill>
-                  <a:schemeClr val="tx1"/>
-                </a:solidFill>
-                <a:effectLst/>
-                <a:latin typeface="+mn-lt"/>
-                <a:ea typeface="+mn-ea"/>
-                <a:cs typeface="+mn-cs"/>
-              </a:rPr>
-              <a:t>：从</a:t>
-            </a:r>
-            <a:r>
-              <a:rPr lang="en-US" altLang="zh-CN" sz="1200" kern="1200" dirty="0">
-                <a:solidFill>
-                  <a:schemeClr val="tx1"/>
-                </a:solidFill>
-                <a:effectLst/>
-                <a:latin typeface="+mn-lt"/>
-                <a:ea typeface="+mn-ea"/>
-                <a:cs typeface="+mn-cs"/>
-              </a:rPr>
-              <a:t>x</a:t>
-            </a:r>
-            <a:r>
-              <a:rPr lang="zh-CN" altLang="zh-CN" sz="1200" kern="1200" dirty="0">
-                <a:solidFill>
-                  <a:schemeClr val="tx1"/>
-                </a:solidFill>
-                <a:effectLst/>
-                <a:latin typeface="+mn-lt"/>
-                <a:ea typeface="+mn-ea"/>
-                <a:cs typeface="+mn-cs"/>
-              </a:rPr>
-              <a:t>预测</a:t>
-            </a:r>
-            <a:r>
-              <a:rPr lang="en-US" altLang="zh-CN" sz="1200" kern="1200" dirty="0">
-                <a:solidFill>
-                  <a:schemeClr val="tx1"/>
-                </a:solidFill>
-                <a:effectLst/>
-                <a:latin typeface="+mn-lt"/>
-                <a:ea typeface="+mn-ea"/>
-                <a:cs typeface="+mn-cs"/>
-              </a:rPr>
-              <a:t>y</a:t>
-            </a:r>
-            <a:r>
-              <a:rPr lang="zh-CN" altLang="zh-CN" sz="1200" kern="1200" dirty="0">
-                <a:solidFill>
-                  <a:schemeClr val="tx1"/>
-                </a:solidFill>
-                <a:effectLst/>
-                <a:latin typeface="+mn-lt"/>
-                <a:ea typeface="+mn-ea"/>
-                <a:cs typeface="+mn-cs"/>
-              </a:rPr>
-              <a:t>。</a:t>
-            </a:r>
-            <a:endParaRPr lang="zh-CN" altLang="zh-CN" sz="1200" kern="1200" dirty="0">
-              <a:solidFill>
-                <a:schemeClr val="tx1"/>
-              </a:solidFill>
-              <a:effectLst/>
-              <a:latin typeface="+mn-lt"/>
-              <a:ea typeface="+mn-ea"/>
-              <a:cs typeface="+mn-cs"/>
-            </a:endParaRPr>
-          </a:p>
-          <a:p>
-            <a:r>
-              <a:rPr lang="zh-CN" altLang="zh-CN" sz="1200" kern="1200" dirty="0">
-                <a:solidFill>
-                  <a:schemeClr val="tx1"/>
-                </a:solidFill>
-                <a:effectLst/>
-                <a:latin typeface="+mn-lt"/>
-                <a:ea typeface="+mn-ea"/>
-                <a:cs typeface="+mn-cs"/>
-              </a:rPr>
-              <a:t>定义性能度量</a:t>
-            </a:r>
-            <a:r>
-              <a:rPr lang="en-US" altLang="zh-CN" sz="1200" kern="1200" dirty="0">
-                <a:solidFill>
-                  <a:schemeClr val="tx1"/>
-                </a:solidFill>
-                <a:effectLst/>
-                <a:latin typeface="+mn-lt"/>
-                <a:ea typeface="+mn-ea"/>
-                <a:cs typeface="+mn-cs"/>
-              </a:rPr>
-              <a:t>P</a:t>
-            </a:r>
-            <a:r>
-              <a:rPr lang="zh-CN" altLang="zh-CN" sz="1200" kern="1200" dirty="0">
-                <a:solidFill>
-                  <a:schemeClr val="tx1"/>
-                </a:solidFill>
-                <a:effectLst/>
-                <a:latin typeface="+mn-lt"/>
-                <a:ea typeface="+mn-ea"/>
-                <a:cs typeface="+mn-cs"/>
-              </a:rPr>
-              <a:t>：均方误差</a:t>
-            </a:r>
-            <a:endParaRPr lang="en-US" altLang="zh-CN" sz="1200" kern="1200" dirty="0">
-              <a:solidFill>
-                <a:schemeClr val="tx1"/>
-              </a:solidFill>
-              <a:effectLst/>
-              <a:latin typeface="+mn-lt"/>
-              <a:ea typeface="+mn-ea"/>
-              <a:cs typeface="+mn-cs"/>
-            </a:endParaRPr>
-          </a:p>
-          <a:p>
-            <a:r>
-              <a:rPr lang="zh-CN" altLang="zh-CN" sz="1200" kern="1200" dirty="0">
-                <a:solidFill>
-                  <a:schemeClr val="tx1"/>
-                </a:solidFill>
-                <a:effectLst/>
-                <a:latin typeface="+mn-lt"/>
-                <a:ea typeface="+mn-ea"/>
-                <a:cs typeface="+mn-cs"/>
-              </a:rPr>
-              <a:t>也可以看出，当预测值和目标值之间的欧几里得距离增加时，误差也会增加。</a:t>
-            </a:r>
-            <a:endParaRPr lang="zh-CN" altLang="zh-CN" sz="1200" kern="1200" dirty="0">
               <a:solidFill>
                 <a:schemeClr val="tx1"/>
               </a:solidFill>
@@ -2079,6 +1888,30 @@
               <a:buNone/>
               <a:defRPr/>
             </a:pPr>
+            <a:r>
+              <a:rPr lang="zh-CN" altLang="zh-CN" sz="1200" b="1" kern="1200" dirty="0">
+                <a:solidFill>
+                  <a:schemeClr val="tx1"/>
+                </a:solidFill>
+                <a:effectLst/>
+                <a:latin typeface="+mn-lt"/>
+                <a:ea typeface="+mn-ea"/>
+                <a:cs typeface="+mn-cs"/>
+              </a:rPr>
+              <a:t>缺陷：</a:t>
+            </a:r>
+            <a:r>
+              <a:rPr lang="zh-CN" altLang="zh-CN" sz="1200" kern="1200" dirty="0">
+                <a:solidFill>
+                  <a:schemeClr val="tx1"/>
+                </a:solidFill>
+                <a:effectLst/>
+                <a:latin typeface="+mn-lt"/>
+                <a:ea typeface="+mn-ea"/>
+                <a:cs typeface="+mn-cs"/>
+              </a:rPr>
+              <a:t>每一个样本的向量维度必须相同。</a:t>
+            </a:r>
             <a:endParaRPr lang="zh-CN" altLang="zh-CN" sz="1200" kern="1200" dirty="0">
               <a:solidFill>
                 <a:schemeClr val="tx1"/>
@@ -2168,33 +2001,346 @@
           <a:bodyPr/>
           <a:lstStyle/>
           <a:p>
-            <a:r>
-              <a:rPr lang="zh-CN" altLang="en-US" dirty="0"/>
-              <a:t>左图为线性回归拟合的结果。</a:t>
-            </a:r>
-            <a:endParaRPr lang="en-US" altLang="zh-CN" dirty="0"/>
-          </a:p>
-          <a:p>
-            <a:r>
-              <a:rPr lang="zh-CN" altLang="en-US" dirty="0"/>
-              <a:t>右图为均方误差随</a:t>
-            </a:r>
-            <a:r>
-              <a:rPr lang="en-US" altLang="zh-CN" dirty="0"/>
-              <a:t>WT</a:t>
-            </a:r>
-            <a:r>
-              <a:rPr lang="zh-CN" altLang="en-US" dirty="0"/>
-              <a:t>变化的曲线，可以看出</a:t>
-            </a:r>
-            <a:r>
-              <a:rPr lang="en-US" altLang="zh-CN" dirty="0"/>
-              <a:t>W1</a:t>
-            </a:r>
-            <a:r>
-              <a:rPr lang="zh-CN" altLang="en-US" dirty="0"/>
-              <a:t>的最优值</a:t>
-            </a:r>
+            <a:pPr marL="0" marR="0" lvl="0" indent="0" algn="l" defTabSz="457200" rtl="0" eaLnBrk="1" fontAlgn="auto" latinLnBrk="0" hangingPunct="1">
+              <a:lnSpc>
+                <a:spcPct val="100000"/>
+              </a:lnSpc>
+              <a:spcBef>
+                <a:spcPts val="0"/>
+              </a:spcBef>
+              <a:spcAft>
+                <a:spcPts val="0"/>
+              </a:spcAft>
+              <a:buClrTx/>
+              <a:buSzTx/>
+              <a:buFontTx/>
+              <a:buNone/>
+              <a:defRPr/>
+            </a:pPr>
+            <a:r>
+              <a:rPr lang="zh-CN" altLang="zh-CN" sz="1200" kern="1200" dirty="0">
+                <a:solidFill>
+                  <a:schemeClr val="tx1"/>
+                </a:solidFill>
+                <a:effectLst/>
+                <a:latin typeface="+mn-lt"/>
+                <a:ea typeface="+mn-ea"/>
+                <a:cs typeface="+mn-cs"/>
+              </a:rPr>
+              <a:t>目标：建立一个系统，将向量</a:t>
+            </a:r>
+            <a:r>
+              <a:rPr lang="en-US" altLang="zh-CN" sz="1200" kern="1200" dirty="0">
+                <a:solidFill>
+                  <a:schemeClr val="tx1"/>
+                </a:solidFill>
+                <a:effectLst/>
+                <a:latin typeface="+mn-lt"/>
+                <a:ea typeface="+mn-ea"/>
+                <a:cs typeface="+mn-cs"/>
+              </a:rPr>
+              <a:t>x</a:t>
+            </a:r>
+            <a:r>
+              <a:rPr lang="zh-CN" altLang="zh-CN" sz="1200" kern="1200" dirty="0">
+                <a:solidFill>
+                  <a:schemeClr val="tx1"/>
+                </a:solidFill>
+                <a:effectLst/>
+                <a:latin typeface="+mn-lt"/>
+                <a:ea typeface="+mn-ea"/>
+                <a:cs typeface="+mn-cs"/>
+              </a:rPr>
+              <a:t>∈</a:t>
+            </a:r>
+            <a:r>
+              <a:rPr lang="en-US" altLang="zh-CN" sz="1200" kern="1200" dirty="0">
+                <a:solidFill>
+                  <a:schemeClr val="tx1"/>
+                </a:solidFill>
+                <a:effectLst/>
+                <a:latin typeface="+mn-lt"/>
+                <a:ea typeface="+mn-ea"/>
+                <a:cs typeface="+mn-cs"/>
+              </a:rPr>
+              <a:t>Rn</a:t>
+            </a:r>
+            <a:r>
+              <a:rPr lang="zh-CN" altLang="zh-CN" sz="1200" kern="1200" dirty="0">
+                <a:solidFill>
+                  <a:schemeClr val="tx1"/>
+                </a:solidFill>
+                <a:effectLst/>
+                <a:latin typeface="+mn-lt"/>
+                <a:ea typeface="+mn-ea"/>
+                <a:cs typeface="+mn-cs"/>
+              </a:rPr>
+              <a:t>作为输入，预测标量</a:t>
+            </a:r>
+            <a:r>
+              <a:rPr lang="en-US" altLang="zh-CN" sz="1200" kern="1200" dirty="0">
+                <a:solidFill>
+                  <a:schemeClr val="tx1"/>
+                </a:solidFill>
+                <a:effectLst/>
+                <a:latin typeface="+mn-lt"/>
+                <a:ea typeface="+mn-ea"/>
+                <a:cs typeface="+mn-cs"/>
+              </a:rPr>
+              <a:t>y</a:t>
+            </a:r>
+            <a:r>
+              <a:rPr lang="zh-CN" altLang="zh-CN" sz="1200" kern="1200" dirty="0">
+                <a:solidFill>
+                  <a:schemeClr val="tx1"/>
+                </a:solidFill>
+                <a:effectLst/>
+                <a:latin typeface="+mn-lt"/>
+                <a:ea typeface="+mn-ea"/>
+                <a:cs typeface="+mn-cs"/>
+              </a:rPr>
+              <a:t>∈</a:t>
+            </a:r>
+            <a:r>
+              <a:rPr lang="en-US" altLang="zh-CN" sz="1200" kern="1200" dirty="0">
+                <a:solidFill>
+                  <a:schemeClr val="tx1"/>
+                </a:solidFill>
+                <a:effectLst/>
+                <a:latin typeface="+mn-lt"/>
+                <a:ea typeface="+mn-ea"/>
+                <a:cs typeface="+mn-cs"/>
+              </a:rPr>
+              <a:t>R</a:t>
+            </a:r>
+            <a:r>
+              <a:rPr lang="zh-CN" altLang="zh-CN" sz="1200" kern="1200" dirty="0">
+                <a:solidFill>
+                  <a:schemeClr val="tx1"/>
+                </a:solidFill>
+                <a:effectLst/>
+                <a:latin typeface="+mn-lt"/>
+                <a:ea typeface="+mn-ea"/>
+                <a:cs typeface="+mn-cs"/>
+              </a:rPr>
+              <a:t>作为输出。输出是输入的线性函数。定义输出为</a:t>
+            </a:r>
+            <a:r>
+              <a:rPr lang="en-US" altLang="zh-CN" sz="1200" kern="1200" dirty="0">
+                <a:solidFill>
+                  <a:schemeClr val="tx1"/>
+                </a:solidFill>
+                <a:effectLst/>
+                <a:latin typeface="+mn-lt"/>
+                <a:ea typeface="+mn-ea"/>
+                <a:cs typeface="+mn-cs"/>
+              </a:rPr>
+              <a:t> y = WTX</a:t>
+            </a:r>
+            <a:endParaRPr lang="en-US" altLang="zh-CN" sz="1200" kern="1200" dirty="0">
+              <a:solidFill>
+                <a:schemeClr val="tx1"/>
+              </a:solidFill>
+              <a:effectLst/>
+              <a:latin typeface="+mn-lt"/>
+              <a:ea typeface="+mn-ea"/>
+              <a:cs typeface="+mn-cs"/>
+            </a:endParaRPr>
+          </a:p>
+          <a:p>
+            <a:r>
+              <a:rPr lang="zh-CN" altLang="zh-CN" sz="1200" kern="1200" dirty="0">
+                <a:solidFill>
+                  <a:schemeClr val="tx1"/>
+                </a:solidFill>
+                <a:effectLst/>
+                <a:latin typeface="+mn-lt"/>
+                <a:ea typeface="+mn-ea"/>
+                <a:cs typeface="+mn-cs"/>
+              </a:rPr>
+              <a:t>定义任务</a:t>
+            </a:r>
+            <a:r>
+              <a:rPr lang="en-US" altLang="zh-CN" sz="1200" kern="1200" dirty="0">
+                <a:solidFill>
+                  <a:schemeClr val="tx1"/>
+                </a:solidFill>
+                <a:effectLst/>
+                <a:latin typeface="+mn-lt"/>
+                <a:ea typeface="+mn-ea"/>
+                <a:cs typeface="+mn-cs"/>
+              </a:rPr>
+              <a:t>T</a:t>
+            </a:r>
+            <a:r>
+              <a:rPr lang="zh-CN" altLang="zh-CN" sz="1200" kern="1200" dirty="0">
+                <a:solidFill>
+                  <a:schemeClr val="tx1"/>
+                </a:solidFill>
+                <a:effectLst/>
+                <a:latin typeface="+mn-lt"/>
+                <a:ea typeface="+mn-ea"/>
+                <a:cs typeface="+mn-cs"/>
+              </a:rPr>
+              <a:t>：从</a:t>
+            </a:r>
+            <a:r>
+              <a:rPr lang="en-US" altLang="zh-CN" sz="1200" kern="1200" dirty="0">
+                <a:solidFill>
+                  <a:schemeClr val="tx1"/>
+                </a:solidFill>
+                <a:effectLst/>
+                <a:latin typeface="+mn-lt"/>
+                <a:ea typeface="+mn-ea"/>
+                <a:cs typeface="+mn-cs"/>
+              </a:rPr>
+              <a:t>x</a:t>
+            </a:r>
+            <a:r>
+              <a:rPr lang="zh-CN" altLang="zh-CN" sz="1200" kern="1200" dirty="0">
+                <a:solidFill>
+                  <a:schemeClr val="tx1"/>
+                </a:solidFill>
+                <a:effectLst/>
+                <a:latin typeface="+mn-lt"/>
+                <a:ea typeface="+mn-ea"/>
+                <a:cs typeface="+mn-cs"/>
+              </a:rPr>
+              <a:t>预测</a:t>
+            </a:r>
+            <a:r>
+              <a:rPr lang="en-US" altLang="zh-CN" sz="1200" kern="1200" dirty="0">
+                <a:solidFill>
+                  <a:schemeClr val="tx1"/>
+                </a:solidFill>
+                <a:effectLst/>
+                <a:latin typeface="+mn-lt"/>
+                <a:ea typeface="+mn-ea"/>
+                <a:cs typeface="+mn-cs"/>
+              </a:rPr>
+              <a:t>y</a:t>
+            </a:r>
+            <a:r>
+              <a:rPr lang="zh-CN" altLang="zh-CN" sz="1200" kern="1200" dirty="0">
+                <a:solidFill>
+                  <a:schemeClr val="tx1"/>
+                </a:solidFill>
+                <a:effectLst/>
+                <a:latin typeface="+mn-lt"/>
+                <a:ea typeface="+mn-ea"/>
+                <a:cs typeface="+mn-cs"/>
+              </a:rPr>
+              <a:t>。</a:t>
+            </a:r>
+            <a:endParaRPr lang="zh-CN" altLang="zh-CN" sz="1200" kern="1200" dirty="0">
+              <a:solidFill>
+                <a:schemeClr val="tx1"/>
+              </a:solidFill>
+              <a:effectLst/>
+              <a:latin typeface="+mn-lt"/>
+              <a:ea typeface="+mn-ea"/>
+              <a:cs typeface="+mn-cs"/>
+            </a:endParaRPr>
+          </a:p>
+          <a:p>
+            <a:r>
+              <a:rPr lang="zh-CN" altLang="zh-CN" sz="1200" kern="1200" dirty="0">
+                <a:solidFill>
+                  <a:schemeClr val="tx1"/>
+                </a:solidFill>
+                <a:effectLst/>
+                <a:latin typeface="+mn-lt"/>
+                <a:ea typeface="+mn-ea"/>
+                <a:cs typeface="+mn-cs"/>
+              </a:rPr>
+              <a:t>定义性能度量</a:t>
+            </a:r>
+            <a:r>
+              <a:rPr lang="en-US" altLang="zh-CN" sz="1200" kern="1200" dirty="0">
+                <a:solidFill>
+                  <a:schemeClr val="tx1"/>
+                </a:solidFill>
+                <a:effectLst/>
+                <a:latin typeface="+mn-lt"/>
+                <a:ea typeface="+mn-ea"/>
+                <a:cs typeface="+mn-cs"/>
+              </a:rPr>
+              <a:t>P</a:t>
+            </a:r>
+            <a:r>
+              <a:rPr lang="zh-CN" altLang="zh-CN" sz="1200" kern="1200" dirty="0">
+                <a:solidFill>
+                  <a:schemeClr val="tx1"/>
+                </a:solidFill>
+                <a:effectLst/>
+                <a:latin typeface="+mn-lt"/>
+                <a:ea typeface="+mn-ea"/>
+                <a:cs typeface="+mn-cs"/>
+              </a:rPr>
+              <a:t>：均方误差</a:t>
+            </a:r>
+            <a:endParaRPr lang="en-US" altLang="zh-CN" sz="1200" kern="1200" dirty="0">
+              <a:solidFill>
+                <a:schemeClr val="tx1"/>
+              </a:solidFill>
+              <a:effectLst/>
+              <a:latin typeface="+mn-lt"/>
+              <a:ea typeface="+mn-ea"/>
+              <a:cs typeface="+mn-cs"/>
+            </a:endParaRPr>
+          </a:p>
+          <a:p>
+            <a:r>
+              <a:rPr lang="zh-CN" altLang="zh-CN" sz="1200" kern="1200" dirty="0">
+                <a:solidFill>
+                  <a:schemeClr val="tx1"/>
+                </a:solidFill>
+                <a:effectLst/>
+                <a:latin typeface="+mn-lt"/>
+                <a:ea typeface="+mn-ea"/>
+                <a:cs typeface="+mn-cs"/>
+              </a:rPr>
+              <a:t>也可以看出，当预测值和目标值之间的欧几里得距离增加时，误差也会增加。</a:t>
+            </a:r>
+            <a:endParaRPr lang="zh-CN" altLang="zh-CN" sz="1200" kern="1200" dirty="0">
+              <a:solidFill>
+                <a:schemeClr val="tx1"/>
+              </a:solidFill>
+              <a:effectLst/>
+              <a:latin typeface="+mn-lt"/>
+              <a:ea typeface="+mn-ea"/>
+              <a:cs typeface="+mn-cs"/>
+            </a:endParaRPr>
+          </a:p>
+          <a:p>
+            <a:pPr marL="0" marR="0" lvl="0" indent="0" algn="l" defTabSz="457200" rtl="0" eaLnBrk="1" fontAlgn="auto" latinLnBrk="0" hangingPunct="1">
+              <a:lnSpc>
+                <a:spcPct val="100000"/>
+              </a:lnSpc>
+              <a:spcBef>
+                <a:spcPts val="0"/>
+              </a:spcBef>
+              <a:spcAft>
+                <a:spcPts val="0"/>
+              </a:spcAft>
+              <a:buClrTx/>
+              <a:buSzTx/>
+              <a:buFontTx/>
+              <a:buNone/>
+              <a:defRPr/>
+            </a:pPr>
+            <a:endParaRPr lang="zh-CN" altLang="zh-CN" sz="1200" kern="1200" dirty="0">
+              <a:solidFill>
+                <a:schemeClr val="tx1"/>
+              </a:solidFill>
+              <a:effectLst/>
+              <a:latin typeface="+mn-lt"/>
+              <a:ea typeface="+mn-ea"/>
+              <a:cs typeface="+mn-cs"/>
+            </a:endParaRPr>
+          </a:p>
+          <a:p>
+            <a:endParaRPr lang="zh-CN" altLang="en-US" dirty="0"/>
           </a:p>
         </p:txBody>
       </p:sp>
@@ -2272,101 +2418,33 @@
           <a:bodyPr/>
           <a:lstStyle/>
           <a:p>
-            <a:pPr marL="0" marR="0" lvl="0" indent="0" algn="l" defTabSz="457200" rtl="0" eaLnBrk="1" fontAlgn="auto" latinLnBrk="0" hangingPunct="1">
-              <a:lnSpc>
-                <a:spcPct val="100000"/>
-              </a:lnSpc>
-              <a:spcBef>
-                <a:spcPts val="0"/>
-              </a:spcBef>
-              <a:spcAft>
-                <a:spcPts val="0"/>
-              </a:spcAft>
-              <a:buClrTx/>
-              <a:buSzTx/>
-              <a:buFontTx/>
-              <a:buNone/>
-              <a:defRPr/>
-            </a:pPr>
-            <a:r>
-              <a:rPr lang="zh-CN" altLang="zh-CN" sz="1200" kern="1200" dirty="0">
-                <a:solidFill>
-                  <a:schemeClr val="tx1"/>
-                </a:solidFill>
-                <a:effectLst/>
-                <a:latin typeface="+mn-lt"/>
-                <a:ea typeface="+mn-ea"/>
-                <a:cs typeface="+mn-cs"/>
-              </a:rPr>
-              <a:t>泛化：在先前未观测的输入上表现良好的能力。泛化误差也称测试误差。</a:t>
-            </a:r>
-            <a:endParaRPr lang="zh-CN" altLang="zh-CN" sz="1200" kern="1200" dirty="0">
-              <a:solidFill>
-                <a:schemeClr val="tx1"/>
-              </a:solidFill>
-              <a:effectLst/>
-              <a:latin typeface="+mn-lt"/>
-              <a:ea typeface="+mn-ea"/>
-              <a:cs typeface="+mn-cs"/>
-            </a:endParaRPr>
-          </a:p>
-          <a:p>
-            <a:r>
-              <a:rPr lang="zh-CN" altLang="en-US" sz="1200" kern="1200" dirty="0">
-                <a:solidFill>
-                  <a:schemeClr val="tx1"/>
-                </a:solidFill>
-                <a:effectLst/>
-                <a:latin typeface="+mn-lt"/>
-                <a:ea typeface="+mn-ea"/>
-                <a:cs typeface="+mn-cs"/>
-              </a:rPr>
-              <a:t>训练误差：</a:t>
-            </a:r>
-            <a:r>
-              <a:rPr lang="zh-CN" altLang="en-US" sz="1200" b="0" i="0" u="none" strike="noStrike" kern="1200" baseline="0" dirty="0">
-                <a:solidFill>
-                  <a:schemeClr val="tx1"/>
-                </a:solidFill>
-                <a:latin typeface="+mn-lt"/>
-                <a:ea typeface="+mn-ea"/>
-                <a:cs typeface="+mn-cs"/>
-              </a:rPr>
-              <a:t>在训练集上计算一些度量误差</a:t>
-            </a:r>
-            <a:endParaRPr lang="en-US" altLang="zh-CN" sz="1200" b="0" i="0" u="none" strike="noStrike" kern="1200" baseline="0" dirty="0">
-              <a:solidFill>
-                <a:schemeClr val="tx1"/>
-              </a:solidFill>
-              <a:latin typeface="+mn-lt"/>
-              <a:ea typeface="+mn-ea"/>
-              <a:cs typeface="+mn-cs"/>
-            </a:endParaRPr>
-          </a:p>
-          <a:p>
-            <a:r>
-              <a:rPr lang="zh-CN" altLang="en-US" sz="1200" b="0" i="0" u="none" strike="noStrike" kern="1200" baseline="0" dirty="0">
-                <a:solidFill>
-                  <a:schemeClr val="tx1"/>
-                </a:solidFill>
-                <a:latin typeface="+mn-lt"/>
-                <a:ea typeface="+mn-ea"/>
-                <a:cs typeface="+mn-cs"/>
-              </a:rPr>
-              <a:t>容量：指其拟合各种函数的能力</a:t>
-            </a:r>
-            <a:endParaRPr lang="zh-CN" altLang="zh-CN" sz="1200" kern="1200" dirty="0">
-              <a:solidFill>
-                <a:schemeClr val="tx1"/>
-              </a:solidFill>
-              <a:effectLst/>
-              <a:latin typeface="+mn-lt"/>
-              <a:ea typeface="+mn-ea"/>
-              <a:cs typeface="+mn-cs"/>
-            </a:endParaRPr>
-          </a:p>
-          <a:p>
-            <a:endParaRPr lang="zh-CN" altLang="en-US" dirty="0"/>
+            <a:r>
+              <a:rPr lang="zh-CN" altLang="en-US" dirty="0"/>
+              <a:t>左图为线性回归拟合的结果。</a:t>
+            </a:r>
+            <a:endParaRPr lang="en-US" altLang="zh-CN" dirty="0"/>
+          </a:p>
+          <a:p>
+            <a:r>
+              <a:rPr lang="zh-CN" altLang="en-US" dirty="0"/>
+              <a:t>右图为均方误差随</a:t>
+            </a:r>
+            <a:r>
+              <a:rPr lang="en-US" altLang="zh-CN" dirty="0"/>
+              <a:t>WT</a:t>
+            </a:r>
+            <a:r>
+              <a:rPr lang="zh-CN" altLang="en-US" dirty="0"/>
+              <a:t>变化的曲线，可以看出</a:t>
+            </a:r>
+            <a:r>
+              <a:rPr lang="en-US" altLang="zh-CN" dirty="0"/>
+              <a:t>W1</a:t>
+            </a:r>
+            <a:r>
+              <a:rPr lang="zh-CN" altLang="en-US" dirty="0"/>
+              <a:t>的最优值</a:t>
+            </a:r>
           </a:p>
         </p:txBody>
       </p:sp>
@@ -2444,10 +2522,101 @@
           <a:bodyPr/>
           <a:lstStyle/>
           <a:p>
-            <a:r>
-              <a:rPr lang="zh-CN" altLang="en-US" dirty="0"/>
-              <a:t>泛化、两个影响机器学习算法的关键因素、欠拟合和过拟合、没有免费午餐定理</a:t>
-            </a:r>
+            <a:pPr marL="0" marR="0" lvl="0" indent="0" algn="l" defTabSz="457200" rtl="0" eaLnBrk="1" fontAlgn="auto" latinLnBrk="0" hangingPunct="1">
+              <a:lnSpc>
+                <a:spcPct val="100000"/>
+              </a:lnSpc>
+              <a:spcBef>
+                <a:spcPts val="0"/>
+              </a:spcBef>
+              <a:spcAft>
+                <a:spcPts val="0"/>
+              </a:spcAft>
+              <a:buClrTx/>
+              <a:buSzTx/>
+              <a:buFontTx/>
+              <a:buNone/>
+              <a:defRPr/>
+            </a:pPr>
+            <a:r>
+              <a:rPr lang="zh-CN" altLang="zh-CN" sz="1200" kern="1200" dirty="0">
+                <a:solidFill>
+                  <a:schemeClr val="tx1"/>
+                </a:solidFill>
+                <a:effectLst/>
+                <a:latin typeface="+mn-lt"/>
+                <a:ea typeface="+mn-ea"/>
+                <a:cs typeface="+mn-cs"/>
+              </a:rPr>
+              <a:t>泛化：在先前未观测的输入上表现良好的能力。泛化误差也称测试误差。</a:t>
+            </a:r>
+            <a:endParaRPr lang="zh-CN" altLang="zh-CN" sz="1200" kern="1200" dirty="0">
+              <a:solidFill>
+                <a:schemeClr val="tx1"/>
+              </a:solidFill>
+              <a:effectLst/>
+              <a:latin typeface="+mn-lt"/>
+              <a:ea typeface="+mn-ea"/>
+              <a:cs typeface="+mn-cs"/>
+            </a:endParaRPr>
+          </a:p>
+          <a:p>
+            <a:r>
+              <a:rPr lang="zh-CN" altLang="en-US" sz="1200" kern="1200" dirty="0">
+                <a:solidFill>
+                  <a:schemeClr val="tx1"/>
+                </a:solidFill>
+                <a:effectLst/>
+                <a:latin typeface="+mn-lt"/>
+                <a:ea typeface="+mn-ea"/>
+                <a:cs typeface="+mn-cs"/>
+              </a:rPr>
+              <a:t>训练误差：</a:t>
+            </a:r>
+            <a:r>
+              <a:rPr lang="zh-CN" altLang="en-US" sz="1200" b="0" i="0" u="none" strike="noStrike" kern="1200" baseline="0" dirty="0">
+                <a:solidFill>
+                  <a:schemeClr val="tx1"/>
+                </a:solidFill>
+                <a:latin typeface="+mn-lt"/>
+                <a:ea typeface="+mn-ea"/>
+                <a:cs typeface="+mn-cs"/>
+              </a:rPr>
+              <a:t>在训练集上计算一些度量误差</a:t>
+            </a:r>
+            <a:endParaRPr lang="en-US" altLang="zh-CN" sz="1200" b="0" i="0" u="none" strike="noStrike" kern="1200" baseline="0" dirty="0">
+              <a:solidFill>
+                <a:schemeClr val="tx1"/>
+              </a:solidFill>
+              <a:latin typeface="+mn-lt"/>
+              <a:ea typeface="+mn-ea"/>
+              <a:cs typeface="+mn-cs"/>
+            </a:endParaRPr>
+          </a:p>
+          <a:p>
+            <a:r>
+              <a:rPr lang="zh-CN" altLang="en-US" sz="1200" b="0" i="0" u="none" strike="noStrike" kern="1200" baseline="0" dirty="0">
+                <a:solidFill>
+                  <a:schemeClr val="tx1"/>
+                </a:solidFill>
+                <a:latin typeface="+mn-lt"/>
+                <a:ea typeface="+mn-ea"/>
+                <a:cs typeface="+mn-cs"/>
+              </a:rPr>
+              <a:t>容量：指其拟合各种函数的能力</a:t>
+            </a:r>
+            <a:endParaRPr lang="zh-CN" altLang="zh-CN" sz="1200" kern="1200" dirty="0">
+              <a:solidFill>
+                <a:schemeClr val="tx1"/>
+              </a:solidFill>
+              <a:effectLst/>
+              <a:latin typeface="+mn-lt"/>
+              <a:ea typeface="+mn-ea"/>
+              <a:cs typeface="+mn-cs"/>
+            </a:endParaRPr>
+          </a:p>
+          <a:p>
+            <a:endParaRPr lang="zh-CN" altLang="en-US" dirty="0"/>
           </a:p>
         </p:txBody>
       </p:sp>
@@ -2526,81 +2695,9 @@
           <a:lstStyle/>
           <a:p>
             <a:r>
-              <a:rPr lang="zh-CN" altLang="en-US" sz="1200" b="0" i="0" u="none" strike="noStrike" kern="1200" baseline="0" dirty="0">
-                <a:solidFill>
-                  <a:schemeClr val="tx1"/>
-                </a:solidFill>
-                <a:latin typeface="+mn-lt"/>
-                <a:ea typeface="+mn-ea"/>
-                <a:cs typeface="+mn-cs"/>
-              </a:rPr>
-              <a:t>评判学习算法效果是否好的因素：</a:t>
-            </a:r>
-            <a:endParaRPr lang="zh-CN" altLang="en-US" sz="1200" b="0" i="0" u="none" strike="noStrike" kern="1200" baseline="0" dirty="0">
-              <a:solidFill>
-                <a:schemeClr val="tx1"/>
-              </a:solidFill>
-              <a:latin typeface="+mn-lt"/>
-              <a:ea typeface="+mn-ea"/>
-              <a:cs typeface="+mn-cs"/>
-            </a:endParaRPr>
-          </a:p>
-          <a:p>
-            <a:r>
-              <a:rPr lang="en-US" altLang="zh-CN" sz="1200" b="0" i="0" u="none" strike="noStrike" kern="1200" baseline="0" dirty="0">
-                <a:solidFill>
-                  <a:schemeClr val="tx1"/>
-                </a:solidFill>
-                <a:latin typeface="+mn-lt"/>
-                <a:ea typeface="+mn-ea"/>
-                <a:cs typeface="+mn-cs"/>
-              </a:rPr>
-              <a:t>1. </a:t>
-            </a:r>
-            <a:r>
-              <a:rPr lang="zh-CN" altLang="en-US" sz="1200" b="0" i="0" u="none" strike="noStrike" kern="1200" baseline="0" dirty="0">
-                <a:solidFill>
-                  <a:schemeClr val="tx1"/>
-                </a:solidFill>
-                <a:latin typeface="+mn-lt"/>
-                <a:ea typeface="+mn-ea"/>
-                <a:cs typeface="+mn-cs"/>
-              </a:rPr>
-              <a:t>降低训练误差</a:t>
-            </a:r>
-            <a:endParaRPr lang="zh-CN" altLang="en-US" sz="1200" b="0" i="0" u="none" strike="noStrike" kern="1200" baseline="0" dirty="0">
-              <a:solidFill>
-                <a:schemeClr val="tx1"/>
-              </a:solidFill>
-              <a:latin typeface="+mn-lt"/>
-              <a:ea typeface="+mn-ea"/>
-              <a:cs typeface="+mn-cs"/>
-            </a:endParaRPr>
-          </a:p>
-          <a:p>
-            <a:r>
-              <a:rPr lang="en-US" altLang="zh-CN" sz="1200" b="0" i="0" u="none" strike="noStrike" kern="1200" baseline="0" dirty="0">
-                <a:solidFill>
-                  <a:schemeClr val="tx1"/>
-                </a:solidFill>
-                <a:latin typeface="+mn-lt"/>
-                <a:ea typeface="+mn-ea"/>
-                <a:cs typeface="+mn-cs"/>
-              </a:rPr>
-              <a:t>2. </a:t>
-            </a:r>
-            <a:r>
-              <a:rPr lang="zh-CN" altLang="en-US" sz="1200" b="0" i="0" u="none" strike="noStrike" kern="1200" baseline="0" dirty="0">
-                <a:solidFill>
-                  <a:schemeClr val="tx1"/>
-                </a:solidFill>
-                <a:latin typeface="+mn-lt"/>
-                <a:ea typeface="+mn-ea"/>
-                <a:cs typeface="+mn-cs"/>
-              </a:rPr>
-              <a:t>缩小训练误差和测试误差的差距</a:t>
-            </a:r>
-            <a:endParaRPr lang="zh-CN" altLang="en-US" dirty="0"/>
+              <a:rPr lang="zh-CN" altLang="en-US" dirty="0"/>
+              <a:t>泛化、两个影响机器学习算法的关键因素、欠拟合和过拟合、没有免费午餐定理</a:t>
+            </a:r>
           </a:p>
         </p:txBody>
       </p:sp>
@@ -2678,180 +2775,81 @@
           <a:bodyPr/>
           <a:lstStyle/>
           <a:p>
-            <a:pPr lvl="0"/>
-            <a:r>
-              <a:rPr lang="zh-CN" altLang="zh-CN" sz="1200" kern="1200" dirty="0">
-                <a:solidFill>
-                  <a:schemeClr val="tx1"/>
-                </a:solidFill>
-                <a:effectLst/>
-                <a:latin typeface="+mn-lt"/>
-                <a:ea typeface="+mn-ea"/>
-                <a:cs typeface="+mn-cs"/>
-              </a:rPr>
-              <a:t>欠拟合：模型不能在训练集上获得足够低的误差</a:t>
-            </a:r>
-            <a:r>
-              <a:rPr lang="zh-CN" altLang="en-US" sz="1200" kern="1200" dirty="0">
-                <a:solidFill>
-                  <a:schemeClr val="tx1"/>
-                </a:solidFill>
-                <a:effectLst/>
-                <a:latin typeface="+mn-lt"/>
-                <a:ea typeface="+mn-ea"/>
-                <a:cs typeface="+mn-cs"/>
-              </a:rPr>
-              <a:t>。</a:t>
-            </a:r>
-            <a:endParaRPr lang="zh-CN" altLang="zh-CN" sz="1200" kern="1200" dirty="0">
+            <a:r>
+              <a:rPr lang="zh-CN" altLang="en-US" sz="1200" b="0" i="0" u="none" strike="noStrike" kern="1200" baseline="0" dirty="0">
+                <a:solidFill>
+                  <a:schemeClr val="tx1"/>
+                </a:solidFill>
+                <a:latin typeface="+mn-lt"/>
+                <a:ea typeface="+mn-ea"/>
+                <a:cs typeface="+mn-cs"/>
+              </a:rPr>
+              <a:t>评判学习算法效果是否好的因素：</a:t>
+            </a:r>
+            <a:endParaRPr lang="zh-CN" altLang="en-US" sz="1200" b="0" i="0" u="none" strike="noStrike" kern="1200" baseline="0" dirty="0">
               <a:solidFill>
                 <a:schemeClr val="tx1"/>
               </a:solidFill>
-              <a:effectLst/>
               <a:latin typeface="+mn-lt"/>
               <a:ea typeface="+mn-ea"/>
               <a:cs typeface="+mn-cs"/>
             </a:endParaRPr>
           </a:p>
           <a:p>
-            <a:pPr lvl="0"/>
-            <a:r>
-              <a:rPr lang="zh-CN" altLang="zh-CN" sz="1200" kern="1200" dirty="0">
-                <a:solidFill>
-                  <a:schemeClr val="tx1"/>
-                </a:solidFill>
-                <a:effectLst/>
-                <a:latin typeface="+mn-lt"/>
-                <a:ea typeface="+mn-ea"/>
-                <a:cs typeface="+mn-cs"/>
-              </a:rPr>
-              <a:t>过拟合：训练误差和测试误差之间的差距太大。</a:t>
-            </a:r>
-            <a:endParaRPr lang="en-US" altLang="zh-CN" sz="1200" kern="1200" dirty="0">
+            <a:r>
+              <a:rPr lang="en-US" altLang="zh-CN" sz="1200" b="0" i="0" u="none" strike="noStrike" kern="1200" baseline="0" dirty="0">
+                <a:solidFill>
+                  <a:schemeClr val="tx1"/>
+                </a:solidFill>
+                <a:latin typeface="+mn-lt"/>
+                <a:ea typeface="+mn-ea"/>
+                <a:cs typeface="+mn-cs"/>
+              </a:rPr>
+              <a:t>1. </a:t>
+            </a:r>
+            <a:r>
+              <a:rPr lang="zh-CN" altLang="en-US" sz="1200" b="0" i="0" u="none" strike="noStrike" kern="1200" baseline="0" dirty="0">
+                <a:solidFill>
+                  <a:schemeClr val="tx1"/>
+                </a:solidFill>
+                <a:latin typeface="+mn-lt"/>
+                <a:ea typeface="+mn-ea"/>
+                <a:cs typeface="+mn-cs"/>
+              </a:rPr>
+              <a:t>降低训练误差</a:t>
+            </a:r>
+            <a:endParaRPr lang="zh-CN" altLang="en-US" sz="1200" b="0" i="0" u="none" strike="noStrike" kern="1200" baseline="0" dirty="0">
               <a:solidFill>
                 <a:schemeClr val="tx1"/>
               </a:solidFill>
-              <a:effectLst/>
               <a:latin typeface="+mn-lt"/>
               <a:ea typeface="+mn-ea"/>
               <a:cs typeface="+mn-cs"/>
             </a:endParaRPr>
           </a:p>
           <a:p>
-            <a:pPr marL="0" marR="0" lvl="0" indent="0" algn="l" defTabSz="457200" rtl="0" eaLnBrk="1" fontAlgn="auto" latinLnBrk="0" hangingPunct="1">
-              <a:lnSpc>
-                <a:spcPct val="100000"/>
-              </a:lnSpc>
-              <a:spcBef>
-                <a:spcPts val="0"/>
-              </a:spcBef>
-              <a:spcAft>
-                <a:spcPts val="0"/>
-              </a:spcAft>
-              <a:buClrTx/>
-              <a:buSzTx/>
-              <a:buFontTx/>
-              <a:buNone/>
-              <a:defRPr/>
-            </a:pPr>
-            <a:r>
-              <a:rPr lang="zh-CN" altLang="zh-CN" sz="1200" kern="1200" dirty="0">
-                <a:solidFill>
-                  <a:schemeClr val="tx1"/>
-                </a:solidFill>
-                <a:effectLst/>
-                <a:latin typeface="+mn-lt"/>
-                <a:ea typeface="+mn-ea"/>
-                <a:cs typeface="+mn-cs"/>
-              </a:rPr>
-              <a:t>我们可以通过调整模型的容量，来控制模型。容量低的模型可能会欠拟合，高则可能会过拟合。</a:t>
-            </a:r>
-            <a:endParaRPr lang="en-US" altLang="zh-CN" sz="1200" kern="1200" dirty="0">
-              <a:solidFill>
-                <a:schemeClr val="tx1"/>
-              </a:solidFill>
-              <a:effectLst/>
-              <a:latin typeface="+mn-lt"/>
-              <a:ea typeface="+mn-ea"/>
-              <a:cs typeface="+mn-cs"/>
-            </a:endParaRPr>
-          </a:p>
-          <a:p>
-            <a:pPr marL="0" marR="0" lvl="0" indent="0" algn="l" defTabSz="457200" rtl="0" eaLnBrk="1" fontAlgn="auto" latinLnBrk="0" hangingPunct="1">
-              <a:lnSpc>
-                <a:spcPct val="100000"/>
-              </a:lnSpc>
-              <a:spcBef>
-                <a:spcPts val="0"/>
-              </a:spcBef>
-              <a:spcAft>
-                <a:spcPts val="0"/>
-              </a:spcAft>
-              <a:buClrTx/>
-              <a:buSzTx/>
-              <a:buFontTx/>
-              <a:buNone/>
-              <a:defRPr/>
-            </a:pPr>
-            <a:r>
-              <a:rPr lang="zh-CN" altLang="zh-CN" sz="1200" kern="1200" dirty="0">
-                <a:solidFill>
-                  <a:schemeClr val="tx1"/>
-                </a:solidFill>
-                <a:effectLst/>
-                <a:latin typeface="+mn-lt"/>
-                <a:ea typeface="+mn-ea"/>
-                <a:cs typeface="+mn-cs"/>
-              </a:rPr>
-              <a:t>上图比较了线性、二次、</a:t>
-            </a:r>
-            <a:r>
-              <a:rPr lang="en-US" altLang="zh-CN" sz="1200" kern="1200" dirty="0">
-                <a:solidFill>
-                  <a:schemeClr val="tx1"/>
-                </a:solidFill>
-                <a:effectLst/>
-                <a:latin typeface="+mn-lt"/>
-                <a:ea typeface="+mn-ea"/>
-                <a:cs typeface="+mn-cs"/>
-              </a:rPr>
-              <a:t>9</a:t>
-            </a:r>
-            <a:r>
-              <a:rPr lang="zh-CN" altLang="zh-CN" sz="1200" kern="1200" dirty="0">
-                <a:solidFill>
-                  <a:schemeClr val="tx1"/>
-                </a:solidFill>
-                <a:effectLst/>
-                <a:latin typeface="+mn-lt"/>
-                <a:ea typeface="+mn-ea"/>
-                <a:cs typeface="+mn-cs"/>
-              </a:rPr>
-              <a:t>次预测器拟合真是二次函数的结果。</a:t>
-            </a:r>
-            <a:endParaRPr lang="zh-CN" altLang="zh-CN" sz="1200" kern="1200" dirty="0">
-              <a:solidFill>
-                <a:schemeClr val="tx1"/>
-              </a:solidFill>
-              <a:effectLst/>
-              <a:latin typeface="+mn-lt"/>
-              <a:ea typeface="+mn-ea"/>
-              <a:cs typeface="+mn-cs"/>
-            </a:endParaRPr>
-          </a:p>
-          <a:p>
-            <a:pPr lvl="0"/>
-            <a:endParaRPr lang="zh-CN" altLang="zh-CN" sz="1200" kern="1200" dirty="0">
-              <a:solidFill>
-                <a:schemeClr val="tx1"/>
-              </a:solidFill>
-              <a:effectLst/>
-              <a:latin typeface="+mn-lt"/>
-              <a:ea typeface="+mn-ea"/>
-              <a:cs typeface="+mn-cs"/>
-            </a:endParaRPr>
-          </a:p>
-          <a:p>
+            <a:r>
+              <a:rPr lang="en-US" altLang="zh-CN" sz="1200" b="0" i="0" u="none" strike="noStrike" kern="1200" baseline="0" dirty="0">
+                <a:solidFill>
+                  <a:schemeClr val="tx1"/>
+                </a:solidFill>
+                <a:latin typeface="+mn-lt"/>
+                <a:ea typeface="+mn-ea"/>
+                <a:cs typeface="+mn-cs"/>
+              </a:rPr>
+              <a:t>2. </a:t>
+            </a:r>
+            <a:r>
+              <a:rPr lang="zh-CN" altLang="en-US" sz="1200" b="0" i="0" u="none" strike="noStrike" kern="1200" baseline="0" dirty="0">
+                <a:solidFill>
+                  <a:schemeClr val="tx1"/>
+                </a:solidFill>
+                <a:latin typeface="+mn-lt"/>
+                <a:ea typeface="+mn-ea"/>
+                <a:cs typeface="+mn-cs"/>
+              </a:rPr>
+              <a:t>缩小训练误差和测试误差的差距</a:t>
+            </a:r>
             <a:endParaRPr lang="zh-CN" altLang="en-US" dirty="0"/>
           </a:p>
         </p:txBody>
@@ -2932,135 +2930,9 @@
           <a:p>
             <a:r>
               <a:rPr lang="zh-CN" altLang="en-US" dirty="0"/>
-              <a:t>学习算法的概念：</a:t>
-            </a:r>
-            <a:r>
-              <a:rPr lang="zh-CN" altLang="zh-CN" sz="1200" kern="1200" dirty="0">
-                <a:solidFill>
-                  <a:schemeClr val="tx1"/>
-                </a:solidFill>
-                <a:effectLst/>
-                <a:latin typeface="+mn-lt"/>
-                <a:ea typeface="+mn-ea"/>
-                <a:cs typeface="+mn-cs"/>
-              </a:rPr>
-              <a:t>通过</a:t>
-            </a:r>
-            <a:r>
-              <a:rPr lang="zh-CN" altLang="zh-CN" sz="1200" b="1" kern="1200" dirty="0">
-                <a:solidFill>
-                  <a:schemeClr val="tx1"/>
-                </a:solidFill>
-                <a:effectLst/>
-                <a:latin typeface="+mn-lt"/>
-                <a:ea typeface="+mn-ea"/>
-                <a:cs typeface="+mn-cs"/>
-              </a:rPr>
-              <a:t>经验</a:t>
-            </a:r>
-            <a:r>
-              <a:rPr lang="en-US" altLang="zh-CN" sz="1200" b="1" kern="1200" dirty="0">
-                <a:solidFill>
-                  <a:schemeClr val="tx1"/>
-                </a:solidFill>
-                <a:effectLst/>
-                <a:latin typeface="+mn-lt"/>
-                <a:ea typeface="+mn-ea"/>
-                <a:cs typeface="+mn-cs"/>
-              </a:rPr>
-              <a:t>E</a:t>
-            </a:r>
-            <a:r>
-              <a:rPr lang="zh-CN" altLang="zh-CN" sz="1200" kern="1200" dirty="0">
-                <a:solidFill>
-                  <a:schemeClr val="tx1"/>
-                </a:solidFill>
-                <a:effectLst/>
-                <a:latin typeface="+mn-lt"/>
-                <a:ea typeface="+mn-ea"/>
-                <a:cs typeface="+mn-cs"/>
-              </a:rPr>
-              <a:t>改进后，它在</a:t>
-            </a:r>
-            <a:r>
-              <a:rPr lang="zh-CN" altLang="zh-CN" sz="1200" b="1" kern="1200" dirty="0">
-                <a:solidFill>
-                  <a:schemeClr val="tx1"/>
-                </a:solidFill>
-                <a:effectLst/>
-                <a:latin typeface="+mn-lt"/>
-                <a:ea typeface="+mn-ea"/>
-                <a:cs typeface="+mn-cs"/>
-              </a:rPr>
-              <a:t>任务</a:t>
-            </a:r>
-            <a:r>
-              <a:rPr lang="en-US" altLang="zh-CN" sz="1200" b="1" kern="1200" dirty="0">
-                <a:solidFill>
-                  <a:schemeClr val="tx1"/>
-                </a:solidFill>
-                <a:effectLst/>
-                <a:latin typeface="+mn-lt"/>
-                <a:ea typeface="+mn-ea"/>
-                <a:cs typeface="+mn-cs"/>
-              </a:rPr>
-              <a:t>T</a:t>
-            </a:r>
-            <a:r>
-              <a:rPr lang="zh-CN" altLang="zh-CN" sz="1200" kern="1200" dirty="0">
-                <a:solidFill>
-                  <a:schemeClr val="tx1"/>
-                </a:solidFill>
-                <a:effectLst/>
-                <a:latin typeface="+mn-lt"/>
-                <a:ea typeface="+mn-ea"/>
-                <a:cs typeface="+mn-cs"/>
-              </a:rPr>
-              <a:t>上由</a:t>
-            </a:r>
-            <a:r>
-              <a:rPr lang="zh-CN" altLang="zh-CN" sz="1200" b="1" kern="1200" dirty="0">
-                <a:solidFill>
-                  <a:schemeClr val="tx1"/>
-                </a:solidFill>
-                <a:effectLst/>
-                <a:latin typeface="+mn-lt"/>
-                <a:ea typeface="+mn-ea"/>
-                <a:cs typeface="+mn-cs"/>
-              </a:rPr>
-              <a:t>性能度量</a:t>
-            </a:r>
-            <a:r>
-              <a:rPr lang="en-US" altLang="zh-CN" sz="1200" b="1" kern="1200" dirty="0">
-                <a:solidFill>
-                  <a:schemeClr val="tx1"/>
-                </a:solidFill>
-                <a:effectLst/>
-                <a:latin typeface="+mn-lt"/>
-                <a:ea typeface="+mn-ea"/>
-                <a:cs typeface="+mn-cs"/>
-              </a:rPr>
-              <a:t>P</a:t>
-            </a:r>
-            <a:r>
-              <a:rPr lang="zh-CN" altLang="zh-CN" sz="1200" kern="1200" dirty="0">
-                <a:solidFill>
-                  <a:schemeClr val="tx1"/>
-                </a:solidFill>
-                <a:effectLst/>
-                <a:latin typeface="+mn-lt"/>
-                <a:ea typeface="+mn-ea"/>
-                <a:cs typeface="+mn-cs"/>
-              </a:rPr>
-              <a:t>衡量的性能有所提升。</a:t>
+              <a:t>学习算法的定义、样本、一些常见的机器学习任务、性能度量、经验、线性回归。</a:t>
             </a:r>
             <a:endParaRPr lang="en-US" altLang="zh-CN" dirty="0"/>
-          </a:p>
-          <a:p>
-            <a:r>
-              <a:rPr lang="zh-CN" altLang="en-US" dirty="0"/>
-              <a:t>机器学习的任务：如何处理样本</a:t>
-            </a:r>
           </a:p>
         </p:txBody>
       </p:sp>
@@ -3138,6 +3010,7 @@
           <a:bodyPr/>
           <a:lstStyle/>
           <a:p>
+            <a:pPr lvl="0"/>
             <a:r>
               <a:rPr lang="zh-CN" altLang="zh-CN" sz="1200" kern="1200" dirty="0">
                 <a:solidFill>
@@ -3148,7 +3021,19 @@
                 <a:ea typeface="+mn-ea"/>
                 <a:cs typeface="+mn-cs"/>
               </a:rPr>
-              <a:t>训练误差随着容量的增大而减小，泛化误差则是先减小后增加。</a:t>
+              <a:t>欠拟合：模型不能在训练集上获得足够低的误差</a:t>
+            </a:r>
+            <a:r>
+              <a:rPr lang="zh-CN" altLang="en-US" sz="1200" kern="1200" dirty="0">
+                <a:solidFill>
+                  <a:schemeClr val="tx1"/>
+                </a:solidFill>
+                <a:effectLst/>
+                <a:latin typeface="+mn-lt"/>
+                <a:ea typeface="+mn-ea"/>
+                <a:cs typeface="+mn-cs"/>
+              </a:rPr>
+              <a:t>。</a:t>
             </a:r>
             <a:endParaRPr lang="zh-CN" altLang="zh-CN" sz="1200" kern="1200" dirty="0">
               <a:solidFill>
@@ -3161,6 +3046,7 @@
             </a:endParaRPr>
           </a:p>
           <a:p>
+            <a:pPr lvl="0"/>
             <a:r>
               <a:rPr lang="zh-CN" altLang="zh-CN" sz="1200" kern="1200" dirty="0">
                 <a:solidFill>
@@ -3171,8 +3057,122 @@
                 <a:ea typeface="+mn-ea"/>
                 <a:cs typeface="+mn-cs"/>
               </a:rPr>
-              <a:t>原因：增加容量，训练误差减小，训练误差和泛化误差之间的差距在不断增加，当差距的大小超过了训练误差的下降，便进入了过拟合机制。</a:t>
-            </a:r>
+              <a:t>过拟合：训练误差和测试误差之间的差距太大。</a:t>
+            </a:r>
+            <a:endParaRPr lang="en-US" altLang="zh-CN" sz="1200" kern="1200" dirty="0">
+              <a:solidFill>
+                <a:schemeClr val="tx1"/>
+              </a:solidFill>
+              <a:effectLst/>
+              <a:latin typeface="+mn-lt"/>
+              <a:ea typeface="+mn-ea"/>
+              <a:cs typeface="+mn-cs"/>
+            </a:endParaRPr>
+          </a:p>
+          <a:p>
+            <a:pPr marL="0" marR="0" lvl="0" indent="0" algn="l" defTabSz="457200" rtl="0" eaLnBrk="1" fontAlgn="auto" latinLnBrk="0" hangingPunct="1">
+              <a:lnSpc>
+                <a:spcPct val="100000"/>
+              </a:lnSpc>
+              <a:spcBef>
+                <a:spcPts val="0"/>
+              </a:spcBef>
+              <a:spcAft>
+                <a:spcPts val="0"/>
+              </a:spcAft>
+              <a:buClrTx/>
+              <a:buSzTx/>
+              <a:buFontTx/>
+              <a:buNone/>
+              <a:defRPr/>
+            </a:pPr>
+            <a:r>
+              <a:rPr lang="zh-CN" altLang="zh-CN" sz="1200" kern="1200" dirty="0">
+                <a:solidFill>
+                  <a:schemeClr val="tx1"/>
+                </a:solidFill>
+                <a:effectLst/>
+                <a:latin typeface="+mn-lt"/>
+                <a:ea typeface="+mn-ea"/>
+                <a:cs typeface="+mn-cs"/>
+              </a:rPr>
+              <a:t>我们可以通过调整模型的容量，来控制模型。容量低的模型可能会欠拟合，高则可能会过拟合。</a:t>
+            </a:r>
+            <a:endParaRPr lang="en-US" altLang="zh-CN" sz="1200" kern="1200" dirty="0">
+              <a:solidFill>
+                <a:schemeClr val="tx1"/>
+              </a:solidFill>
+              <a:effectLst/>
+              <a:latin typeface="+mn-lt"/>
+              <a:ea typeface="+mn-ea"/>
+              <a:cs typeface="+mn-cs"/>
+            </a:endParaRPr>
+          </a:p>
+          <a:p>
+            <a:pPr marL="0" marR="0" lvl="0" indent="0" algn="l" defTabSz="457200" rtl="0" eaLnBrk="1" fontAlgn="auto" latinLnBrk="0" hangingPunct="1">
+              <a:lnSpc>
+                <a:spcPct val="100000"/>
+              </a:lnSpc>
+              <a:spcBef>
+                <a:spcPts val="0"/>
+              </a:spcBef>
+              <a:spcAft>
+                <a:spcPts val="0"/>
+              </a:spcAft>
+              <a:buClrTx/>
+              <a:buSzTx/>
+              <a:buFontTx/>
+              <a:buNone/>
+              <a:defRPr/>
+            </a:pPr>
+            <a:r>
+              <a:rPr lang="zh-CN" altLang="zh-CN" sz="1200" kern="1200" dirty="0">
+                <a:solidFill>
+                  <a:schemeClr val="tx1"/>
+                </a:solidFill>
+                <a:effectLst/>
+                <a:latin typeface="+mn-lt"/>
+                <a:ea typeface="+mn-ea"/>
+                <a:cs typeface="+mn-cs"/>
+              </a:rPr>
+              <a:t>上图比较了线性、二次、</a:t>
+            </a:r>
+            <a:r>
+              <a:rPr lang="en-US" altLang="zh-CN" sz="1200" kern="1200" dirty="0">
+                <a:solidFill>
+                  <a:schemeClr val="tx1"/>
+                </a:solidFill>
+                <a:effectLst/>
+                <a:latin typeface="+mn-lt"/>
+                <a:ea typeface="+mn-ea"/>
+                <a:cs typeface="+mn-cs"/>
+              </a:rPr>
+              <a:t>9</a:t>
+            </a:r>
+            <a:r>
+              <a:rPr lang="zh-CN" altLang="zh-CN" sz="1200" kern="1200" dirty="0">
+                <a:solidFill>
+                  <a:schemeClr val="tx1"/>
+                </a:solidFill>
+                <a:effectLst/>
+                <a:latin typeface="+mn-lt"/>
+                <a:ea typeface="+mn-ea"/>
+                <a:cs typeface="+mn-cs"/>
+              </a:rPr>
+              <a:t>次预测器拟合真是二次函数的结果。</a:t>
+            </a:r>
+            <a:endParaRPr lang="zh-CN" altLang="zh-CN" sz="1200" kern="1200" dirty="0">
+              <a:solidFill>
+                <a:schemeClr val="tx1"/>
+              </a:solidFill>
+              <a:effectLst/>
+              <a:latin typeface="+mn-lt"/>
+              <a:ea typeface="+mn-ea"/>
+              <a:cs typeface="+mn-cs"/>
+            </a:endParaRPr>
+          </a:p>
+          <a:p>
+            <a:pPr lvl="0"/>
             <a:endParaRPr lang="zh-CN" altLang="zh-CN" sz="1200" kern="1200" dirty="0">
               <a:solidFill>
                 <a:schemeClr val="tx1"/>
@@ -3272,7 +3272,7 @@
                 <a:ea typeface="+mn-ea"/>
                 <a:cs typeface="+mn-cs"/>
               </a:rPr>
-              <a:t>没有免费午餐定理：</a:t>
+              <a:t>训练误差随着容量的增大而减小，泛化误差则是先减小后增加。</a:t>
             </a:r>
             <a:endParaRPr lang="zh-CN" altLang="zh-CN" sz="1200" kern="1200" dirty="0">
               <a:solidFill>
@@ -3295,53 +3295,7 @@
                 <a:ea typeface="+mn-ea"/>
                 <a:cs typeface="+mn-cs"/>
               </a:rPr>
-              <a:t>在所有可能的数据分布上平均之后，每一个分类算法在未事先观测的点上都有相同的错误率。</a:t>
-            </a:r>
-            <a:endParaRPr lang="en-US" altLang="zh-CN" sz="1200" kern="1200" dirty="0">
-              <a:solidFill>
-                <a:schemeClr val="tx1"/>
-              </a:solidFill>
-              <a:effectLst/>
-              <a:latin typeface="+mn-lt"/>
-              <a:ea typeface="+mn-ea"/>
-              <a:cs typeface="+mn-cs"/>
-            </a:endParaRPr>
-          </a:p>
-          <a:p>
-            <a:r>
-              <a:rPr lang="zh-CN" altLang="zh-CN" sz="1200" kern="1200" dirty="0">
-                <a:solidFill>
-                  <a:schemeClr val="tx1"/>
-                </a:solidFill>
-                <a:effectLst/>
-                <a:latin typeface="+mn-lt"/>
-                <a:ea typeface="+mn-ea"/>
-                <a:cs typeface="+mn-cs"/>
-              </a:rPr>
-              <a:t>换言之，没有一个机器学习算法总是别其他的要好。</a:t>
-            </a:r>
-            <a:endParaRPr lang="zh-CN" altLang="zh-CN" sz="1200" kern="1200" dirty="0">
-              <a:solidFill>
-                <a:schemeClr val="tx1"/>
-              </a:solidFill>
-              <a:effectLst/>
-              <a:latin typeface="+mn-lt"/>
-              <a:ea typeface="+mn-ea"/>
-              <a:cs typeface="+mn-cs"/>
-            </a:endParaRPr>
-          </a:p>
-          <a:p>
-            <a:r>
-              <a:rPr lang="zh-CN" altLang="zh-CN" sz="1200" kern="1200" dirty="0">
-                <a:solidFill>
-                  <a:schemeClr val="tx1"/>
-                </a:solidFill>
-                <a:effectLst/>
-                <a:latin typeface="+mn-lt"/>
-                <a:ea typeface="+mn-ea"/>
-                <a:cs typeface="+mn-cs"/>
-              </a:rPr>
-              <a:t>因此，机器学习算法关注的是：什么样的算法在我们当前关注的数据生成分布上效果最好。</a:t>
+              <a:t>原因：增加容量，训练误差减小，训练误差和泛化误差之间的差距在不断增加，当差距的大小超过了训练误差的下降，便进入了过拟合机制。</a:t>
             </a:r>
             <a:endParaRPr lang="zh-CN" altLang="zh-CN" sz="1200" kern="1200" dirty="0">
               <a:solidFill>
@@ -3433,25 +3387,95 @@
           <a:lstStyle/>
           <a:p>
             <a:r>
-              <a:rPr lang="zh-CN" altLang="en-US" dirty="0"/>
-              <a:t>回顾监督学习的一些概念</a:t>
-            </a:r>
-            <a:endParaRPr lang="en-US" altLang="zh-CN" dirty="0"/>
-          </a:p>
-          <a:p>
-            <a:r>
-              <a:rPr lang="zh-CN" altLang="en-US" dirty="0"/>
-              <a:t>下边会很浅地讲一些监督学习算法：逻辑回归、支持向量机、</a:t>
-            </a:r>
-            <a:r>
-              <a:rPr lang="en-US" altLang="zh-CN" dirty="0"/>
-              <a:t>k</a:t>
-            </a:r>
-            <a:r>
-              <a:rPr lang="zh-CN" altLang="en-US" dirty="0"/>
-              <a:t>临近算法、决策树、朴素贝叶斯算法</a:t>
-            </a:r>
-            <a:endParaRPr lang="en-US" altLang="zh-CN" dirty="0"/>
+              <a:rPr lang="zh-CN" altLang="zh-CN" sz="1200" kern="1200" dirty="0">
+                <a:solidFill>
+                  <a:schemeClr val="tx1"/>
+                </a:solidFill>
+                <a:effectLst/>
+                <a:latin typeface="+mn-lt"/>
+                <a:ea typeface="+mn-ea"/>
+                <a:cs typeface="+mn-cs"/>
+              </a:rPr>
+              <a:t>没有免费午餐定理：</a:t>
+            </a:r>
+            <a:endParaRPr lang="zh-CN" altLang="zh-CN" sz="1200" kern="1200" dirty="0">
+              <a:solidFill>
+                <a:schemeClr val="tx1"/>
+              </a:solidFill>
+              <a:effectLst/>
+              <a:latin typeface="+mn-lt"/>
+              <a:ea typeface="+mn-ea"/>
+              <a:cs typeface="+mn-cs"/>
+            </a:endParaRPr>
+          </a:p>
+          <a:p>
+            <a:r>
+              <a:rPr lang="zh-CN" altLang="zh-CN" sz="1200" kern="1200" dirty="0">
+                <a:solidFill>
+                  <a:schemeClr val="tx1"/>
+                </a:solidFill>
+                <a:effectLst/>
+                <a:latin typeface="+mn-lt"/>
+                <a:ea typeface="+mn-ea"/>
+                <a:cs typeface="+mn-cs"/>
+              </a:rPr>
+              <a:t>在所有可能的数据分布上平均之后，每一个分类算法在未事先观测的点上都有相同的错误率。</a:t>
+            </a:r>
+            <a:endParaRPr lang="en-US" altLang="zh-CN" sz="1200" kern="1200" dirty="0">
+              <a:solidFill>
+                <a:schemeClr val="tx1"/>
+              </a:solidFill>
+              <a:effectLst/>
+              <a:latin typeface="+mn-lt"/>
+              <a:ea typeface="+mn-ea"/>
+              <a:cs typeface="+mn-cs"/>
+            </a:endParaRPr>
+          </a:p>
+          <a:p>
+            <a:r>
+              <a:rPr lang="zh-CN" altLang="zh-CN" sz="1200" kern="1200" dirty="0">
+                <a:solidFill>
+                  <a:schemeClr val="tx1"/>
+                </a:solidFill>
+                <a:effectLst/>
+                <a:latin typeface="+mn-lt"/>
+                <a:ea typeface="+mn-ea"/>
+                <a:cs typeface="+mn-cs"/>
+              </a:rPr>
+              <a:t>换言之，没有一个机器学习算法总是别其他的要好。</a:t>
+            </a:r>
+            <a:endParaRPr lang="zh-CN" altLang="zh-CN" sz="1200" kern="1200" dirty="0">
+              <a:solidFill>
+                <a:schemeClr val="tx1"/>
+              </a:solidFill>
+              <a:effectLst/>
+              <a:latin typeface="+mn-lt"/>
+              <a:ea typeface="+mn-ea"/>
+              <a:cs typeface="+mn-cs"/>
+            </a:endParaRPr>
+          </a:p>
+          <a:p>
+            <a:r>
+              <a:rPr lang="zh-CN" altLang="zh-CN" sz="1200" kern="1200" dirty="0">
+                <a:solidFill>
+                  <a:schemeClr val="tx1"/>
+                </a:solidFill>
+                <a:effectLst/>
+                <a:latin typeface="+mn-lt"/>
+                <a:ea typeface="+mn-ea"/>
+                <a:cs typeface="+mn-cs"/>
+              </a:rPr>
+              <a:t>因此，机器学习算法关注的是：什么样的算法在我们当前关注的数据生成分布上效果最好。</a:t>
+            </a:r>
+            <a:endParaRPr lang="zh-CN" altLang="zh-CN" sz="1200" kern="1200" dirty="0">
+              <a:solidFill>
+                <a:schemeClr val="tx1"/>
+              </a:solidFill>
+              <a:effectLst/>
+              <a:latin typeface="+mn-lt"/>
+              <a:ea typeface="+mn-ea"/>
+              <a:cs typeface="+mn-cs"/>
+            </a:endParaRPr>
           </a:p>
           <a:p>
             <a:endParaRPr lang="zh-CN" altLang="en-US" dirty="0"/>
@@ -3532,121 +3556,28 @@
           <a:bodyPr/>
           <a:lstStyle/>
           <a:p>
-            <a:pPr marL="0" marR="0" lvl="0" indent="0" algn="l" defTabSz="457200" rtl="0" eaLnBrk="1" fontAlgn="auto" latinLnBrk="0" hangingPunct="1">
-              <a:lnSpc>
-                <a:spcPct val="100000"/>
-              </a:lnSpc>
-              <a:spcBef>
-                <a:spcPts val="0"/>
-              </a:spcBef>
-              <a:spcAft>
-                <a:spcPts val="0"/>
-              </a:spcAft>
-              <a:buClrTx/>
-              <a:buSzTx/>
-              <a:buFontTx/>
-              <a:buNone/>
-              <a:defRPr/>
-            </a:pPr>
-            <a:r>
-              <a:rPr lang="zh-CN" altLang="zh-CN" sz="1200" kern="1200" dirty="0">
-                <a:solidFill>
-                  <a:schemeClr val="tx1"/>
-                </a:solidFill>
-                <a:effectLst/>
-                <a:latin typeface="+mn-lt"/>
-                <a:ea typeface="+mn-ea"/>
-                <a:cs typeface="+mn-cs"/>
-              </a:rPr>
-              <a:t>监督学习：从给定的训练数据集中学习出一个函数，当新的数据到来时，可以根据这个函数预测结果。</a:t>
-            </a:r>
-            <a:endParaRPr lang="en-US" altLang="zh-CN" sz="1200" kern="1200" dirty="0">
-              <a:solidFill>
-                <a:schemeClr val="tx1"/>
-              </a:solidFill>
-              <a:effectLst/>
-              <a:latin typeface="+mn-lt"/>
-              <a:ea typeface="+mn-ea"/>
-              <a:cs typeface="+mn-cs"/>
-            </a:endParaRPr>
-          </a:p>
-          <a:p>
-            <a:pPr marL="0" marR="0" lvl="0" indent="0" algn="l" defTabSz="457200" rtl="0" eaLnBrk="1" fontAlgn="auto" latinLnBrk="0" hangingPunct="1">
-              <a:lnSpc>
-                <a:spcPct val="100000"/>
-              </a:lnSpc>
-              <a:spcBef>
-                <a:spcPts val="0"/>
-              </a:spcBef>
-              <a:spcAft>
-                <a:spcPts val="0"/>
-              </a:spcAft>
-              <a:buClrTx/>
-              <a:buSzTx/>
-              <a:buFontTx/>
-              <a:buNone/>
-              <a:defRPr/>
-            </a:pPr>
-            <a:r>
-              <a:rPr lang="zh-CN" altLang="zh-CN" sz="1200" kern="1200" dirty="0">
-                <a:solidFill>
-                  <a:schemeClr val="tx1"/>
-                </a:solidFill>
-                <a:effectLst/>
-                <a:latin typeface="+mn-lt"/>
-                <a:ea typeface="+mn-ea"/>
-                <a:cs typeface="+mn-cs"/>
-              </a:rPr>
-              <a:t>监督学习的</a:t>
-            </a:r>
-            <a:r>
-              <a:rPr lang="zh-CN" altLang="zh-CN" sz="1200" b="1" kern="1200" dirty="0">
-                <a:solidFill>
-                  <a:schemeClr val="tx1"/>
-                </a:solidFill>
-                <a:effectLst/>
-                <a:latin typeface="+mn-lt"/>
-                <a:ea typeface="+mn-ea"/>
-                <a:cs typeface="+mn-cs"/>
-              </a:rPr>
-              <a:t>训练集要求是包括输入和输出（也叫特征和目标）</a:t>
-            </a:r>
-            <a:r>
-              <a:rPr lang="zh-CN" altLang="zh-CN" sz="1200" kern="1200" dirty="0">
-                <a:solidFill>
-                  <a:schemeClr val="tx1"/>
-                </a:solidFill>
-                <a:effectLst/>
-                <a:latin typeface="+mn-lt"/>
-                <a:ea typeface="+mn-ea"/>
-                <a:cs typeface="+mn-cs"/>
-              </a:rPr>
-              <a:t>，训练集中的</a:t>
-            </a:r>
-            <a:r>
-              <a:rPr lang="zh-CN" altLang="zh-CN" sz="1200" b="1" kern="1200" dirty="0">
-                <a:solidFill>
-                  <a:schemeClr val="tx1"/>
-                </a:solidFill>
-                <a:effectLst/>
-                <a:latin typeface="+mn-lt"/>
-                <a:ea typeface="+mn-ea"/>
-                <a:cs typeface="+mn-cs"/>
-              </a:rPr>
-              <a:t>输出是由人标注的</a:t>
-            </a:r>
-            <a:r>
-              <a:rPr lang="zh-CN" altLang="zh-CN" sz="1200" kern="1200" dirty="0">
-                <a:solidFill>
-                  <a:schemeClr val="tx1"/>
-                </a:solidFill>
-                <a:effectLst/>
-                <a:latin typeface="+mn-lt"/>
-                <a:ea typeface="+mn-ea"/>
-                <a:cs typeface="+mn-cs"/>
-              </a:rPr>
-              <a:t>。</a:t>
-            </a:r>
+            <a:r>
+              <a:rPr lang="zh-CN" altLang="en-US" dirty="0"/>
+              <a:t>回顾监督学习的一些概念</a:t>
+            </a:r>
+            <a:endParaRPr lang="en-US" altLang="zh-CN" dirty="0"/>
+          </a:p>
+          <a:p>
+            <a:r>
+              <a:rPr lang="zh-CN" altLang="en-US" dirty="0"/>
+              <a:t>下边会很浅地讲一些监督学习算法：逻辑回归、支持向量机、</a:t>
+            </a:r>
+            <a:r>
+              <a:rPr lang="en-US" altLang="zh-CN" dirty="0"/>
+              <a:t>k</a:t>
+            </a:r>
+            <a:r>
+              <a:rPr lang="zh-CN" altLang="en-US" dirty="0"/>
+              <a:t>临近算法、决策树、朴素贝叶斯算法</a:t>
+            </a:r>
+            <a:endParaRPr lang="en-US" altLang="zh-CN" dirty="0"/>
+          </a:p>
+          <a:p>
             <a:endParaRPr lang="zh-CN" altLang="en-US" dirty="0"/>
           </a:p>
         </p:txBody>
@@ -3725,6 +3656,22 @@
           <a:bodyPr/>
           <a:lstStyle/>
           <a:p>
+            <a:pPr marL="0" marR="0" lvl="0" indent="0" algn="l" defTabSz="457200" rtl="0" eaLnBrk="1" fontAlgn="auto" latinLnBrk="0" hangingPunct="1">
+              <a:lnSpc>
+                <a:spcPct val="100000"/>
+              </a:lnSpc>
+              <a:spcBef>
+                <a:spcPts val="0"/>
+              </a:spcBef>
+              <a:spcAft>
+                <a:spcPts val="0"/>
+              </a:spcAft>
+              <a:buClrTx/>
+              <a:buSzTx/>
+              <a:buFontTx/>
+              <a:buNone/>
+              <a:defRPr/>
+            </a:pPr>
             <a:r>
               <a:rPr lang="zh-CN" altLang="zh-CN" sz="1200" kern="1200" dirty="0">
                 <a:solidFill>
@@ -3735,225 +3682,9 @@
                 <a:ea typeface="+mn-ea"/>
                 <a:cs typeface="+mn-cs"/>
               </a:rPr>
-              <a:t>（</a:t>
-            </a:r>
-            <a:r>
-              <a:rPr lang="en-US" altLang="zh-CN" sz="1200" kern="1200" dirty="0">
-                <a:solidFill>
-                  <a:schemeClr val="tx1"/>
-                </a:solidFill>
-                <a:effectLst/>
-                <a:latin typeface="+mn-lt"/>
-                <a:ea typeface="+mn-ea"/>
-                <a:cs typeface="+mn-cs"/>
-              </a:rPr>
-              <a:t>1</a:t>
-            </a:r>
-            <a:r>
-              <a:rPr lang="zh-CN" altLang="zh-CN" sz="1200" kern="1200" dirty="0">
-                <a:solidFill>
-                  <a:schemeClr val="tx1"/>
-                </a:solidFill>
-                <a:effectLst/>
-                <a:latin typeface="+mn-lt"/>
-                <a:ea typeface="+mn-ea"/>
-                <a:cs typeface="+mn-cs"/>
-              </a:rPr>
-              <a:t>）</a:t>
-            </a:r>
-            <a:r>
-              <a:rPr lang="zh-CN" altLang="zh-CN" sz="1200" b="1" kern="1200" dirty="0">
-                <a:solidFill>
-                  <a:schemeClr val="tx1"/>
-                </a:solidFill>
-                <a:effectLst/>
-                <a:latin typeface="+mn-lt"/>
-                <a:ea typeface="+mn-ea"/>
-                <a:cs typeface="+mn-cs"/>
-              </a:rPr>
-              <a:t>统计分类</a:t>
-            </a:r>
-            <a:r>
-              <a:rPr lang="zh-CN" altLang="zh-CN" sz="1200" kern="1200" dirty="0">
-                <a:solidFill>
-                  <a:schemeClr val="tx1"/>
-                </a:solidFill>
-                <a:effectLst/>
-                <a:latin typeface="+mn-lt"/>
-                <a:ea typeface="+mn-ea"/>
-                <a:cs typeface="+mn-cs"/>
-              </a:rPr>
-              <a:t>：在监督学习中，如果预测的变量是</a:t>
-            </a:r>
-            <a:r>
-              <a:rPr lang="zh-CN" altLang="zh-CN" sz="1200" b="1" kern="1200" dirty="0">
-                <a:solidFill>
-                  <a:schemeClr val="tx1"/>
-                </a:solidFill>
-                <a:effectLst/>
-                <a:latin typeface="+mn-lt"/>
-                <a:ea typeface="+mn-ea"/>
-                <a:cs typeface="+mn-cs"/>
-              </a:rPr>
-              <a:t>离散</a:t>
-            </a:r>
-            <a:r>
-              <a:rPr lang="zh-CN" altLang="zh-CN" sz="1200" kern="1200" dirty="0">
-                <a:solidFill>
-                  <a:schemeClr val="tx1"/>
-                </a:solidFill>
-                <a:effectLst/>
-                <a:latin typeface="+mn-lt"/>
-                <a:ea typeface="+mn-ea"/>
-                <a:cs typeface="+mn-cs"/>
-              </a:rPr>
-              <a:t>的（例如</a:t>
-            </a:r>
-            <a:r>
-              <a:rPr lang="en-US" altLang="zh-CN" sz="1200" kern="1200" dirty="0">
-                <a:solidFill>
-                  <a:schemeClr val="tx1"/>
-                </a:solidFill>
-                <a:effectLst/>
-                <a:latin typeface="+mn-lt"/>
-                <a:ea typeface="+mn-ea"/>
-                <a:cs typeface="+mn-cs"/>
-              </a:rPr>
-              <a:t> -1</a:t>
-            </a:r>
-            <a:r>
-              <a:rPr lang="zh-CN" altLang="zh-CN" sz="1200" kern="1200" dirty="0">
-                <a:solidFill>
-                  <a:schemeClr val="tx1"/>
-                </a:solidFill>
-                <a:effectLst/>
-                <a:latin typeface="+mn-lt"/>
-                <a:ea typeface="+mn-ea"/>
-                <a:cs typeface="+mn-cs"/>
-              </a:rPr>
-              <a:t>，</a:t>
-            </a:r>
-            <a:r>
-              <a:rPr lang="en-US" altLang="zh-CN" sz="1200" kern="1200" dirty="0">
-                <a:solidFill>
-                  <a:schemeClr val="tx1"/>
-                </a:solidFill>
-                <a:effectLst/>
-                <a:latin typeface="+mn-lt"/>
-                <a:ea typeface="+mn-ea"/>
-                <a:cs typeface="+mn-cs"/>
-              </a:rPr>
-              <a:t>+1 </a:t>
-            </a:r>
-            <a:r>
-              <a:rPr lang="zh-CN" altLang="zh-CN" sz="1200" kern="1200" dirty="0">
-                <a:solidFill>
-                  <a:schemeClr val="tx1"/>
-                </a:solidFill>
-                <a:effectLst/>
-                <a:latin typeface="+mn-lt"/>
-                <a:ea typeface="+mn-ea"/>
-                <a:cs typeface="+mn-cs"/>
-              </a:rPr>
-              <a:t>这种）我们就称为分类。常见的分类算法有： 决策树，</a:t>
-            </a:r>
-            <a:r>
-              <a:rPr lang="en-US" altLang="zh-CN" sz="1200" kern="1200" dirty="0">
-                <a:solidFill>
-                  <a:schemeClr val="tx1"/>
-                </a:solidFill>
-                <a:effectLst/>
-                <a:latin typeface="+mn-lt"/>
-                <a:ea typeface="+mn-ea"/>
-                <a:cs typeface="+mn-cs"/>
-              </a:rPr>
-              <a:t>K</a:t>
-            </a:r>
-            <a:r>
-              <a:rPr lang="zh-CN" altLang="zh-CN" sz="1200" kern="1200" dirty="0">
-                <a:solidFill>
-                  <a:schemeClr val="tx1"/>
-                </a:solidFill>
-                <a:effectLst/>
-                <a:latin typeface="+mn-lt"/>
-                <a:ea typeface="+mn-ea"/>
-                <a:cs typeface="+mn-cs"/>
-              </a:rPr>
-              <a:t>近邻算法（</a:t>
-            </a:r>
-            <a:r>
-              <a:rPr lang="en-US" altLang="zh-CN" sz="1200" kern="1200" dirty="0">
-                <a:solidFill>
-                  <a:schemeClr val="tx1"/>
-                </a:solidFill>
-                <a:effectLst/>
-                <a:latin typeface="+mn-lt"/>
-                <a:ea typeface="+mn-ea"/>
-                <a:cs typeface="+mn-cs"/>
-              </a:rPr>
-              <a:t>KNN</a:t>
-            </a:r>
-            <a:r>
-              <a:rPr lang="zh-CN" altLang="zh-CN" sz="1200" kern="1200" dirty="0">
-                <a:solidFill>
-                  <a:schemeClr val="tx1"/>
-                </a:solidFill>
-                <a:effectLst/>
-                <a:latin typeface="+mn-lt"/>
-                <a:ea typeface="+mn-ea"/>
-                <a:cs typeface="+mn-cs"/>
-              </a:rPr>
-              <a:t>），支持向量机（</a:t>
-            </a:r>
-            <a:r>
-              <a:rPr lang="en-US" altLang="zh-CN" sz="1200" kern="1200" dirty="0">
-                <a:solidFill>
-                  <a:schemeClr val="tx1"/>
-                </a:solidFill>
-                <a:effectLst/>
-                <a:latin typeface="+mn-lt"/>
-                <a:ea typeface="+mn-ea"/>
-                <a:cs typeface="+mn-cs"/>
-              </a:rPr>
-              <a:t>SVM</a:t>
-            </a:r>
-            <a:r>
-              <a:rPr lang="zh-CN" altLang="zh-CN" sz="1200" kern="1200" dirty="0">
-                <a:solidFill>
-                  <a:schemeClr val="tx1"/>
-                </a:solidFill>
-                <a:effectLst/>
-                <a:latin typeface="+mn-lt"/>
-                <a:ea typeface="+mn-ea"/>
-                <a:cs typeface="+mn-cs"/>
-              </a:rPr>
-              <a:t>），</a:t>
-            </a:r>
-            <a:r>
-              <a:rPr lang="en-US" altLang="zh-CN" sz="1200" kern="1200" dirty="0">
-                <a:solidFill>
-                  <a:schemeClr val="tx1"/>
-                </a:solidFill>
-                <a:effectLst/>
-                <a:latin typeface="+mn-lt"/>
-                <a:ea typeface="+mn-ea"/>
-                <a:cs typeface="+mn-cs"/>
-              </a:rPr>
-              <a:t>Logistic</a:t>
-            </a:r>
-            <a:r>
-              <a:rPr lang="zh-CN" altLang="zh-CN" sz="1200" kern="1200" dirty="0">
-                <a:solidFill>
-                  <a:schemeClr val="tx1"/>
-                </a:solidFill>
-                <a:effectLst/>
-                <a:latin typeface="+mn-lt"/>
-                <a:ea typeface="+mn-ea"/>
-                <a:cs typeface="+mn-cs"/>
-              </a:rPr>
-              <a:t>回归等。</a:t>
-            </a:r>
-            <a:endParaRPr lang="zh-CN" altLang="zh-CN" sz="1200" kern="1200" dirty="0">
+              <a:t>监督学习：从给定的训练数据集中学习出一个函数，当新的数据到来时，可以根据这个函数预测结果。</a:t>
+            </a:r>
+            <a:endParaRPr lang="en-US" altLang="zh-CN" sz="1200" kern="1200" dirty="0">
               <a:solidFill>
                 <a:schemeClr val="tx1"/>
               </a:solidFill>
@@ -3964,6 +3695,22 @@
             </a:endParaRPr>
           </a:p>
           <a:p>
+            <a:pPr marL="0" marR="0" lvl="0" indent="0" algn="l" defTabSz="457200" rtl="0" eaLnBrk="1" fontAlgn="auto" latinLnBrk="0" hangingPunct="1">
+              <a:lnSpc>
+                <a:spcPct val="100000"/>
+              </a:lnSpc>
+              <a:spcBef>
+                <a:spcPts val="0"/>
+              </a:spcBef>
+              <a:spcAft>
+                <a:spcPts val="0"/>
+              </a:spcAft>
+              <a:buClrTx/>
+              <a:buSzTx/>
+              <a:buFontTx/>
+              <a:buNone/>
+              <a:defRPr/>
+            </a:pPr>
             <a:r>
               <a:rPr lang="zh-CN" altLang="zh-CN" sz="1200" kern="1200" dirty="0">
                 <a:solidFill>
@@ -3974,19 +3721,19 @@
                 <a:ea typeface="+mn-ea"/>
                 <a:cs typeface="+mn-cs"/>
               </a:rPr>
-              <a:t>（</a:t>
-            </a:r>
-            <a:r>
-              <a:rPr lang="en-US" altLang="zh-CN" sz="1200" kern="1200" dirty="0">
-                <a:solidFill>
-                  <a:schemeClr val="tx1"/>
-                </a:solidFill>
-                <a:effectLst/>
-                <a:latin typeface="+mn-lt"/>
-                <a:ea typeface="+mn-ea"/>
-                <a:cs typeface="+mn-cs"/>
-              </a:rPr>
-              <a:t>2</a:t>
+              <a:t>监督学习的</a:t>
+            </a:r>
+            <a:r>
+              <a:rPr lang="zh-CN" altLang="zh-CN" sz="1200" b="1" kern="1200" dirty="0">
+                <a:solidFill>
+                  <a:schemeClr val="tx1"/>
+                </a:solidFill>
+                <a:effectLst/>
+                <a:latin typeface="+mn-lt"/>
+                <a:ea typeface="+mn-ea"/>
+                <a:cs typeface="+mn-cs"/>
+              </a:rPr>
+              <a:t>训练集要求是包括输入和输出（也叫特征和目标）</a:t>
             </a:r>
             <a:r>
               <a:rPr lang="zh-CN" altLang="zh-CN" sz="1200" kern="1200" dirty="0">
@@ -3998,7 +3745,7 @@
                 <a:ea typeface="+mn-ea"/>
                 <a:cs typeface="+mn-cs"/>
               </a:rPr>
-              <a:t>）</a:t>
+              <a:t>，训练集中的</a:t>
             </a:r>
             <a:r>
               <a:rPr lang="zh-CN" altLang="zh-CN" sz="1200" b="1" kern="1200" dirty="0">
@@ -4010,7 +3757,7 @@
                 <a:ea typeface="+mn-ea"/>
                 <a:cs typeface="+mn-cs"/>
               </a:rPr>
-              <a:t>回归</a:t>
+              <a:t>输出是由人标注的</a:t>
             </a:r>
             <a:r>
               <a:rPr lang="zh-CN" altLang="zh-CN" sz="1200" kern="1200" dirty="0">
@@ -4022,43 +3769,8 @@
                 <a:ea typeface="+mn-ea"/>
                 <a:cs typeface="+mn-cs"/>
               </a:rPr>
-              <a:t>：在监督学习中，如果预测的变量是</a:t>
-            </a:r>
-            <a:r>
-              <a:rPr lang="zh-CN" altLang="zh-CN" sz="1200" b="1" kern="1200" dirty="0">
-                <a:solidFill>
-                  <a:schemeClr val="tx1"/>
-                </a:solidFill>
-                <a:effectLst/>
-                <a:latin typeface="+mn-lt"/>
-                <a:ea typeface="+mn-ea"/>
-                <a:cs typeface="+mn-cs"/>
-              </a:rPr>
-              <a:t>连续</a:t>
-            </a:r>
-            <a:r>
-              <a:rPr lang="zh-CN" altLang="zh-CN" sz="1200" kern="1200" dirty="0">
-                <a:solidFill>
-                  <a:schemeClr val="tx1"/>
-                </a:solidFill>
-                <a:effectLst/>
-                <a:latin typeface="+mn-lt"/>
-                <a:ea typeface="+mn-ea"/>
-                <a:cs typeface="+mn-cs"/>
-              </a:rPr>
-              <a:t>的，就称其为回归。自变量，因变量。根据自变量的个数，分为一元回归和多元回归。分类常用算法大多也适用于回归。</a:t>
-            </a:r>
-            <a:endParaRPr lang="zh-CN" altLang="zh-CN" sz="1200" kern="1200" dirty="0">
-              <a:solidFill>
-                <a:schemeClr val="tx1"/>
-              </a:solidFill>
-              <a:effectLst/>
-              <a:latin typeface="+mn-lt"/>
-              <a:ea typeface="+mn-ea"/>
-              <a:cs typeface="+mn-cs"/>
-            </a:endParaRPr>
-          </a:p>
-          <a:p>
+              <a:t>。</a:t>
+            </a:r>
             <a:endParaRPr lang="zh-CN" altLang="en-US" dirty="0"/>
           </a:p>
         </p:txBody>
@@ -4147,19 +3859,31 @@
                 <a:ea typeface="+mn-ea"/>
                 <a:cs typeface="+mn-cs"/>
               </a:rPr>
-              <a:t>逻辑回归是一种非线性回归模型，相比于线性回归，它多了一个</a:t>
-            </a:r>
-            <a:r>
-              <a:rPr lang="en-US" altLang="zh-CN" sz="1200" b="1" kern="1200" dirty="0">
-                <a:solidFill>
-                  <a:schemeClr val="tx1"/>
-                </a:solidFill>
-                <a:effectLst/>
-                <a:latin typeface="+mn-lt"/>
-                <a:ea typeface="+mn-ea"/>
-                <a:cs typeface="+mn-cs"/>
-              </a:rPr>
-              <a:t>sigmoid</a:t>
+              <a:t>（</a:t>
+            </a:r>
+            <a:r>
+              <a:rPr lang="en-US" altLang="zh-CN" sz="1200" kern="1200" dirty="0">
+                <a:solidFill>
+                  <a:schemeClr val="tx1"/>
+                </a:solidFill>
+                <a:effectLst/>
+                <a:latin typeface="+mn-lt"/>
+                <a:ea typeface="+mn-ea"/>
+                <a:cs typeface="+mn-cs"/>
+              </a:rPr>
+              <a:t>1</a:t>
+            </a:r>
+            <a:r>
+              <a:rPr lang="zh-CN" altLang="zh-CN" sz="1200" kern="1200" dirty="0">
+                <a:solidFill>
+                  <a:schemeClr val="tx1"/>
+                </a:solidFill>
+                <a:effectLst/>
+                <a:latin typeface="+mn-lt"/>
+                <a:ea typeface="+mn-ea"/>
+                <a:cs typeface="+mn-cs"/>
+              </a:rPr>
+              <a:t>）</a:t>
             </a:r>
             <a:r>
               <a:rPr lang="zh-CN" altLang="zh-CN" sz="1200" b="1" kern="1200" dirty="0">
@@ -4171,7 +3895,7 @@
                 <a:ea typeface="+mn-ea"/>
                 <a:cs typeface="+mn-cs"/>
               </a:rPr>
-              <a:t>函数</a:t>
+              <a:t>统计分类</a:t>
             </a:r>
             <a:r>
               <a:rPr lang="zh-CN" altLang="zh-CN" sz="1200" kern="1200" dirty="0">
@@ -4183,7 +3907,31 @@
                 <a:ea typeface="+mn-ea"/>
                 <a:cs typeface="+mn-cs"/>
               </a:rPr>
-              <a:t>（</a:t>
+              <a:t>：在监督学习中，如果预测的变量是</a:t>
+            </a:r>
+            <a:r>
+              <a:rPr lang="zh-CN" altLang="zh-CN" sz="1200" b="1" kern="1200" dirty="0">
+                <a:solidFill>
+                  <a:schemeClr val="tx1"/>
+                </a:solidFill>
+                <a:effectLst/>
+                <a:latin typeface="+mn-lt"/>
+                <a:ea typeface="+mn-ea"/>
+                <a:cs typeface="+mn-cs"/>
+              </a:rPr>
+              <a:t>离散</a:t>
+            </a:r>
+            <a:r>
+              <a:rPr lang="zh-CN" altLang="zh-CN" sz="1200" kern="1200" dirty="0">
+                <a:solidFill>
+                  <a:schemeClr val="tx1"/>
+                </a:solidFill>
+                <a:effectLst/>
+                <a:latin typeface="+mn-lt"/>
+                <a:ea typeface="+mn-ea"/>
+                <a:cs typeface="+mn-cs"/>
+              </a:rPr>
+              <a:t>的（例如</a:t>
             </a:r>
             <a:r>
               <a:rPr lang="en-US" altLang="zh-CN" sz="1200" kern="1200" dirty="0">
@@ -4195,7 +3943,7 @@
                 <a:ea typeface="+mn-ea"/>
                 <a:cs typeface="+mn-cs"/>
               </a:rPr>
-              <a:t>g(x) = 1/(1 + e ^ -x</a:t>
+              <a:t> -1</a:t>
             </a:r>
             <a:r>
               <a:rPr lang="zh-CN" altLang="zh-CN" sz="1200" kern="1200" dirty="0">
@@ -4207,7 +3955,7 @@
                 <a:ea typeface="+mn-ea"/>
                 <a:cs typeface="+mn-cs"/>
               </a:rPr>
-              <a:t>）</a:t>
+              <a:t>，</a:t>
             </a:r>
             <a:r>
               <a:rPr lang="en-US" altLang="zh-CN" sz="1200" kern="1200" dirty="0">
@@ -4219,7 +3967,7 @@
                 <a:ea typeface="+mn-ea"/>
                 <a:cs typeface="+mn-cs"/>
               </a:rPr>
-              <a:t>)</a:t>
+              <a:t>+1 </a:t>
             </a:r>
             <a:r>
               <a:rPr lang="zh-CN" altLang="zh-CN" sz="1200" kern="1200" dirty="0">
@@ -4231,7 +3979,7 @@
                 <a:ea typeface="+mn-ea"/>
                 <a:cs typeface="+mn-cs"/>
               </a:rPr>
-              <a:t>），将线性函数的输出压缩进区间</a:t>
+              <a:t>这种）我们就称为分类。常见的分类算法有： 决策树，</a:t>
             </a:r>
             <a:r>
               <a:rPr lang="en-US" altLang="zh-CN" sz="1200" kern="1200" dirty="0">
@@ -4243,7 +3991,7 @@
                 <a:ea typeface="+mn-ea"/>
                 <a:cs typeface="+mn-cs"/>
               </a:rPr>
-              <a:t>(0,1)</a:t>
+              <a:t>K</a:t>
             </a:r>
             <a:r>
               <a:rPr lang="zh-CN" altLang="zh-CN" sz="1200" kern="1200" dirty="0">
@@ -4255,9 +4003,81 @@
                 <a:ea typeface="+mn-ea"/>
                 <a:cs typeface="+mn-cs"/>
               </a:rPr>
-              <a:t>。</a:t>
-            </a:r>
-            <a:endParaRPr lang="en-US" altLang="zh-CN" sz="1200" kern="1200" dirty="0">
+              <a:t>近邻算法（</a:t>
+            </a:r>
+            <a:r>
+              <a:rPr lang="en-US" altLang="zh-CN" sz="1200" kern="1200" dirty="0">
+                <a:solidFill>
+                  <a:schemeClr val="tx1"/>
+                </a:solidFill>
+                <a:effectLst/>
+                <a:latin typeface="+mn-lt"/>
+                <a:ea typeface="+mn-ea"/>
+                <a:cs typeface="+mn-cs"/>
+              </a:rPr>
+              <a:t>KNN</a:t>
+            </a:r>
+            <a:r>
+              <a:rPr lang="zh-CN" altLang="zh-CN" sz="1200" kern="1200" dirty="0">
+                <a:solidFill>
+                  <a:schemeClr val="tx1"/>
+                </a:solidFill>
+                <a:effectLst/>
+                <a:latin typeface="+mn-lt"/>
+                <a:ea typeface="+mn-ea"/>
+                <a:cs typeface="+mn-cs"/>
+              </a:rPr>
+              <a:t>），支持向量机（</a:t>
+            </a:r>
+            <a:r>
+              <a:rPr lang="en-US" altLang="zh-CN" sz="1200" kern="1200" dirty="0">
+                <a:solidFill>
+                  <a:schemeClr val="tx1"/>
+                </a:solidFill>
+                <a:effectLst/>
+                <a:latin typeface="+mn-lt"/>
+                <a:ea typeface="+mn-ea"/>
+                <a:cs typeface="+mn-cs"/>
+              </a:rPr>
+              <a:t>SVM</a:t>
+            </a:r>
+            <a:r>
+              <a:rPr lang="zh-CN" altLang="zh-CN" sz="1200" kern="1200" dirty="0">
+                <a:solidFill>
+                  <a:schemeClr val="tx1"/>
+                </a:solidFill>
+                <a:effectLst/>
+                <a:latin typeface="+mn-lt"/>
+                <a:ea typeface="+mn-ea"/>
+                <a:cs typeface="+mn-cs"/>
+              </a:rPr>
+              <a:t>），</a:t>
+            </a:r>
+            <a:r>
+              <a:rPr lang="en-US" altLang="zh-CN" sz="1200" kern="1200" dirty="0">
+                <a:solidFill>
+                  <a:schemeClr val="tx1"/>
+                </a:solidFill>
+                <a:effectLst/>
+                <a:latin typeface="+mn-lt"/>
+                <a:ea typeface="+mn-ea"/>
+                <a:cs typeface="+mn-cs"/>
+              </a:rPr>
+              <a:t>Logistic</a:t>
+            </a:r>
+            <a:r>
+              <a:rPr lang="zh-CN" altLang="zh-CN" sz="1200" kern="1200" dirty="0">
+                <a:solidFill>
+                  <a:schemeClr val="tx1"/>
+                </a:solidFill>
+                <a:effectLst/>
+                <a:latin typeface="+mn-lt"/>
+                <a:ea typeface="+mn-ea"/>
+                <a:cs typeface="+mn-cs"/>
+              </a:rPr>
+              <a:t>回归等。</a:t>
+            </a:r>
+            <a:endParaRPr lang="zh-CN" altLang="zh-CN" sz="1200" kern="1200" dirty="0">
               <a:solidFill>
                 <a:schemeClr val="tx1"/>
               </a:solidFill>
@@ -4278,7 +4098,79 @@
                 <a:ea typeface="+mn-ea"/>
                 <a:cs typeface="+mn-cs"/>
               </a:rPr>
-              <a:t>逻辑回归是一种分类算法，主要用于二分类问题。</a:t>
+              <a:t>（</a:t>
+            </a:r>
+            <a:r>
+              <a:rPr lang="en-US" altLang="zh-CN" sz="1200" kern="1200" dirty="0">
+                <a:solidFill>
+                  <a:schemeClr val="tx1"/>
+                </a:solidFill>
+                <a:effectLst/>
+                <a:latin typeface="+mn-lt"/>
+                <a:ea typeface="+mn-ea"/>
+                <a:cs typeface="+mn-cs"/>
+              </a:rPr>
+              <a:t>2</a:t>
+            </a:r>
+            <a:r>
+              <a:rPr lang="zh-CN" altLang="zh-CN" sz="1200" kern="1200" dirty="0">
+                <a:solidFill>
+                  <a:schemeClr val="tx1"/>
+                </a:solidFill>
+                <a:effectLst/>
+                <a:latin typeface="+mn-lt"/>
+                <a:ea typeface="+mn-ea"/>
+                <a:cs typeface="+mn-cs"/>
+              </a:rPr>
+              <a:t>）</a:t>
+            </a:r>
+            <a:r>
+              <a:rPr lang="zh-CN" altLang="zh-CN" sz="1200" b="1" kern="1200" dirty="0">
+                <a:solidFill>
+                  <a:schemeClr val="tx1"/>
+                </a:solidFill>
+                <a:effectLst/>
+                <a:latin typeface="+mn-lt"/>
+                <a:ea typeface="+mn-ea"/>
+                <a:cs typeface="+mn-cs"/>
+              </a:rPr>
+              <a:t>回归</a:t>
+            </a:r>
+            <a:r>
+              <a:rPr lang="zh-CN" altLang="zh-CN" sz="1200" kern="1200" dirty="0">
+                <a:solidFill>
+                  <a:schemeClr val="tx1"/>
+                </a:solidFill>
+                <a:effectLst/>
+                <a:latin typeface="+mn-lt"/>
+                <a:ea typeface="+mn-ea"/>
+                <a:cs typeface="+mn-cs"/>
+              </a:rPr>
+              <a:t>：在监督学习中，如果预测的变量是</a:t>
+            </a:r>
+            <a:r>
+              <a:rPr lang="zh-CN" altLang="zh-CN" sz="1200" b="1" kern="1200" dirty="0">
+                <a:solidFill>
+                  <a:schemeClr val="tx1"/>
+                </a:solidFill>
+                <a:effectLst/>
+                <a:latin typeface="+mn-lt"/>
+                <a:ea typeface="+mn-ea"/>
+                <a:cs typeface="+mn-cs"/>
+              </a:rPr>
+              <a:t>连续</a:t>
+            </a:r>
+            <a:r>
+              <a:rPr lang="zh-CN" altLang="zh-CN" sz="1200" kern="1200" dirty="0">
+                <a:solidFill>
+                  <a:schemeClr val="tx1"/>
+                </a:solidFill>
+                <a:effectLst/>
+                <a:latin typeface="+mn-lt"/>
+                <a:ea typeface="+mn-ea"/>
+                <a:cs typeface="+mn-cs"/>
+              </a:rPr>
+              <a:t>的，就称其为回归。自变量，因变量。根据自变量的个数，分为一元回归和多元回归。分类常用算法大多也适用于回归。</a:t>
             </a:r>
             <a:endParaRPr lang="zh-CN" altLang="zh-CN" sz="1200" kern="1200" dirty="0">
               <a:solidFill>
@@ -4611,9 +4503,117 @@
                 <a:ea typeface="+mn-ea"/>
                 <a:cs typeface="+mn-cs"/>
               </a:rPr>
-              <a:t>只要我们设计足够合理，我们能在不同的情形下，拟合出不同的判定边界，从而把不同的样本点分隔开来。</a:t>
-            </a:r>
-            <a:endParaRPr lang="zh-CN" altLang="zh-CN" sz="1200" kern="1200" dirty="0">
+              <a:t>逻辑回归是一种非线性回归模型，相比于线性回归，它多了一个</a:t>
+            </a:r>
+            <a:r>
+              <a:rPr lang="en-US" altLang="zh-CN" sz="1200" b="1" kern="1200" dirty="0">
+                <a:solidFill>
+                  <a:schemeClr val="tx1"/>
+                </a:solidFill>
+                <a:effectLst/>
+                <a:latin typeface="+mn-lt"/>
+                <a:ea typeface="+mn-ea"/>
+                <a:cs typeface="+mn-cs"/>
+              </a:rPr>
+              <a:t>sigmoid</a:t>
+            </a:r>
+            <a:r>
+              <a:rPr lang="zh-CN" altLang="zh-CN" sz="1200" b="1" kern="1200" dirty="0">
+                <a:solidFill>
+                  <a:schemeClr val="tx1"/>
+                </a:solidFill>
+                <a:effectLst/>
+                <a:latin typeface="+mn-lt"/>
+                <a:ea typeface="+mn-ea"/>
+                <a:cs typeface="+mn-cs"/>
+              </a:rPr>
+              <a:t>函数</a:t>
+            </a:r>
+            <a:r>
+              <a:rPr lang="zh-CN" altLang="zh-CN" sz="1200" kern="1200" dirty="0">
+                <a:solidFill>
+                  <a:schemeClr val="tx1"/>
+                </a:solidFill>
+                <a:effectLst/>
+                <a:latin typeface="+mn-lt"/>
+                <a:ea typeface="+mn-ea"/>
+                <a:cs typeface="+mn-cs"/>
+              </a:rPr>
+              <a:t>（</a:t>
+            </a:r>
+            <a:r>
+              <a:rPr lang="en-US" altLang="zh-CN" sz="1200" kern="1200" dirty="0">
+                <a:solidFill>
+                  <a:schemeClr val="tx1"/>
+                </a:solidFill>
+                <a:effectLst/>
+                <a:latin typeface="+mn-lt"/>
+                <a:ea typeface="+mn-ea"/>
+                <a:cs typeface="+mn-cs"/>
+              </a:rPr>
+              <a:t>g(x) = 1/(1 + e ^ -x</a:t>
+            </a:r>
+            <a:r>
+              <a:rPr lang="zh-CN" altLang="zh-CN" sz="1200" kern="1200" dirty="0">
+                <a:solidFill>
+                  <a:schemeClr val="tx1"/>
+                </a:solidFill>
+                <a:effectLst/>
+                <a:latin typeface="+mn-lt"/>
+                <a:ea typeface="+mn-ea"/>
+                <a:cs typeface="+mn-cs"/>
+              </a:rPr>
+              <a:t>）</a:t>
+            </a:r>
+            <a:r>
+              <a:rPr lang="en-US" altLang="zh-CN" sz="1200" kern="1200" dirty="0">
+                <a:solidFill>
+                  <a:schemeClr val="tx1"/>
+                </a:solidFill>
+                <a:effectLst/>
+                <a:latin typeface="+mn-lt"/>
+                <a:ea typeface="+mn-ea"/>
+                <a:cs typeface="+mn-cs"/>
+              </a:rPr>
+              <a:t>)</a:t>
+            </a:r>
+            <a:r>
+              <a:rPr lang="zh-CN" altLang="zh-CN" sz="1200" kern="1200" dirty="0">
+                <a:solidFill>
+                  <a:schemeClr val="tx1"/>
+                </a:solidFill>
+                <a:effectLst/>
+                <a:latin typeface="+mn-lt"/>
+                <a:ea typeface="+mn-ea"/>
+                <a:cs typeface="+mn-cs"/>
+              </a:rPr>
+              <a:t>），将线性函数的输出压缩进区间</a:t>
+            </a:r>
+            <a:r>
+              <a:rPr lang="en-US" altLang="zh-CN" sz="1200" kern="1200" dirty="0">
+                <a:solidFill>
+                  <a:schemeClr val="tx1"/>
+                </a:solidFill>
+                <a:effectLst/>
+                <a:latin typeface="+mn-lt"/>
+                <a:ea typeface="+mn-ea"/>
+                <a:cs typeface="+mn-cs"/>
+              </a:rPr>
+              <a:t>(0,1)</a:t>
+            </a:r>
+            <a:r>
+              <a:rPr lang="zh-CN" altLang="zh-CN" sz="1200" kern="1200" dirty="0">
+                <a:solidFill>
+                  <a:schemeClr val="tx1"/>
+                </a:solidFill>
+                <a:effectLst/>
+                <a:latin typeface="+mn-lt"/>
+                <a:ea typeface="+mn-ea"/>
+                <a:cs typeface="+mn-cs"/>
+              </a:rPr>
+              <a:t>。</a:t>
+            </a:r>
+            <a:endParaRPr lang="en-US" altLang="zh-CN" sz="1200" kern="1200" dirty="0">
               <a:solidFill>
                 <a:schemeClr val="tx1"/>
               </a:solidFill>
@@ -4634,114 +4634,7 @@
                 <a:ea typeface="+mn-ea"/>
                 <a:cs typeface="+mn-cs"/>
               </a:rPr>
-              <a:t>确定参数</a:t>
-            </a:r>
-            <a:r>
-              <a:rPr lang="en-US" altLang="zh-CN" sz="1200" kern="1200" dirty="0">
-                <a:solidFill>
-                  <a:schemeClr val="tx1"/>
-                </a:solidFill>
-                <a:effectLst/>
-                <a:latin typeface="+mn-lt"/>
-                <a:ea typeface="+mn-ea"/>
-                <a:cs typeface="+mn-cs"/>
-              </a:rPr>
-              <a:t>W</a:t>
-            </a:r>
-            <a:r>
-              <a:rPr lang="zh-CN" altLang="zh-CN" sz="1200" kern="1200" dirty="0">
-                <a:solidFill>
-                  <a:schemeClr val="tx1"/>
-                </a:solidFill>
-                <a:effectLst/>
-                <a:latin typeface="+mn-lt"/>
-                <a:ea typeface="+mn-ea"/>
-                <a:cs typeface="+mn-cs"/>
-              </a:rPr>
-              <a:t>的两种方法：</a:t>
-            </a:r>
-            <a:r>
-              <a:rPr lang="zh-CN" altLang="zh-CN" sz="1200" b="1" kern="1200" dirty="0">
-                <a:solidFill>
-                  <a:schemeClr val="tx1"/>
-                </a:solidFill>
-                <a:effectLst/>
-                <a:latin typeface="+mn-lt"/>
-                <a:ea typeface="+mn-ea"/>
-                <a:cs typeface="+mn-cs"/>
-              </a:rPr>
-              <a:t>最大似然法，梯度下降算法</a:t>
-            </a:r>
-            <a:endParaRPr lang="zh-CN" altLang="zh-CN" sz="1200" kern="1200" dirty="0">
-              <a:solidFill>
-                <a:schemeClr val="tx1"/>
-              </a:solidFill>
-              <a:effectLst/>
-              <a:latin typeface="+mn-lt"/>
-              <a:ea typeface="+mn-ea"/>
-              <a:cs typeface="+mn-cs"/>
-            </a:endParaRPr>
-          </a:p>
-          <a:p>
-            <a:r>
-              <a:rPr lang="zh-CN" altLang="zh-CN" sz="1200" kern="1200" dirty="0">
-                <a:solidFill>
-                  <a:schemeClr val="tx1"/>
-                </a:solidFill>
-                <a:effectLst/>
-                <a:latin typeface="+mn-lt"/>
-                <a:ea typeface="+mn-ea"/>
-                <a:cs typeface="+mn-cs"/>
-              </a:rPr>
-              <a:t>总结：逻辑回归的成功之处在于，将原本输出结果范围可以非常大，通过</a:t>
-            </a:r>
-            <a:r>
-              <a:rPr lang="en-US" altLang="zh-CN" sz="1200" kern="1200" dirty="0">
-                <a:solidFill>
-                  <a:schemeClr val="tx1"/>
-                </a:solidFill>
-                <a:effectLst/>
-                <a:latin typeface="+mn-lt"/>
-                <a:ea typeface="+mn-ea"/>
-                <a:cs typeface="+mn-cs"/>
-              </a:rPr>
-              <a:t>sigmoid</a:t>
-            </a:r>
-            <a:r>
-              <a:rPr lang="zh-CN" altLang="zh-CN" sz="1200" kern="1200" dirty="0">
-                <a:solidFill>
-                  <a:schemeClr val="tx1"/>
-                </a:solidFill>
-                <a:effectLst/>
-                <a:latin typeface="+mn-lt"/>
-                <a:ea typeface="+mn-ea"/>
-                <a:cs typeface="+mn-cs"/>
-              </a:rPr>
-              <a:t>函数映射到</a:t>
-            </a:r>
-            <a:r>
-              <a:rPr lang="en-US" altLang="zh-CN" sz="1200" kern="1200" dirty="0">
-                <a:solidFill>
-                  <a:schemeClr val="tx1"/>
-                </a:solidFill>
-                <a:effectLst/>
-                <a:latin typeface="+mn-lt"/>
-                <a:ea typeface="+mn-ea"/>
-                <a:cs typeface="+mn-cs"/>
-              </a:rPr>
-              <a:t>(0,1)</a:t>
-            </a:r>
-            <a:r>
-              <a:rPr lang="zh-CN" altLang="zh-CN" sz="1200" kern="1200" dirty="0">
-                <a:solidFill>
-                  <a:schemeClr val="tx1"/>
-                </a:solidFill>
-                <a:effectLst/>
-                <a:latin typeface="+mn-lt"/>
-                <a:ea typeface="+mn-ea"/>
-                <a:cs typeface="+mn-cs"/>
-              </a:rPr>
-              <a:t>，从而完成概率的估测。</a:t>
+              <a:t>逻辑回归是一种分类算法，主要用于二分类问题。</a:t>
             </a:r>
             <a:endParaRPr lang="zh-CN" altLang="zh-CN" sz="1200" kern="1200" dirty="0">
               <a:solidFill>
@@ -4832,22 +4725,6 @@
           <a:bodyPr/>
           <a:lstStyle/>
           <a:p>
-            <a:pPr marL="0" marR="0" lvl="0" indent="0" algn="l" defTabSz="457200" rtl="0" eaLnBrk="1" fontAlgn="auto" latinLnBrk="0" hangingPunct="1">
-              <a:lnSpc>
-                <a:spcPct val="100000"/>
-              </a:lnSpc>
-              <a:spcBef>
-                <a:spcPts val="0"/>
-              </a:spcBef>
-              <a:spcAft>
-                <a:spcPts val="0"/>
-              </a:spcAft>
-              <a:buClrTx/>
-              <a:buSzTx/>
-              <a:buFontTx/>
-              <a:buNone/>
-              <a:defRPr/>
-            </a:pPr>
             <a:r>
               <a:rPr lang="zh-CN" altLang="zh-CN" sz="1200" kern="1200" dirty="0">
                 <a:solidFill>
@@ -4858,7 +4735,7 @@
                 <a:ea typeface="+mn-ea"/>
                 <a:cs typeface="+mn-cs"/>
               </a:rPr>
-              <a:t>以下为两类球，下边我们对他们分类</a:t>
+              <a:t>只要我们设计足够合理，我们能在不同的情形下，拟合出不同的判定边界，从而把不同的样本点分隔开来。</a:t>
             </a:r>
             <a:endParaRPr lang="zh-CN" altLang="zh-CN" sz="1200" kern="1200" dirty="0">
               <a:solidFill>
@@ -4871,22 +4748,6 @@
             </a:endParaRPr>
           </a:p>
           <a:p>
-            <a:pPr marL="0" marR="0" lvl="0" indent="0" algn="l" defTabSz="457200" rtl="0" eaLnBrk="1" fontAlgn="auto" latinLnBrk="0" hangingPunct="1">
-              <a:lnSpc>
-                <a:spcPct val="100000"/>
-              </a:lnSpc>
-              <a:spcBef>
-                <a:spcPts val="0"/>
-              </a:spcBef>
-              <a:spcAft>
-                <a:spcPts val="0"/>
-              </a:spcAft>
-              <a:buClrTx/>
-              <a:buSzTx/>
-              <a:buFontTx/>
-              <a:buNone/>
-              <a:defRPr/>
-            </a:pPr>
             <a:r>
               <a:rPr lang="zh-CN" altLang="zh-CN" sz="1200" kern="1200" dirty="0">
                 <a:solidFill>
@@ -4897,7 +4758,43 @@
                 <a:ea typeface="+mn-ea"/>
                 <a:cs typeface="+mn-cs"/>
               </a:rPr>
-              <a:t>我们可以选择如下方式将其分开</a:t>
+              <a:t>确定参数</a:t>
+            </a:r>
+            <a:r>
+              <a:rPr lang="en-US" altLang="zh-CN" sz="1200" kern="1200" dirty="0">
+                <a:solidFill>
+                  <a:schemeClr val="tx1"/>
+                </a:solidFill>
+                <a:effectLst/>
+                <a:latin typeface="+mn-lt"/>
+                <a:ea typeface="+mn-ea"/>
+                <a:cs typeface="+mn-cs"/>
+              </a:rPr>
+              <a:t>W</a:t>
+            </a:r>
+            <a:r>
+              <a:rPr lang="zh-CN" altLang="zh-CN" sz="1200" kern="1200" dirty="0">
+                <a:solidFill>
+                  <a:schemeClr val="tx1"/>
+                </a:solidFill>
+                <a:effectLst/>
+                <a:latin typeface="+mn-lt"/>
+                <a:ea typeface="+mn-ea"/>
+                <a:cs typeface="+mn-cs"/>
+              </a:rPr>
+              <a:t>的两种方法：</a:t>
+            </a:r>
+            <a:r>
+              <a:rPr lang="zh-CN" altLang="zh-CN" sz="1200" b="1" kern="1200" dirty="0">
+                <a:solidFill>
+                  <a:schemeClr val="tx1"/>
+                </a:solidFill>
+                <a:effectLst/>
+                <a:latin typeface="+mn-lt"/>
+                <a:ea typeface="+mn-ea"/>
+                <a:cs typeface="+mn-cs"/>
+              </a:rPr>
+              <a:t>最大似然法，梯度下降算法</a:t>
             </a:r>
             <a:endParaRPr lang="zh-CN" altLang="zh-CN" sz="1200" kern="1200" dirty="0">
               <a:solidFill>
@@ -4910,22 +4807,6 @@
             </a:endParaRPr>
           </a:p>
           <a:p>
-            <a:pPr marL="0" marR="0" lvl="0" indent="0" algn="l" defTabSz="457200" rtl="0" eaLnBrk="1" fontAlgn="auto" latinLnBrk="0" hangingPunct="1">
-              <a:lnSpc>
-                <a:spcPct val="100000"/>
-              </a:lnSpc>
-              <a:spcBef>
-                <a:spcPts val="0"/>
-              </a:spcBef>
-              <a:spcAft>
-                <a:spcPts val="0"/>
-              </a:spcAft>
-              <a:buClrTx/>
-              <a:buSzTx/>
-              <a:buFontTx/>
-              <a:buNone/>
-              <a:defRPr/>
-            </a:pPr>
             <a:r>
               <a:rPr lang="zh-CN" altLang="zh-CN" sz="1200" kern="1200" dirty="0">
                 <a:solidFill>
@@ -4936,19 +4817,19 @@
                 <a:ea typeface="+mn-ea"/>
                 <a:cs typeface="+mn-cs"/>
               </a:rPr>
-              <a:t>不过如果增添一</a:t>
-            </a:r>
-            <a:r>
-              <a:rPr lang="zh-CN" altLang="en-US" sz="1200" kern="1200" dirty="0">
-                <a:solidFill>
-                  <a:schemeClr val="tx1"/>
-                </a:solidFill>
-                <a:effectLst/>
-                <a:latin typeface="+mn-lt"/>
-                <a:ea typeface="+mn-ea"/>
-                <a:cs typeface="+mn-cs"/>
-              </a:rPr>
-              <a:t>些</a:t>
+              <a:t>总结：逻辑回归的成功之处在于，将原本输出结果范围可以非常大，通过</a:t>
+            </a:r>
+            <a:r>
+              <a:rPr lang="en-US" altLang="zh-CN" sz="1200" kern="1200" dirty="0">
+                <a:solidFill>
+                  <a:schemeClr val="tx1"/>
+                </a:solidFill>
+                <a:effectLst/>
+                <a:latin typeface="+mn-lt"/>
+                <a:ea typeface="+mn-ea"/>
+                <a:cs typeface="+mn-cs"/>
+              </a:rPr>
+              <a:t>sigmoid</a:t>
             </a:r>
             <a:r>
               <a:rPr lang="zh-CN" altLang="zh-CN" sz="1200" kern="1200" dirty="0">
@@ -4960,19 +4841,19 @@
                 <a:ea typeface="+mn-ea"/>
                 <a:cs typeface="+mn-cs"/>
               </a:rPr>
-              <a:t>球</a:t>
-            </a:r>
-            <a:r>
-              <a:rPr lang="zh-CN" altLang="en-US" sz="1200" kern="1200" dirty="0">
-                <a:solidFill>
-                  <a:schemeClr val="tx1"/>
-                </a:solidFill>
-                <a:effectLst/>
-                <a:latin typeface="+mn-lt"/>
-                <a:ea typeface="+mn-ea"/>
-                <a:cs typeface="+mn-cs"/>
-              </a:rPr>
-              <a:t>后</a:t>
+              <a:t>函数映射到</a:t>
+            </a:r>
+            <a:r>
+              <a:rPr lang="en-US" altLang="zh-CN" sz="1200" kern="1200" dirty="0">
+                <a:solidFill>
+                  <a:schemeClr val="tx1"/>
+                </a:solidFill>
+                <a:effectLst/>
+                <a:latin typeface="+mn-lt"/>
+                <a:ea typeface="+mn-ea"/>
+                <a:cs typeface="+mn-cs"/>
+              </a:rPr>
+              <a:t>(0,1)</a:t>
             </a:r>
             <a:r>
               <a:rPr lang="zh-CN" altLang="zh-CN" sz="1200" kern="1200" dirty="0">
@@ -4984,196 +4865,7 @@
                 <a:ea typeface="+mn-ea"/>
                 <a:cs typeface="+mn-cs"/>
               </a:rPr>
-              <a:t>，分割线</a:t>
-            </a:r>
-            <a:r>
-              <a:rPr lang="zh-CN" altLang="en-US" sz="1200" kern="1200" dirty="0">
-                <a:solidFill>
-                  <a:schemeClr val="tx1"/>
-                </a:solidFill>
-                <a:effectLst/>
-                <a:latin typeface="+mn-lt"/>
-                <a:ea typeface="+mn-ea"/>
-                <a:cs typeface="+mn-cs"/>
-              </a:rPr>
-              <a:t>有可能</a:t>
-            </a:r>
-            <a:r>
-              <a:rPr lang="zh-CN" altLang="zh-CN" sz="1200" kern="1200" dirty="0">
-                <a:solidFill>
-                  <a:schemeClr val="tx1"/>
-                </a:solidFill>
-                <a:effectLst/>
-                <a:latin typeface="+mn-lt"/>
-                <a:ea typeface="+mn-ea"/>
-                <a:cs typeface="+mn-cs"/>
-              </a:rPr>
-              <a:t>会失效</a:t>
-            </a:r>
-            <a:endParaRPr lang="en-US" altLang="zh-CN" sz="1200" kern="1200" dirty="0">
-              <a:solidFill>
-                <a:schemeClr val="tx1"/>
-              </a:solidFill>
-              <a:effectLst/>
-              <a:latin typeface="+mn-lt"/>
-              <a:ea typeface="+mn-ea"/>
-              <a:cs typeface="+mn-cs"/>
-            </a:endParaRPr>
-          </a:p>
-          <a:p>
-            <a:pPr marL="0" marR="0" lvl="0" indent="0" algn="l" defTabSz="457200" rtl="0" eaLnBrk="1" fontAlgn="auto" latinLnBrk="0" hangingPunct="1">
-              <a:lnSpc>
-                <a:spcPct val="100000"/>
-              </a:lnSpc>
-              <a:spcBef>
-                <a:spcPts val="0"/>
-              </a:spcBef>
-              <a:spcAft>
-                <a:spcPts val="0"/>
-              </a:spcAft>
-              <a:buClrTx/>
-              <a:buSzTx/>
-              <a:buFontTx/>
-              <a:buNone/>
-              <a:defRPr/>
-            </a:pPr>
-            <a:r>
-              <a:rPr lang="zh-CN" altLang="zh-CN" sz="1200" kern="1200" dirty="0">
-                <a:solidFill>
-                  <a:schemeClr val="tx1"/>
-                </a:solidFill>
-                <a:effectLst/>
-                <a:latin typeface="+mn-lt"/>
-                <a:ea typeface="+mn-ea"/>
-                <a:cs typeface="+mn-cs"/>
-              </a:rPr>
-              <a:t>于是乎，我们选择一条分割线，让棍的两边有尽可能大的间隙</a:t>
-            </a:r>
-            <a:endParaRPr lang="zh-CN" altLang="zh-CN" sz="1200" kern="1200" dirty="0">
-              <a:solidFill>
-                <a:schemeClr val="tx1"/>
-              </a:solidFill>
-              <a:effectLst/>
-              <a:latin typeface="+mn-lt"/>
-              <a:ea typeface="+mn-ea"/>
-              <a:cs typeface="+mn-cs"/>
-            </a:endParaRPr>
-          </a:p>
-          <a:p>
-            <a:pPr marL="0" marR="0" lvl="0" indent="0" algn="l" defTabSz="457200" rtl="0" eaLnBrk="1" fontAlgn="auto" latinLnBrk="0" hangingPunct="1">
-              <a:lnSpc>
-                <a:spcPct val="100000"/>
-              </a:lnSpc>
-              <a:spcBef>
-                <a:spcPts val="0"/>
-              </a:spcBef>
-              <a:spcAft>
-                <a:spcPts val="0"/>
-              </a:spcAft>
-              <a:buClrTx/>
-              <a:buSzTx/>
-              <a:buFontTx/>
-              <a:buNone/>
-              <a:defRPr/>
-            </a:pPr>
-            <a:r>
-              <a:rPr lang="zh-CN" altLang="zh-CN" sz="1200" kern="1200" dirty="0">
-                <a:solidFill>
-                  <a:schemeClr val="tx1"/>
-                </a:solidFill>
-                <a:effectLst/>
-                <a:latin typeface="+mn-lt"/>
-                <a:ea typeface="+mn-ea"/>
-                <a:cs typeface="+mn-cs"/>
-              </a:rPr>
-              <a:t>对于三维平面，把分割线变为分割平面即可。</a:t>
-            </a:r>
-            <a:endParaRPr lang="en-US" altLang="zh-CN" sz="1200" kern="1200" dirty="0">
-              <a:solidFill>
-                <a:schemeClr val="tx1"/>
-              </a:solidFill>
-              <a:effectLst/>
-              <a:latin typeface="+mn-lt"/>
-              <a:ea typeface="+mn-ea"/>
-              <a:cs typeface="+mn-cs"/>
-            </a:endParaRPr>
-          </a:p>
-          <a:p>
-            <a:pPr marL="0" marR="0" lvl="0" indent="0" algn="l" defTabSz="457200" rtl="0" eaLnBrk="1" fontAlgn="auto" latinLnBrk="0" hangingPunct="1">
-              <a:lnSpc>
-                <a:spcPct val="100000"/>
-              </a:lnSpc>
-              <a:spcBef>
-                <a:spcPts val="0"/>
-              </a:spcBef>
-              <a:spcAft>
-                <a:spcPts val="0"/>
-              </a:spcAft>
-              <a:buClrTx/>
-              <a:buSzTx/>
-              <a:buFontTx/>
-              <a:buNone/>
-              <a:defRPr/>
-            </a:pPr>
-            <a:r>
-              <a:rPr lang="zh-CN" altLang="zh-CN" sz="1200" kern="1200" dirty="0">
-                <a:solidFill>
-                  <a:schemeClr val="tx1"/>
-                </a:solidFill>
-                <a:effectLst/>
-                <a:latin typeface="+mn-lt"/>
-                <a:ea typeface="+mn-ea"/>
-                <a:cs typeface="+mn-cs"/>
-              </a:rPr>
-              <a:t>对于</a:t>
-            </a:r>
-            <a:r>
-              <a:rPr lang="en-US" altLang="zh-CN" sz="1200" kern="1200" dirty="0">
-                <a:solidFill>
-                  <a:schemeClr val="tx1"/>
-                </a:solidFill>
-                <a:effectLst/>
-                <a:latin typeface="+mn-lt"/>
-                <a:ea typeface="+mn-ea"/>
-                <a:cs typeface="+mn-cs"/>
-              </a:rPr>
-              <a:t>n</a:t>
-            </a:r>
-            <a:r>
-              <a:rPr lang="zh-CN" altLang="zh-CN" sz="1200" kern="1200" dirty="0">
-                <a:solidFill>
-                  <a:schemeClr val="tx1"/>
-                </a:solidFill>
-                <a:effectLst/>
-                <a:latin typeface="+mn-lt"/>
-                <a:ea typeface="+mn-ea"/>
-                <a:cs typeface="+mn-cs"/>
-              </a:rPr>
-              <a:t>为平面，寻找</a:t>
-            </a:r>
-            <a:r>
-              <a:rPr lang="en-US" altLang="zh-CN" sz="1200" kern="1200" dirty="0">
-                <a:solidFill>
-                  <a:schemeClr val="tx1"/>
-                </a:solidFill>
-                <a:effectLst/>
-                <a:latin typeface="+mn-lt"/>
-                <a:ea typeface="+mn-ea"/>
-                <a:cs typeface="+mn-cs"/>
-              </a:rPr>
-              <a:t>n-1</a:t>
-            </a:r>
-            <a:r>
-              <a:rPr lang="zh-CN" altLang="zh-CN" sz="1200" kern="1200" dirty="0">
-                <a:solidFill>
-                  <a:schemeClr val="tx1"/>
-                </a:solidFill>
-                <a:effectLst/>
-                <a:latin typeface="+mn-lt"/>
-                <a:ea typeface="+mn-ea"/>
-                <a:cs typeface="+mn-cs"/>
-              </a:rPr>
-              <a:t>维的超平面去分割即可。</a:t>
+              <a:t>，从而完成概率的估测。</a:t>
             </a:r>
             <a:endParaRPr lang="zh-CN" altLang="zh-CN" sz="1200" kern="1200" dirty="0">
               <a:solidFill>
@@ -5290,105 +4982,9 @@
                 <a:ea typeface="+mn-ea"/>
                 <a:cs typeface="+mn-cs"/>
               </a:rPr>
-              <a:t>支持向量机是一个二分类算法，它可以在</a:t>
-            </a:r>
-            <a:r>
-              <a:rPr lang="en-US" altLang="zh-CN" sz="1200" kern="1200" dirty="0">
-                <a:solidFill>
-                  <a:schemeClr val="tx1"/>
-                </a:solidFill>
-                <a:effectLst/>
-                <a:latin typeface="+mn-lt"/>
-                <a:ea typeface="+mn-ea"/>
-                <a:cs typeface="+mn-cs"/>
-              </a:rPr>
-              <a:t>N</a:t>
-            </a:r>
-            <a:r>
-              <a:rPr lang="zh-CN" altLang="zh-CN" sz="1200" kern="1200" dirty="0">
-                <a:solidFill>
-                  <a:schemeClr val="tx1"/>
-                </a:solidFill>
-                <a:effectLst/>
-                <a:latin typeface="+mn-lt"/>
-                <a:ea typeface="+mn-ea"/>
-                <a:cs typeface="+mn-cs"/>
-              </a:rPr>
-              <a:t>维空间找到一个</a:t>
-            </a:r>
-            <a:r>
-              <a:rPr lang="en-US" altLang="zh-CN" sz="1200" kern="1200" dirty="0">
-                <a:solidFill>
-                  <a:schemeClr val="tx1"/>
-                </a:solidFill>
-                <a:effectLst/>
-                <a:latin typeface="+mn-lt"/>
-                <a:ea typeface="+mn-ea"/>
-                <a:cs typeface="+mn-cs"/>
-              </a:rPr>
-              <a:t>(N-1)</a:t>
-            </a:r>
-            <a:r>
-              <a:rPr lang="zh-CN" altLang="zh-CN" sz="1200" kern="1200" dirty="0">
-                <a:solidFill>
-                  <a:schemeClr val="tx1"/>
-                </a:solidFill>
-                <a:effectLst/>
-                <a:latin typeface="+mn-lt"/>
-                <a:ea typeface="+mn-ea"/>
-                <a:cs typeface="+mn-cs"/>
-              </a:rPr>
-              <a:t>维的</a:t>
-            </a:r>
-            <a:r>
-              <a:rPr lang="zh-CN" altLang="zh-CN" sz="1200" b="1" kern="1200" dirty="0">
-                <a:solidFill>
-                  <a:schemeClr val="tx1"/>
-                </a:solidFill>
-                <a:effectLst/>
-                <a:latin typeface="+mn-lt"/>
-                <a:ea typeface="+mn-ea"/>
-                <a:cs typeface="+mn-cs"/>
-              </a:rPr>
-              <a:t>超平面</a:t>
-            </a:r>
-            <a:r>
-              <a:rPr lang="zh-CN" altLang="zh-CN" sz="1200" kern="1200" dirty="0">
-                <a:solidFill>
-                  <a:schemeClr val="tx1"/>
-                </a:solidFill>
-                <a:effectLst/>
-                <a:latin typeface="+mn-lt"/>
-                <a:ea typeface="+mn-ea"/>
-                <a:cs typeface="+mn-cs"/>
-              </a:rPr>
-              <a:t>，这个超平面可以将这些点分为两类。也就是说，平面内如果存在线性可分的两类点，</a:t>
-            </a:r>
-            <a:r>
-              <a:rPr lang="en-US" altLang="zh-CN" sz="1200" kern="1200" dirty="0">
-                <a:solidFill>
-                  <a:schemeClr val="tx1"/>
-                </a:solidFill>
-                <a:effectLst/>
-                <a:latin typeface="+mn-lt"/>
-                <a:ea typeface="+mn-ea"/>
-                <a:cs typeface="+mn-cs"/>
-              </a:rPr>
-              <a:t>SVM</a:t>
-            </a:r>
-            <a:r>
-              <a:rPr lang="zh-CN" altLang="zh-CN" sz="1200" kern="1200" dirty="0">
-                <a:solidFill>
-                  <a:schemeClr val="tx1"/>
-                </a:solidFill>
-                <a:effectLst/>
-                <a:latin typeface="+mn-lt"/>
-                <a:ea typeface="+mn-ea"/>
-                <a:cs typeface="+mn-cs"/>
-              </a:rPr>
-              <a:t>可以找到一条最优的直线将这些点分开。</a:t>
-            </a:r>
-            <a:endParaRPr lang="en-US" altLang="zh-CN" sz="1200" kern="1200" dirty="0">
+              <a:t>以下为两类球，下边我们对他们分类</a:t>
+            </a:r>
+            <a:endParaRPr lang="zh-CN" altLang="zh-CN" sz="1200" kern="1200" dirty="0">
               <a:solidFill>
                 <a:schemeClr val="tx1"/>
               </a:solidFill>
@@ -5425,7 +5021,7 @@
                 <a:ea typeface="+mn-ea"/>
                 <a:cs typeface="+mn-cs"/>
               </a:rPr>
-              <a:t>如果用圆形作为分割，会造成维度的增加，这点我们可以通过点积来解决。</a:t>
+              <a:t>我们可以选择如下方式将其分开</a:t>
             </a:r>
             <a:endParaRPr lang="zh-CN" altLang="zh-CN" sz="1200" kern="1200" dirty="0">
               <a:solidFill>
@@ -5454,6 +5050,255 @@
               <a:buNone/>
               <a:defRPr/>
             </a:pPr>
+            <a:r>
+              <a:rPr lang="zh-CN" altLang="zh-CN" sz="1200" kern="1200" dirty="0">
+                <a:solidFill>
+                  <a:schemeClr val="tx1"/>
+                </a:solidFill>
+                <a:effectLst/>
+                <a:latin typeface="+mn-lt"/>
+                <a:ea typeface="+mn-ea"/>
+                <a:cs typeface="+mn-cs"/>
+              </a:rPr>
+              <a:t>不过如果增添一</a:t>
+            </a:r>
+            <a:r>
+              <a:rPr lang="zh-CN" altLang="en-US" sz="1200" kern="1200" dirty="0">
+                <a:solidFill>
+                  <a:schemeClr val="tx1"/>
+                </a:solidFill>
+                <a:effectLst/>
+                <a:latin typeface="+mn-lt"/>
+                <a:ea typeface="+mn-ea"/>
+                <a:cs typeface="+mn-cs"/>
+              </a:rPr>
+              <a:t>些</a:t>
+            </a:r>
+            <a:r>
+              <a:rPr lang="zh-CN" altLang="zh-CN" sz="1200" kern="1200" dirty="0">
+                <a:solidFill>
+                  <a:schemeClr val="tx1"/>
+                </a:solidFill>
+                <a:effectLst/>
+                <a:latin typeface="+mn-lt"/>
+                <a:ea typeface="+mn-ea"/>
+                <a:cs typeface="+mn-cs"/>
+              </a:rPr>
+              <a:t>球</a:t>
+            </a:r>
+            <a:r>
+              <a:rPr lang="zh-CN" altLang="en-US" sz="1200" kern="1200" dirty="0">
+                <a:solidFill>
+                  <a:schemeClr val="tx1"/>
+                </a:solidFill>
+                <a:effectLst/>
+                <a:latin typeface="+mn-lt"/>
+                <a:ea typeface="+mn-ea"/>
+                <a:cs typeface="+mn-cs"/>
+              </a:rPr>
+              <a:t>后</a:t>
+            </a:r>
+            <a:r>
+              <a:rPr lang="zh-CN" altLang="zh-CN" sz="1200" kern="1200" dirty="0">
+                <a:solidFill>
+                  <a:schemeClr val="tx1"/>
+                </a:solidFill>
+                <a:effectLst/>
+                <a:latin typeface="+mn-lt"/>
+                <a:ea typeface="+mn-ea"/>
+                <a:cs typeface="+mn-cs"/>
+              </a:rPr>
+              <a:t>，分割线</a:t>
+            </a:r>
+            <a:r>
+              <a:rPr lang="zh-CN" altLang="en-US" sz="1200" kern="1200" dirty="0">
+                <a:solidFill>
+                  <a:schemeClr val="tx1"/>
+                </a:solidFill>
+                <a:effectLst/>
+                <a:latin typeface="+mn-lt"/>
+                <a:ea typeface="+mn-ea"/>
+                <a:cs typeface="+mn-cs"/>
+              </a:rPr>
+              <a:t>有可能</a:t>
+            </a:r>
+            <a:r>
+              <a:rPr lang="zh-CN" altLang="zh-CN" sz="1200" kern="1200" dirty="0">
+                <a:solidFill>
+                  <a:schemeClr val="tx1"/>
+                </a:solidFill>
+                <a:effectLst/>
+                <a:latin typeface="+mn-lt"/>
+                <a:ea typeface="+mn-ea"/>
+                <a:cs typeface="+mn-cs"/>
+              </a:rPr>
+              <a:t>会失效</a:t>
+            </a:r>
+            <a:endParaRPr lang="en-US" altLang="zh-CN" sz="1200" kern="1200" dirty="0">
+              <a:solidFill>
+                <a:schemeClr val="tx1"/>
+              </a:solidFill>
+              <a:effectLst/>
+              <a:latin typeface="+mn-lt"/>
+              <a:ea typeface="+mn-ea"/>
+              <a:cs typeface="+mn-cs"/>
+            </a:endParaRPr>
+          </a:p>
+          <a:p>
+            <a:pPr marL="0" marR="0" lvl="0" indent="0" algn="l" defTabSz="457200" rtl="0" eaLnBrk="1" fontAlgn="auto" latinLnBrk="0" hangingPunct="1">
+              <a:lnSpc>
+                <a:spcPct val="100000"/>
+              </a:lnSpc>
+              <a:spcBef>
+                <a:spcPts val="0"/>
+              </a:spcBef>
+              <a:spcAft>
+                <a:spcPts val="0"/>
+              </a:spcAft>
+              <a:buClrTx/>
+              <a:buSzTx/>
+              <a:buFontTx/>
+              <a:buNone/>
+              <a:defRPr/>
+            </a:pPr>
+            <a:r>
+              <a:rPr lang="zh-CN" altLang="zh-CN" sz="1200" kern="1200" dirty="0">
+                <a:solidFill>
+                  <a:schemeClr val="tx1"/>
+                </a:solidFill>
+                <a:effectLst/>
+                <a:latin typeface="+mn-lt"/>
+                <a:ea typeface="+mn-ea"/>
+                <a:cs typeface="+mn-cs"/>
+              </a:rPr>
+              <a:t>于是乎，我们选择一条分割线，让棍的两边有尽可能大的间隙</a:t>
+            </a:r>
+            <a:endParaRPr lang="zh-CN" altLang="zh-CN" sz="1200" kern="1200" dirty="0">
+              <a:solidFill>
+                <a:schemeClr val="tx1"/>
+              </a:solidFill>
+              <a:effectLst/>
+              <a:latin typeface="+mn-lt"/>
+              <a:ea typeface="+mn-ea"/>
+              <a:cs typeface="+mn-cs"/>
+            </a:endParaRPr>
+          </a:p>
+          <a:p>
+            <a:pPr marL="0" marR="0" lvl="0" indent="0" algn="l" defTabSz="457200" rtl="0" eaLnBrk="1" fontAlgn="auto" latinLnBrk="0" hangingPunct="1">
+              <a:lnSpc>
+                <a:spcPct val="100000"/>
+              </a:lnSpc>
+              <a:spcBef>
+                <a:spcPts val="0"/>
+              </a:spcBef>
+              <a:spcAft>
+                <a:spcPts val="0"/>
+              </a:spcAft>
+              <a:buClrTx/>
+              <a:buSzTx/>
+              <a:buFontTx/>
+              <a:buNone/>
+              <a:defRPr/>
+            </a:pPr>
+            <a:r>
+              <a:rPr lang="zh-CN" altLang="zh-CN" sz="1200" kern="1200" dirty="0">
+                <a:solidFill>
+                  <a:schemeClr val="tx1"/>
+                </a:solidFill>
+                <a:effectLst/>
+                <a:latin typeface="+mn-lt"/>
+                <a:ea typeface="+mn-ea"/>
+                <a:cs typeface="+mn-cs"/>
+              </a:rPr>
+              <a:t>对于三维平面，把分割线变为分割平面即可。</a:t>
+            </a:r>
+            <a:endParaRPr lang="en-US" altLang="zh-CN" sz="1200" kern="1200" dirty="0">
+              <a:solidFill>
+                <a:schemeClr val="tx1"/>
+              </a:solidFill>
+              <a:effectLst/>
+              <a:latin typeface="+mn-lt"/>
+              <a:ea typeface="+mn-ea"/>
+              <a:cs typeface="+mn-cs"/>
+            </a:endParaRPr>
+          </a:p>
+          <a:p>
+            <a:pPr marL="0" marR="0" lvl="0" indent="0" algn="l" defTabSz="457200" rtl="0" eaLnBrk="1" fontAlgn="auto" latinLnBrk="0" hangingPunct="1">
+              <a:lnSpc>
+                <a:spcPct val="100000"/>
+              </a:lnSpc>
+              <a:spcBef>
+                <a:spcPts val="0"/>
+              </a:spcBef>
+              <a:spcAft>
+                <a:spcPts val="0"/>
+              </a:spcAft>
+              <a:buClrTx/>
+              <a:buSzTx/>
+              <a:buFontTx/>
+              <a:buNone/>
+              <a:defRPr/>
+            </a:pPr>
+            <a:r>
+              <a:rPr lang="zh-CN" altLang="zh-CN" sz="1200" kern="1200" dirty="0">
+                <a:solidFill>
+                  <a:schemeClr val="tx1"/>
+                </a:solidFill>
+                <a:effectLst/>
+                <a:latin typeface="+mn-lt"/>
+                <a:ea typeface="+mn-ea"/>
+                <a:cs typeface="+mn-cs"/>
+              </a:rPr>
+              <a:t>对于</a:t>
+            </a:r>
+            <a:r>
+              <a:rPr lang="en-US" altLang="zh-CN" sz="1200" kern="1200" dirty="0">
+                <a:solidFill>
+                  <a:schemeClr val="tx1"/>
+                </a:solidFill>
+                <a:effectLst/>
+                <a:latin typeface="+mn-lt"/>
+                <a:ea typeface="+mn-ea"/>
+                <a:cs typeface="+mn-cs"/>
+              </a:rPr>
+              <a:t>n</a:t>
+            </a:r>
+            <a:r>
+              <a:rPr lang="zh-CN" altLang="zh-CN" sz="1200" kern="1200" dirty="0">
+                <a:solidFill>
+                  <a:schemeClr val="tx1"/>
+                </a:solidFill>
+                <a:effectLst/>
+                <a:latin typeface="+mn-lt"/>
+                <a:ea typeface="+mn-ea"/>
+                <a:cs typeface="+mn-cs"/>
+              </a:rPr>
+              <a:t>为平面，寻找</a:t>
+            </a:r>
+            <a:r>
+              <a:rPr lang="en-US" altLang="zh-CN" sz="1200" kern="1200" dirty="0">
+                <a:solidFill>
+                  <a:schemeClr val="tx1"/>
+                </a:solidFill>
+                <a:effectLst/>
+                <a:latin typeface="+mn-lt"/>
+                <a:ea typeface="+mn-ea"/>
+                <a:cs typeface="+mn-cs"/>
+              </a:rPr>
+              <a:t>n-1</a:t>
+            </a:r>
+            <a:r>
+              <a:rPr lang="zh-CN" altLang="zh-CN" sz="1200" kern="1200" dirty="0">
+                <a:solidFill>
+                  <a:schemeClr val="tx1"/>
+                </a:solidFill>
+                <a:effectLst/>
+                <a:latin typeface="+mn-lt"/>
+                <a:ea typeface="+mn-ea"/>
+                <a:cs typeface="+mn-cs"/>
+              </a:rPr>
+              <a:t>维的超平面去分割即可。</a:t>
+            </a:r>
             <a:endParaRPr lang="zh-CN" altLang="zh-CN" sz="1200" kern="1200" dirty="0">
               <a:solidFill>
                 <a:schemeClr val="tx1"/>
@@ -5671,6 +5516,285 @@
 </p:notes>
 </file>
 
+<file path=ppt/notesSlides/notesSlide30.xml><?xml version="1.0" encoding="utf-8"?>
+<p:notes xmlns:a="http://schemas.openxmlformats.org/drawingml/2006/main" xmlns:r="http://schemas.openxmlformats.org/officeDocument/2006/relationships" xmlns:p="http://schemas.openxmlformats.org/presentationml/2006/main">
+  <p:cSld>
+    <p:spTree>
+      <p:nvGrpSpPr>
+        <p:cNvPr id="1" name=""/>
+        <p:cNvGrpSpPr/>
+        <p:nvPr/>
+      </p:nvGrpSpPr>
+      <p:grpSpPr>
+        <a:xfrm>
+          <a:off x="0" y="0"/>
+          <a:ext cx="0" cy="0"/>
+          <a:chOff x="0" y="0"/>
+          <a:chExt cx="0" cy="0"/>
+        </a:xfrm>
+      </p:grpSpPr>
+      <p:sp>
+        <p:nvSpPr>
+          <p:cNvPr id="2" name="幻灯片图像占位符 1"/>
+          <p:cNvSpPr>
+            <a:spLocks noGrp="1" noRot="1" noChangeAspect="1"/>
+          </p:cNvSpPr>
+          <p:nvPr>
+            <p:ph type="sldImg"/>
+          </p:nvPr>
+        </p:nvSpPr>
+        <p:spPr/>
+      </p:sp>
+      <p:sp>
+        <p:nvSpPr>
+          <p:cNvPr id="3" name="备注占位符 2"/>
+          <p:cNvSpPr>
+            <a:spLocks noGrp="1"/>
+          </p:cNvSpPr>
+          <p:nvPr>
+            <p:ph type="body" idx="1"/>
+          </p:nvPr>
+        </p:nvSpPr>
+        <p:spPr/>
+        <p:txBody>
+          <a:bodyPr/>
+          <a:lstStyle/>
+          <a:p>
+            <a:pPr marL="0" marR="0" lvl="0" indent="0" algn="l" defTabSz="457200" rtl="0" eaLnBrk="1" fontAlgn="auto" latinLnBrk="0" hangingPunct="1">
+              <a:lnSpc>
+                <a:spcPct val="100000"/>
+              </a:lnSpc>
+              <a:spcBef>
+                <a:spcPts val="0"/>
+              </a:spcBef>
+              <a:spcAft>
+                <a:spcPts val="0"/>
+              </a:spcAft>
+              <a:buClrTx/>
+              <a:buSzTx/>
+              <a:buFontTx/>
+              <a:buNone/>
+              <a:defRPr/>
+            </a:pPr>
+            <a:r>
+              <a:rPr lang="zh-CN" altLang="zh-CN" sz="1200" kern="1200" dirty="0">
+                <a:solidFill>
+                  <a:schemeClr val="tx1"/>
+                </a:solidFill>
+                <a:effectLst/>
+                <a:latin typeface="+mn-lt"/>
+                <a:ea typeface="+mn-ea"/>
+                <a:cs typeface="+mn-cs"/>
+              </a:rPr>
+              <a:t>支持向量机是一个二分类算法，它可以在</a:t>
+            </a:r>
+            <a:r>
+              <a:rPr lang="en-US" altLang="zh-CN" sz="1200" kern="1200" dirty="0">
+                <a:solidFill>
+                  <a:schemeClr val="tx1"/>
+                </a:solidFill>
+                <a:effectLst/>
+                <a:latin typeface="+mn-lt"/>
+                <a:ea typeface="+mn-ea"/>
+                <a:cs typeface="+mn-cs"/>
+              </a:rPr>
+              <a:t>N</a:t>
+            </a:r>
+            <a:r>
+              <a:rPr lang="zh-CN" altLang="zh-CN" sz="1200" kern="1200" dirty="0">
+                <a:solidFill>
+                  <a:schemeClr val="tx1"/>
+                </a:solidFill>
+                <a:effectLst/>
+                <a:latin typeface="+mn-lt"/>
+                <a:ea typeface="+mn-ea"/>
+                <a:cs typeface="+mn-cs"/>
+              </a:rPr>
+              <a:t>维空间找到一个</a:t>
+            </a:r>
+            <a:r>
+              <a:rPr lang="en-US" altLang="zh-CN" sz="1200" kern="1200" dirty="0">
+                <a:solidFill>
+                  <a:schemeClr val="tx1"/>
+                </a:solidFill>
+                <a:effectLst/>
+                <a:latin typeface="+mn-lt"/>
+                <a:ea typeface="+mn-ea"/>
+                <a:cs typeface="+mn-cs"/>
+              </a:rPr>
+              <a:t>(N-1)</a:t>
+            </a:r>
+            <a:r>
+              <a:rPr lang="zh-CN" altLang="zh-CN" sz="1200" kern="1200" dirty="0">
+                <a:solidFill>
+                  <a:schemeClr val="tx1"/>
+                </a:solidFill>
+                <a:effectLst/>
+                <a:latin typeface="+mn-lt"/>
+                <a:ea typeface="+mn-ea"/>
+                <a:cs typeface="+mn-cs"/>
+              </a:rPr>
+              <a:t>维的</a:t>
+            </a:r>
+            <a:r>
+              <a:rPr lang="zh-CN" altLang="zh-CN" sz="1200" b="1" kern="1200" dirty="0">
+                <a:solidFill>
+                  <a:schemeClr val="tx1"/>
+                </a:solidFill>
+                <a:effectLst/>
+                <a:latin typeface="+mn-lt"/>
+                <a:ea typeface="+mn-ea"/>
+                <a:cs typeface="+mn-cs"/>
+              </a:rPr>
+              <a:t>超平面</a:t>
+            </a:r>
+            <a:r>
+              <a:rPr lang="zh-CN" altLang="zh-CN" sz="1200" kern="1200" dirty="0">
+                <a:solidFill>
+                  <a:schemeClr val="tx1"/>
+                </a:solidFill>
+                <a:effectLst/>
+                <a:latin typeface="+mn-lt"/>
+                <a:ea typeface="+mn-ea"/>
+                <a:cs typeface="+mn-cs"/>
+              </a:rPr>
+              <a:t>，这个超平面可以将这些点分为两类。也就是说，平面内如果存在线性可分的两类点，</a:t>
+            </a:r>
+            <a:r>
+              <a:rPr lang="en-US" altLang="zh-CN" sz="1200" kern="1200" dirty="0">
+                <a:solidFill>
+                  <a:schemeClr val="tx1"/>
+                </a:solidFill>
+                <a:effectLst/>
+                <a:latin typeface="+mn-lt"/>
+                <a:ea typeface="+mn-ea"/>
+                <a:cs typeface="+mn-cs"/>
+              </a:rPr>
+              <a:t>SVM</a:t>
+            </a:r>
+            <a:r>
+              <a:rPr lang="zh-CN" altLang="zh-CN" sz="1200" kern="1200" dirty="0">
+                <a:solidFill>
+                  <a:schemeClr val="tx1"/>
+                </a:solidFill>
+                <a:effectLst/>
+                <a:latin typeface="+mn-lt"/>
+                <a:ea typeface="+mn-ea"/>
+                <a:cs typeface="+mn-cs"/>
+              </a:rPr>
+              <a:t>可以找到一条最优的直线将这些点分开。</a:t>
+            </a:r>
+            <a:endParaRPr lang="en-US" altLang="zh-CN" sz="1200" kern="1200" dirty="0">
+              <a:solidFill>
+                <a:schemeClr val="tx1"/>
+              </a:solidFill>
+              <a:effectLst/>
+              <a:latin typeface="+mn-lt"/>
+              <a:ea typeface="+mn-ea"/>
+              <a:cs typeface="+mn-cs"/>
+            </a:endParaRPr>
+          </a:p>
+          <a:p>
+            <a:pPr marL="0" marR="0" lvl="0" indent="0" algn="l" defTabSz="457200" rtl="0" eaLnBrk="1" fontAlgn="auto" latinLnBrk="0" hangingPunct="1">
+              <a:lnSpc>
+                <a:spcPct val="100000"/>
+              </a:lnSpc>
+              <a:spcBef>
+                <a:spcPts val="0"/>
+              </a:spcBef>
+              <a:spcAft>
+                <a:spcPts val="0"/>
+              </a:spcAft>
+              <a:buClrTx/>
+              <a:buSzTx/>
+              <a:buFontTx/>
+              <a:buNone/>
+              <a:defRPr/>
+            </a:pPr>
+            <a:r>
+              <a:rPr lang="zh-CN" altLang="zh-CN" sz="1200" kern="1200" dirty="0">
+                <a:solidFill>
+                  <a:schemeClr val="tx1"/>
+                </a:solidFill>
+                <a:effectLst/>
+                <a:latin typeface="+mn-lt"/>
+                <a:ea typeface="+mn-ea"/>
+                <a:cs typeface="+mn-cs"/>
+              </a:rPr>
+              <a:t>如果用圆形作为分割，会造成维度的增加，这点我们可以通过点积来解决。</a:t>
+            </a:r>
+            <a:endParaRPr lang="zh-CN" altLang="zh-CN" sz="1200" kern="1200" dirty="0">
+              <a:solidFill>
+                <a:schemeClr val="tx1"/>
+              </a:solidFill>
+              <a:effectLst/>
+              <a:latin typeface="+mn-lt"/>
+              <a:ea typeface="+mn-ea"/>
+              <a:cs typeface="+mn-cs"/>
+            </a:endParaRPr>
+          </a:p>
+          <a:p>
+            <a:pPr marL="0" marR="0" lvl="0" indent="0" algn="l" defTabSz="457200" rtl="0" eaLnBrk="1" fontAlgn="auto" latinLnBrk="0" hangingPunct="1">
+              <a:lnSpc>
+                <a:spcPct val="100000"/>
+              </a:lnSpc>
+              <a:spcBef>
+                <a:spcPts val="0"/>
+              </a:spcBef>
+              <a:spcAft>
+                <a:spcPts val="0"/>
+              </a:spcAft>
+              <a:buClrTx/>
+              <a:buSzTx/>
+              <a:buFontTx/>
+              <a:buNone/>
+              <a:defRPr/>
+            </a:pPr>
+            <a:endParaRPr lang="zh-CN" altLang="zh-CN" sz="1200" kern="1200" dirty="0">
+              <a:solidFill>
+                <a:schemeClr val="tx1"/>
+              </a:solidFill>
+              <a:effectLst/>
+              <a:latin typeface="+mn-lt"/>
+              <a:ea typeface="+mn-ea"/>
+              <a:cs typeface="+mn-cs"/>
+            </a:endParaRPr>
+          </a:p>
+          <a:p>
+            <a:endParaRPr lang="zh-CN" altLang="en-US" dirty="0"/>
+          </a:p>
+        </p:txBody>
+      </p:sp>
+      <p:sp>
+        <p:nvSpPr>
+          <p:cNvPr id="4" name="灯片编号占位符 3"/>
+          <p:cNvSpPr>
+            <a:spLocks noGrp="1"/>
+          </p:cNvSpPr>
+          <p:nvPr>
+            <p:ph type="sldNum" sz="quarter" idx="10"/>
+          </p:nvPr>
+        </p:nvSpPr>
+        <p:spPr/>
+        <p:txBody>
+          <a:bodyPr/>
+          <a:lstStyle/>
+          <a:p>
+            <a:fld id="{28F939E2-2BBE-9640-A681-74C4DED86A81}" type="slidenum">
+              <a:rPr kumimoji="1" lang="zh-CN" altLang="en-US" smtClean="0"/>
+            </a:fld>
+            <a:endParaRPr kumimoji="1" lang="zh-CN" altLang="en-US"/>
+          </a:p>
+        </p:txBody>
+      </p:sp>
+    </p:spTree>
+  </p:cSld>
+  <p:clrMapOvr>
+    <a:masterClrMapping/>
+  </p:clrMapOvr>
+</p:notes>
+</file>
+
 <file path=ppt/notesSlides/notesSlide4.xml><?xml version="1.0" encoding="utf-8"?>
 <p:notes xmlns:a="http://schemas.openxmlformats.org/drawingml/2006/main" xmlns:r="http://schemas.openxmlformats.org/officeDocument/2006/relationships" xmlns:p="http://schemas.openxmlformats.org/presentationml/2006/main">
   <p:cSld>
@@ -6705,28 +6829,9 @@
           <a:lstStyle/>
           <a:p>
             <a:r>
-              <a:rPr lang="zh-CN" altLang="en-US" sz="1200" kern="1200" dirty="0">
-                <a:solidFill>
-                  <a:schemeClr val="tx1"/>
-                </a:solidFill>
-                <a:effectLst/>
-                <a:latin typeface="+mn-lt"/>
-                <a:ea typeface="+mn-ea"/>
-                <a:cs typeface="+mn-cs"/>
-              </a:rPr>
-              <a:t>去噪：</a:t>
-            </a:r>
-            <a:endParaRPr lang="en-US" altLang="zh-CN" sz="1200" kern="1200" dirty="0">
-              <a:solidFill>
-                <a:schemeClr val="tx1"/>
-              </a:solidFill>
-              <a:effectLst/>
-              <a:latin typeface="+mn-lt"/>
-              <a:ea typeface="+mn-ea"/>
-              <a:cs typeface="+mn-cs"/>
-            </a:endParaRPr>
-          </a:p>
-          <a:p>
+              <a:rPr lang="zh-CN" altLang="en-US" dirty="0"/>
+              <a:t>学习算法的概念：</a:t>
+            </a:r>
             <a:r>
               <a:rPr lang="zh-CN" altLang="zh-CN" sz="1200" kern="1200" dirty="0">
                 <a:solidFill>
@@ -6737,19 +6842,31 @@
                 <a:ea typeface="+mn-ea"/>
                 <a:cs typeface="+mn-cs"/>
               </a:rPr>
-              <a:t>输入：干净样本</a:t>
-            </a:r>
-            <a:r>
-              <a:rPr lang="en-US" altLang="zh-CN" sz="1200" kern="1200" dirty="0">
-                <a:solidFill>
-                  <a:schemeClr val="tx1"/>
-                </a:solidFill>
-                <a:effectLst/>
-                <a:latin typeface="+mn-lt"/>
-                <a:ea typeface="+mn-ea"/>
-                <a:cs typeface="+mn-cs"/>
-              </a:rPr>
-              <a:t>x</a:t>
+              <a:t>通过</a:t>
+            </a:r>
+            <a:r>
+              <a:rPr lang="zh-CN" altLang="zh-CN" sz="1200" b="1" kern="1200" dirty="0">
+                <a:solidFill>
+                  <a:schemeClr val="tx1"/>
+                </a:solidFill>
+                <a:effectLst/>
+                <a:latin typeface="+mn-lt"/>
+                <a:ea typeface="+mn-ea"/>
+                <a:cs typeface="+mn-cs"/>
+              </a:rPr>
+              <a:t>经验</a:t>
+            </a:r>
+            <a:r>
+              <a:rPr lang="en-US" altLang="zh-CN" sz="1200" b="1" kern="1200" dirty="0">
+                <a:solidFill>
+                  <a:schemeClr val="tx1"/>
+                </a:solidFill>
+                <a:effectLst/>
+                <a:latin typeface="+mn-lt"/>
+                <a:ea typeface="+mn-ea"/>
+                <a:cs typeface="+mn-cs"/>
+              </a:rPr>
+              <a:t>E</a:t>
             </a:r>
             <a:r>
               <a:rPr lang="zh-CN" altLang="zh-CN" sz="1200" kern="1200" dirty="0">
@@ -6761,19 +6878,31 @@
                 <a:ea typeface="+mn-ea"/>
                 <a:cs typeface="+mn-cs"/>
               </a:rPr>
-              <a:t>∈</a:t>
-            </a:r>
-            <a:r>
-              <a:rPr lang="en-US" altLang="zh-CN" sz="1200" kern="1200" dirty="0">
-                <a:solidFill>
-                  <a:schemeClr val="tx1"/>
-                </a:solidFill>
-                <a:effectLst/>
-                <a:latin typeface="+mn-lt"/>
-                <a:ea typeface="+mn-ea"/>
-                <a:cs typeface="+mn-cs"/>
-              </a:rPr>
-              <a:t>R(n)</a:t>
+              <a:t>改进后，它在</a:t>
+            </a:r>
+            <a:r>
+              <a:rPr lang="zh-CN" altLang="zh-CN" sz="1200" b="1" kern="1200" dirty="0">
+                <a:solidFill>
+                  <a:schemeClr val="tx1"/>
+                </a:solidFill>
+                <a:effectLst/>
+                <a:latin typeface="+mn-lt"/>
+                <a:ea typeface="+mn-ea"/>
+                <a:cs typeface="+mn-cs"/>
+              </a:rPr>
+              <a:t>任务</a:t>
+            </a:r>
+            <a:r>
+              <a:rPr lang="en-US" altLang="zh-CN" sz="1200" b="1" kern="1200" dirty="0">
+                <a:solidFill>
+                  <a:schemeClr val="tx1"/>
+                </a:solidFill>
+                <a:effectLst/>
+                <a:latin typeface="+mn-lt"/>
+                <a:ea typeface="+mn-ea"/>
+                <a:cs typeface="+mn-cs"/>
+              </a:rPr>
+              <a:t>T</a:t>
             </a:r>
             <a:r>
               <a:rPr lang="zh-CN" altLang="zh-CN" sz="1200" kern="1200" dirty="0">
@@ -6785,31 +6914,32 @@
                 <a:ea typeface="+mn-ea"/>
                 <a:cs typeface="+mn-cs"/>
               </a:rPr>
-              <a:t>经过未知损坏后的损坏样本</a:t>
-            </a:r>
-            <a:r>
-              <a:rPr lang="en-US" altLang="zh-CN" sz="1200" kern="1200" dirty="0">
-                <a:solidFill>
-                  <a:schemeClr val="tx1"/>
-                </a:solidFill>
-                <a:effectLst/>
-                <a:latin typeface="+mn-lt"/>
-                <a:ea typeface="+mn-ea"/>
-                <a:cs typeface="+mn-cs"/>
-              </a:rPr>
-              <a:t>y</a:t>
-            </a:r>
-            <a:endParaRPr lang="zh-CN" altLang="zh-CN" sz="1200" kern="1200" dirty="0">
-              <a:solidFill>
-                <a:schemeClr val="tx1"/>
-              </a:solidFill>
-              <a:effectLst/>
-              <a:latin typeface="+mn-lt"/>
-              <a:ea typeface="+mn-ea"/>
-              <a:cs typeface="+mn-cs"/>
-            </a:endParaRPr>
-          </a:p>
-          <a:p>
+              <a:t>上由</a:t>
+            </a:r>
+            <a:r>
+              <a:rPr lang="zh-CN" altLang="zh-CN" sz="1200" b="1" kern="1200" dirty="0">
+                <a:solidFill>
+                  <a:schemeClr val="tx1"/>
+                </a:solidFill>
+                <a:effectLst/>
+                <a:latin typeface="+mn-lt"/>
+                <a:ea typeface="+mn-ea"/>
+                <a:cs typeface="+mn-cs"/>
+              </a:rPr>
+              <a:t>性能度量</a:t>
+            </a:r>
+            <a:r>
+              <a:rPr lang="en-US" altLang="zh-CN" sz="1200" b="1" kern="1200" dirty="0">
+                <a:solidFill>
+                  <a:schemeClr val="tx1"/>
+                </a:solidFill>
+                <a:effectLst/>
+                <a:latin typeface="+mn-lt"/>
+                <a:ea typeface="+mn-ea"/>
+                <a:cs typeface="+mn-cs"/>
+              </a:rPr>
+              <a:t>P</a:t>
+            </a:r>
             <a:r>
               <a:rPr lang="zh-CN" altLang="zh-CN" sz="1200" kern="1200" dirty="0">
                 <a:solidFill>
@@ -6820,80 +6950,15 @@
                 <a:ea typeface="+mn-ea"/>
                 <a:cs typeface="+mn-cs"/>
               </a:rPr>
-              <a:t>输出：预测初干净的样本</a:t>
-            </a:r>
-            <a:r>
-              <a:rPr lang="en-US" altLang="zh-CN" sz="1200" kern="1200" dirty="0">
-                <a:solidFill>
-                  <a:schemeClr val="tx1"/>
-                </a:solidFill>
-                <a:effectLst/>
-                <a:latin typeface="+mn-lt"/>
-                <a:ea typeface="+mn-ea"/>
-                <a:cs typeface="+mn-cs"/>
-              </a:rPr>
-              <a:t>x</a:t>
-            </a:r>
-            <a:r>
-              <a:rPr lang="zh-CN" altLang="zh-CN" sz="1200" kern="1200" dirty="0">
-                <a:solidFill>
-                  <a:schemeClr val="tx1"/>
-                </a:solidFill>
-                <a:effectLst/>
-                <a:latin typeface="+mn-lt"/>
-                <a:ea typeface="+mn-ea"/>
-                <a:cs typeface="+mn-cs"/>
-              </a:rPr>
-              <a:t>，或者更一般的预测条件概率分布</a:t>
-            </a:r>
-            <a:r>
-              <a:rPr lang="en-US" altLang="zh-CN" sz="1200" kern="1200" dirty="0">
-                <a:solidFill>
-                  <a:schemeClr val="tx1"/>
-                </a:solidFill>
-                <a:effectLst/>
-                <a:latin typeface="+mn-lt"/>
-                <a:ea typeface="+mn-ea"/>
-                <a:cs typeface="+mn-cs"/>
-              </a:rPr>
-              <a:t>p(</a:t>
-            </a:r>
-            <a:r>
-              <a:rPr lang="en-US" altLang="zh-CN" sz="1200" kern="1200" dirty="0" err="1">
-                <a:solidFill>
-                  <a:schemeClr val="tx1"/>
-                </a:solidFill>
-                <a:effectLst/>
-                <a:latin typeface="+mn-lt"/>
-                <a:ea typeface="+mn-ea"/>
-                <a:cs typeface="+mn-cs"/>
-              </a:rPr>
-              <a:t>x|y</a:t>
-            </a:r>
-            <a:r>
-              <a:rPr lang="en-US" altLang="zh-CN" sz="1200" kern="1200" dirty="0">
-                <a:solidFill>
-                  <a:schemeClr val="tx1"/>
-                </a:solidFill>
-                <a:effectLst/>
-                <a:latin typeface="+mn-lt"/>
-                <a:ea typeface="+mn-ea"/>
-                <a:cs typeface="+mn-cs"/>
-              </a:rPr>
-              <a:t>)</a:t>
-            </a:r>
-            <a:endParaRPr lang="zh-CN" altLang="zh-CN" sz="1200" kern="1200" dirty="0">
-              <a:solidFill>
-                <a:schemeClr val="tx1"/>
-              </a:solidFill>
-              <a:effectLst/>
-              <a:latin typeface="+mn-lt"/>
-              <a:ea typeface="+mn-ea"/>
-              <a:cs typeface="+mn-cs"/>
-            </a:endParaRPr>
-          </a:p>
-          <a:p>
-            <a:endParaRPr lang="zh-CN" altLang="en-US" dirty="0"/>
+              <a:t>衡量的性能有所提升。</a:t>
+            </a:r>
+            <a:endParaRPr lang="en-US" altLang="zh-CN" dirty="0"/>
+          </a:p>
+          <a:p>
+            <a:r>
+              <a:rPr lang="zh-CN" altLang="en-US" dirty="0"/>
+              <a:t>机器学习的任务：如何处理样本</a:t>
+            </a:r>
           </a:p>
         </p:txBody>
       </p:sp>
@@ -13311,48 +13376,22 @@
               <a:buNone/>
             </a:pPr>
             <a:r>
-              <a:rPr lang="x-none" altLang="zh-CN" sz="1800" dirty="0"/>
-              <a:t>Sigmod function </a:t>
-            </a:r>
-            <a:endParaRPr lang="x-none" altLang="zh-CN" sz="1800" dirty="0"/>
+              <a:rPr lang="x-none" altLang="zh-CN" dirty="0"/>
+              <a:t>Here I have 100 data point.</a:t>
+            </a:r>
+            <a:endParaRPr lang="x-none" altLang="zh-CN" dirty="0"/>
           </a:p>
           <a:p>
             <a:pPr marL="0" indent="0">
               <a:buNone/>
             </a:pPr>
-            <a:endParaRPr lang="x-none" altLang="zh-CN" sz="1800" dirty="0"/>
-          </a:p>
-          <a:p>
-            <a:pPr marL="0" indent="0">
-              <a:buNone/>
-            </a:pPr>
-            <a:r>
-              <a:rPr lang="x-none" altLang="zh-CN" sz="1800" dirty="0"/>
-              <a:t>Inorder to solve the problem of the hardlim funciton ,  we will lead into the probability.</a:t>
-            </a:r>
-            <a:endParaRPr lang="x-none" altLang="zh-CN" sz="1800" dirty="0"/>
-          </a:p>
-          <a:p>
-            <a:pPr marL="0" indent="0">
-              <a:buNone/>
-            </a:pPr>
-            <a:r>
-              <a:rPr lang="x-none" altLang="zh-CN" sz="1800" dirty="0"/>
-              <a:t>The boundary of the decision is loose. </a:t>
-            </a:r>
-            <a:endParaRPr lang="x-none" altLang="zh-CN" sz="1800" dirty="0"/>
-          </a:p>
-          <a:p>
-            <a:pPr marL="0" indent="0">
-              <a:buNone/>
-            </a:pPr>
-            <a:endParaRPr lang="x-none" altLang="zh-CN" sz="1800" dirty="0"/>
+            <a:endParaRPr lang="x-none" altLang="zh-CN" dirty="0"/>
           </a:p>
         </p:txBody>
       </p:sp>
       <p:pic>
         <p:nvPicPr>
-          <p:cNvPr id="4" name="Picture 3" descr="远看sigmod函数"/>
+          <p:cNvPr id="4" name="Picture 3" descr="测试用例"/>
           <p:cNvPicPr>
             <a:picLocks noChangeAspect="1"/>
           </p:cNvPicPr>
@@ -13366,32 +13405,8 @@
         </p:blipFill>
         <p:spPr>
           <a:xfrm>
-            <a:off x="-23495" y="2781935"/>
-            <a:ext cx="4626610" cy="3470275"/>
-          </a:xfrm>
-          <a:prstGeom prst="rect">
-            <a:avLst/>
-          </a:prstGeom>
-        </p:spPr>
-      </p:pic>
-      <p:pic>
-        <p:nvPicPr>
-          <p:cNvPr id="5" name="Picture 4" descr="近看sigmod函数"/>
-          <p:cNvPicPr>
-            <a:picLocks noChangeAspect="1"/>
-          </p:cNvPicPr>
-          <p:nvPr/>
-        </p:nvPicPr>
-        <p:blipFill>
-          <a:blip r:embed="rId2"/>
-          <a:stretch>
-            <a:fillRect/>
-          </a:stretch>
-        </p:blipFill>
-        <p:spPr>
-          <a:xfrm>
-            <a:off x="4326890" y="2786380"/>
-            <a:ext cx="4620895" cy="3465830"/>
+            <a:off x="1438910" y="1863090"/>
+            <a:ext cx="5852160" cy="4389120"/>
           </a:xfrm>
           <a:prstGeom prst="rect">
             <a:avLst/>
@@ -13752,7 +13767,7 @@
             </a:pPr>
             <a:r>
               <a:rPr lang="x-none" altLang="zh-CN" dirty="0"/>
-              <a:t>Maximum Likelyhood</a:t>
+              <a:t>1.Maximum Likelyhood</a:t>
             </a:r>
             <a:endParaRPr lang="x-none" altLang="zh-CN" dirty="0"/>
           </a:p>
@@ -13782,30 +13797,8 @@
             </a:pPr>
             <a:r>
               <a:rPr lang="x-none" altLang="zh-CN" dirty="0"/>
-              <a:t>The ML Pmodel -&gt; Pdata</a:t>
-            </a:r>
-            <a:endParaRPr lang="x-none" altLang="zh-CN" dirty="0"/>
-          </a:p>
-          <a:p>
-            <a:pPr marL="0" indent="0">
-              <a:buNone/>
-            </a:pPr>
-            <a:r>
-              <a:rPr lang="x-none" altLang="zh-CN" dirty="0"/>
-              <a:t>ML Advantage.</a:t>
-            </a:r>
-            <a:endParaRPr lang="x-none" altLang="zh-CN" dirty="0"/>
-          </a:p>
-          <a:p>
-            <a:pPr marL="0" indent="0">
-              <a:buNone/>
-            </a:pPr>
-            <a:endParaRPr lang="x-none" altLang="zh-CN" dirty="0"/>
-          </a:p>
-          <a:p>
-            <a:pPr marL="0" indent="0">
-              <a:buNone/>
-            </a:pPr>
+              <a:t>2.ML Advantage.</a:t>
+            </a:r>
             <a:endParaRPr lang="x-none" altLang="zh-CN" dirty="0"/>
           </a:p>
         </p:txBody>
@@ -14541,7 +14534,7 @@
             </a:pPr>
             <a:r>
               <a:rPr lang="x-none" altLang="zh-CN" dirty="0"/>
-              <a:t>SDG(500) VS BGD(500):</a:t>
+              <a:t>SDG(1000) VS BGD(500)</a:t>
             </a:r>
             <a:endParaRPr lang="x-none" altLang="zh-CN" dirty="0"/>
           </a:p>
@@ -16003,40 +15996,40 @@
               <a:buNone/>
             </a:pPr>
             <a:r>
-              <a:rPr lang="x-none" altLang="" sz="2800"/>
+              <a:rPr lang="x-none" altLang="en-US" sz="2800"/>
               <a:t>1.Biggset variance decide principal component</a:t>
             </a:r>
-            <a:endParaRPr lang="x-none" altLang="" sz="2800"/>
+            <a:endParaRPr lang="x-none" altLang="en-US" sz="2800"/>
           </a:p>
           <a:p>
             <a:pPr marL="0" indent="0">
               <a:buNone/>
             </a:pPr>
             <a:r>
-              <a:rPr lang="x-none" altLang="" sz="2800"/>
+              <a:rPr lang="x-none" altLang="en-US" sz="2800"/>
               <a:t>2.PCA</a:t>
             </a:r>
-            <a:endParaRPr lang="x-none" altLang="" sz="2800"/>
+            <a:endParaRPr lang="x-none" altLang="en-US" sz="2800"/>
           </a:p>
           <a:p>
             <a:pPr marL="0" indent="0">
               <a:buNone/>
             </a:pPr>
             <a:r>
-              <a:rPr lang="x-none" altLang="" sz="2800"/>
+              <a:rPr lang="x-none" altLang="en-US" sz="2800"/>
               <a:t>	PCA can be the pre-treatment for data set</a:t>
             </a:r>
-            <a:endParaRPr lang="x-none" altLang="" sz="2800"/>
+            <a:endParaRPr lang="x-none" altLang="en-US" sz="2800"/>
           </a:p>
           <a:p>
             <a:pPr marL="0" indent="0">
               <a:buNone/>
             </a:pPr>
             <a:r>
-              <a:rPr lang="x-none" altLang="" sz="2800"/>
+              <a:rPr lang="x-none" altLang="en-US" sz="2800"/>
               <a:t>	reduce the time-consuming for the other 	Meachine Learning   </a:t>
             </a:r>
-            <a:endParaRPr lang="x-none" altLang="" sz="2800"/>
+            <a:endParaRPr lang="x-none" altLang="en-US" sz="2800"/>
           </a:p>
         </p:txBody>
       </p:sp>
@@ -16408,7 +16401,7 @@
             </a:pPr>
             <a:r>
               <a:rPr lang="x-none" altLang="zh-CN" dirty="0"/>
-              <a:t>Here I have 100 data point.</a:t>
+              <a:t>The Algorithm frame</a:t>
             </a:r>
             <a:endParaRPr lang="x-none" altLang="zh-CN" dirty="0"/>
           </a:p>
@@ -16416,104 +16409,6 @@
             <a:pPr marL="0" indent="0">
               <a:buNone/>
             </a:pPr>
-            <a:endParaRPr lang="x-none" altLang="zh-CN" dirty="0"/>
-          </a:p>
-        </p:txBody>
-      </p:sp>
-      <p:pic>
-        <p:nvPicPr>
-          <p:cNvPr id="4" name="Picture 3" descr="测试用例"/>
-          <p:cNvPicPr>
-            <a:picLocks noChangeAspect="1"/>
-          </p:cNvPicPr>
-          <p:nvPr/>
-        </p:nvPicPr>
-        <p:blipFill>
-          <a:blip r:embed="rId1"/>
-          <a:stretch>
-            <a:fillRect/>
-          </a:stretch>
-        </p:blipFill>
-        <p:spPr>
-          <a:xfrm>
-            <a:off x="1438910" y="1863090"/>
-            <a:ext cx="5852160" cy="4389120"/>
-          </a:xfrm>
-          <a:prstGeom prst="rect">
-            <a:avLst/>
-          </a:prstGeom>
-        </p:spPr>
-      </p:pic>
-    </p:spTree>
-  </p:cSld>
-  <p:clrMapOvr>
-    <a:masterClrMapping/>
-  </p:clrMapOvr>
-</p:sld>
-</file>
-
-<file path=ppt/slides/slide5.xml><?xml version="1.0" encoding="utf-8"?>
-<p:sld xmlns:a="http://schemas.openxmlformats.org/drawingml/2006/main" xmlns:r="http://schemas.openxmlformats.org/officeDocument/2006/relationships" xmlns:p="http://schemas.openxmlformats.org/presentationml/2006/main">
-  <p:cSld>
-    <p:spTree>
-      <p:nvGrpSpPr>
-        <p:cNvPr id="1" name=""/>
-        <p:cNvGrpSpPr/>
-        <p:nvPr/>
-      </p:nvGrpSpPr>
-      <p:grpSpPr>
-        <a:xfrm>
-          <a:off x="0" y="0"/>
-          <a:ext cx="0" cy="0"/>
-          <a:chOff x="0" y="0"/>
-          <a:chExt cx="0" cy="0"/>
-        </a:xfrm>
-      </p:grpSpPr>
-      <p:sp>
-        <p:nvSpPr>
-          <p:cNvPr id="2" name="标题 1"/>
-          <p:cNvSpPr>
-            <a:spLocks noGrp="1"/>
-          </p:cNvSpPr>
-          <p:nvPr>
-            <p:ph type="title"/>
-          </p:nvPr>
-        </p:nvSpPr>
-        <p:spPr/>
-        <p:txBody>
-          <a:bodyPr/>
-          <a:lstStyle/>
-          <a:p>
-            <a:r>
-              <a:rPr lang="x-none" altLang="zh-CN" dirty="0"/>
-              <a:t>Logistic</a:t>
-            </a:r>
-            <a:endParaRPr lang="x-none" altLang="zh-CN" dirty="0"/>
-          </a:p>
-        </p:txBody>
-      </p:sp>
-      <p:sp>
-        <p:nvSpPr>
-          <p:cNvPr id="3" name="内容占位符 2"/>
-          <p:cNvSpPr>
-            <a:spLocks noGrp="1"/>
-          </p:cNvSpPr>
-          <p:nvPr>
-            <p:ph idx="1"/>
-          </p:nvPr>
-        </p:nvSpPr>
-        <p:spPr/>
-        <p:txBody>
-          <a:bodyPr/>
-          <a:lstStyle/>
-          <a:p>
-            <a:pPr marL="0" indent="0">
-              <a:buNone/>
-            </a:pPr>
-            <a:r>
-              <a:rPr lang="x-none" altLang="zh-CN" dirty="0"/>
-              <a:t>The Algorithm frame</a:t>
-            </a:r>
             <a:endParaRPr lang="x-none" altLang="zh-CN" dirty="0"/>
           </a:p>
           <a:p>
@@ -16540,8 +16435,32 @@
         </p:blipFill>
         <p:spPr>
           <a:xfrm>
-            <a:off x="1546225" y="2422525"/>
+            <a:off x="1546225" y="3385185"/>
             <a:ext cx="5714365" cy="2505075"/>
+          </a:xfrm>
+          <a:prstGeom prst="rect">
+            <a:avLst/>
+          </a:prstGeom>
+        </p:spPr>
+      </p:pic>
+      <p:pic>
+        <p:nvPicPr>
+          <p:cNvPr id="5" name="Picture 4" descr="formuler4"/>
+          <p:cNvPicPr>
+            <a:picLocks noChangeAspect="1"/>
+          </p:cNvPicPr>
+          <p:nvPr/>
+        </p:nvPicPr>
+        <p:blipFill>
+          <a:blip r:embed="rId2"/>
+          <a:stretch>
+            <a:fillRect/>
+          </a:stretch>
+        </p:blipFill>
+        <p:spPr>
+          <a:xfrm>
+            <a:off x="457200" y="1824990"/>
+            <a:ext cx="6545580" cy="1560195"/>
           </a:xfrm>
           <a:prstGeom prst="rect">
             <a:avLst/>
@@ -16556,7 +16475,7 @@
 </p:sld>
 </file>
 
-<file path=ppt/slides/slide6.xml><?xml version="1.0" encoding="utf-8"?>
+<file path=ppt/slides/slide5.xml><?xml version="1.0" encoding="utf-8"?>
 <p:sld xmlns:a="http://schemas.openxmlformats.org/drawingml/2006/main" xmlns:r="http://schemas.openxmlformats.org/officeDocument/2006/relationships" xmlns:p="http://schemas.openxmlformats.org/presentationml/2006/main">
   <p:cSld>
     <p:spTree>
@@ -16656,7 +16575,7 @@
 </p:sld>
 </file>
 
-<file path=ppt/slides/slide7.xml><?xml version="1.0" encoding="utf-8"?>
+<file path=ppt/slides/slide6.xml><?xml version="1.0" encoding="utf-8"?>
 <p:sld xmlns:a="http://schemas.openxmlformats.org/drawingml/2006/main" xmlns:r="http://schemas.openxmlformats.org/officeDocument/2006/relationships" xmlns:p="http://schemas.openxmlformats.org/presentationml/2006/main">
   <p:cSld>
     <p:spTree>
@@ -16814,7 +16733,7 @@
 </p:sld>
 </file>
 
-<file path=ppt/slides/slide8.xml><?xml version="1.0" encoding="utf-8"?>
+<file path=ppt/slides/slide7.xml><?xml version="1.0" encoding="utf-8"?>
 <p:sld xmlns:a="http://schemas.openxmlformats.org/drawingml/2006/main" xmlns:r="http://schemas.openxmlformats.org/officeDocument/2006/relationships" xmlns:p="http://schemas.openxmlformats.org/presentationml/2006/main">
   <p:cSld>
     <p:spTree>
@@ -16920,6 +16839,120 @@
 </p:sld>
 </file>
 
+<file path=ppt/slides/slide8.xml><?xml version="1.0" encoding="utf-8"?>
+<p:sld xmlns:a="http://schemas.openxmlformats.org/drawingml/2006/main" xmlns:r="http://schemas.openxmlformats.org/officeDocument/2006/relationships" xmlns:p="http://schemas.openxmlformats.org/presentationml/2006/main">
+  <p:cSld>
+    <p:spTree>
+      <p:nvGrpSpPr>
+        <p:cNvPr id="1" name=""/>
+        <p:cNvGrpSpPr/>
+        <p:nvPr/>
+      </p:nvGrpSpPr>
+      <p:grpSpPr>
+        <a:xfrm>
+          <a:off x="0" y="0"/>
+          <a:ext cx="0" cy="0"/>
+          <a:chOff x="0" y="0"/>
+          <a:chExt cx="0" cy="0"/>
+        </a:xfrm>
+      </p:grpSpPr>
+      <p:sp>
+        <p:nvSpPr>
+          <p:cNvPr id="2" name="标题 1"/>
+          <p:cNvSpPr>
+            <a:spLocks noGrp="1"/>
+          </p:cNvSpPr>
+          <p:nvPr>
+            <p:ph type="title"/>
+          </p:nvPr>
+        </p:nvSpPr>
+        <p:spPr/>
+        <p:txBody>
+          <a:bodyPr/>
+          <a:lstStyle/>
+          <a:p>
+            <a:r>
+              <a:rPr lang="x-none" altLang="zh-CN" dirty="0"/>
+              <a:t>Logistic</a:t>
+            </a:r>
+            <a:endParaRPr lang="x-none" altLang="zh-CN" dirty="0"/>
+          </a:p>
+        </p:txBody>
+      </p:sp>
+      <p:sp>
+        <p:nvSpPr>
+          <p:cNvPr id="3" name="内容占位符 2"/>
+          <p:cNvSpPr>
+            <a:spLocks noGrp="1"/>
+          </p:cNvSpPr>
+          <p:nvPr>
+            <p:ph idx="1"/>
+          </p:nvPr>
+        </p:nvSpPr>
+        <p:spPr/>
+        <p:txBody>
+          <a:bodyPr>
+            <a:normAutofit/>
+          </a:bodyPr>
+          <a:lstStyle/>
+          <a:p>
+            <a:pPr marL="0" indent="0">
+              <a:lnSpc>
+                <a:spcPct val="90000"/>
+              </a:lnSpc>
+              <a:buNone/>
+            </a:pPr>
+            <a:r>
+              <a:rPr lang="x-none" altLang="zh-CN" dirty="0"/>
+              <a:t>Hardlim function ? Reasonable ?</a:t>
+            </a:r>
+            <a:endParaRPr lang="x-none" altLang="zh-CN" dirty="0"/>
+          </a:p>
+          <a:p>
+            <a:pPr marL="0" indent="0">
+              <a:lnSpc>
+                <a:spcPct val="90000"/>
+              </a:lnSpc>
+              <a:buNone/>
+            </a:pPr>
+            <a:endParaRPr lang="x-none" altLang="zh-CN" dirty="0"/>
+          </a:p>
+          <a:p>
+            <a:pPr marL="0" indent="0">
+              <a:lnSpc>
+                <a:spcPct val="90000"/>
+              </a:lnSpc>
+              <a:buNone/>
+            </a:pPr>
+            <a:r>
+              <a:rPr lang="x-none" altLang="zh-CN" dirty="0"/>
+              <a:t>We can find out that hardlim function is so strict for the W vector.</a:t>
+            </a:r>
+            <a:endParaRPr lang="x-none" altLang="zh-CN" dirty="0"/>
+          </a:p>
+          <a:p>
+            <a:pPr marL="0" indent="0">
+              <a:lnSpc>
+                <a:spcPct val="90000"/>
+              </a:lnSpc>
+              <a:buNone/>
+            </a:pPr>
+            <a:r>
+              <a:rPr lang="x-none" altLang="zh-CN" dirty="0"/>
+              <a:t>And the answer is instable and inaccuracy.</a:t>
+            </a:r>
+            <a:endParaRPr lang="x-none" altLang="zh-CN" dirty="0"/>
+          </a:p>
+        </p:txBody>
+      </p:sp>
+    </p:spTree>
+  </p:cSld>
+  <p:clrMapOvr>
+    <a:masterClrMapping/>
+  </p:clrMapOvr>
+</p:sld>
+</file>
+
 <file path=ppt/slides/slide9.xml><?xml version="1.0" encoding="utf-8"?>
 <p:sld xmlns:a="http://schemas.openxmlformats.org/drawingml/2006/main" xmlns:r="http://schemas.openxmlformats.org/officeDocument/2006/relationships" xmlns:p="http://schemas.openxmlformats.org/presentationml/2006/main">
   <p:cSld>
@@ -16972,60 +17005,100 @@
         </p:nvSpPr>
         <p:spPr/>
         <p:txBody>
-          <a:bodyPr>
-            <a:normAutofit/>
-          </a:bodyPr>
+          <a:bodyPr/>
           <a:lstStyle/>
           <a:p>
             <a:pPr marL="0" indent="0">
-              <a:lnSpc>
-                <a:spcPct val="90000"/>
-              </a:lnSpc>
               <a:buNone/>
             </a:pPr>
             <a:r>
-              <a:rPr lang="x-none" altLang="zh-CN" dirty="0"/>
-              <a:t>Hardlim function ? Reasonable ?</a:t>
-            </a:r>
-            <a:endParaRPr lang="x-none" altLang="zh-CN" dirty="0"/>
+              <a:rPr lang="x-none" altLang="zh-CN" sz="1800" dirty="0"/>
+              <a:t>Sigmod function </a:t>
+            </a:r>
+            <a:endParaRPr lang="x-none" altLang="zh-CN" sz="1800" dirty="0"/>
           </a:p>
           <a:p>
             <a:pPr marL="0" indent="0">
-              <a:lnSpc>
-                <a:spcPct val="90000"/>
-              </a:lnSpc>
               <a:buNone/>
             </a:pPr>
-            <a:endParaRPr lang="x-none" altLang="zh-CN" dirty="0"/>
+            <a:endParaRPr lang="x-none" altLang="zh-CN" sz="1800" dirty="0"/>
           </a:p>
           <a:p>
             <a:pPr marL="0" indent="0">
-              <a:lnSpc>
-                <a:spcPct val="90000"/>
-              </a:lnSpc>
               <a:buNone/>
             </a:pPr>
             <a:r>
-              <a:rPr lang="x-none" altLang="zh-CN" dirty="0"/>
-              <a:t>We can find out that hardlim function is so strict for the W vector.</a:t>
-            </a:r>
-            <a:endParaRPr lang="x-none" altLang="zh-CN" dirty="0"/>
+              <a:rPr lang="x-none" altLang="zh-CN" sz="1800" dirty="0"/>
+              <a:t>Inorder to solve the problem of the hardlim funciton ,  we will lead into the probability.</a:t>
+            </a:r>
+            <a:endParaRPr lang="x-none" altLang="zh-CN" sz="1800" dirty="0"/>
           </a:p>
           <a:p>
             <a:pPr marL="0" indent="0">
-              <a:lnSpc>
-                <a:spcPct val="90000"/>
-              </a:lnSpc>
               <a:buNone/>
             </a:pPr>
             <a:r>
-              <a:rPr lang="x-none" altLang="zh-CN" dirty="0"/>
-              <a:t>And the answer is instable and inaccuracy.</a:t>
-            </a:r>
-            <a:endParaRPr lang="x-none" altLang="zh-CN" dirty="0"/>
-          </a:p>
-        </p:txBody>
-      </p:sp>
+              <a:rPr lang="x-none" altLang="zh-CN" sz="1800" dirty="0"/>
+              <a:t>The boundary of the decision is loose. </a:t>
+            </a:r>
+            <a:endParaRPr lang="x-none" altLang="zh-CN" sz="1800" dirty="0"/>
+          </a:p>
+          <a:p>
+            <a:pPr marL="0" indent="0">
+              <a:buNone/>
+            </a:pPr>
+            <a:endParaRPr lang="x-none" altLang="zh-CN" sz="1800" dirty="0"/>
+          </a:p>
+        </p:txBody>
+      </p:sp>
+      <p:pic>
+        <p:nvPicPr>
+          <p:cNvPr id="4" name="Picture 3" descr="远看sigmod函数"/>
+          <p:cNvPicPr>
+            <a:picLocks noChangeAspect="1"/>
+          </p:cNvPicPr>
+          <p:nvPr/>
+        </p:nvPicPr>
+        <p:blipFill>
+          <a:blip r:embed="rId1"/>
+          <a:stretch>
+            <a:fillRect/>
+          </a:stretch>
+        </p:blipFill>
+        <p:spPr>
+          <a:xfrm>
+            <a:off x="-23495" y="2781935"/>
+            <a:ext cx="4626610" cy="3470275"/>
+          </a:xfrm>
+          <a:prstGeom prst="rect">
+            <a:avLst/>
+          </a:prstGeom>
+        </p:spPr>
+      </p:pic>
+      <p:pic>
+        <p:nvPicPr>
+          <p:cNvPr id="5" name="Picture 4" descr="近看sigmod函数"/>
+          <p:cNvPicPr>
+            <a:picLocks noChangeAspect="1"/>
+          </p:cNvPicPr>
+          <p:nvPr/>
+        </p:nvPicPr>
+        <p:blipFill>
+          <a:blip r:embed="rId2"/>
+          <a:stretch>
+            <a:fillRect/>
+          </a:stretch>
+        </p:blipFill>
+        <p:spPr>
+          <a:xfrm>
+            <a:off x="4326890" y="2786380"/>
+            <a:ext cx="4620895" cy="3465830"/>
+          </a:xfrm>
+          <a:prstGeom prst="rect">
+            <a:avLst/>
+          </a:prstGeom>
+        </p:spPr>
+      </p:pic>
     </p:spTree>
   </p:cSld>
   <p:clrMapOvr>
